--- a/企画書/HowToDAGScheduling.pptx
+++ b/企画書/HowToDAGScheduling.pptx
@@ -3082,7 +3082,7 @@
           <a:noFill/>
           <a:ln>
             <a:solidFill>
-              <a:schemeClr val="accent1"/>
+              <a:schemeClr val="accent2"/>
             </a:solidFill>
           </a:ln>
         </p:spPr>
@@ -3129,7 +3129,7 @@
           <a:noFill/>
           <a:ln>
             <a:solidFill>
-              <a:schemeClr val="accent1"/>
+              <a:schemeClr val="accent2"/>
             </a:solidFill>
           </a:ln>
         </p:spPr>
@@ -3206,7 +3206,7 @@
           <a:noFill/>
           <a:ln>
             <a:solidFill>
-              <a:schemeClr val="accent1"/>
+              <a:schemeClr val="accent2"/>
             </a:solidFill>
           </a:ln>
         </p:spPr>
@@ -3271,6 +3271,205 @@
           </a:p>
         </p:txBody>
       </p:sp>
+      <p:grpSp>
+        <p:nvGrpSpPr>
+          <p:cNvPr id="14" name="グループ化 13">
+            <a:extLst>
+              <a:ext uri="{FF2B5EF4-FFF2-40B4-BE49-F238E27FC236}">
+                <a16:creationId xmlns:a16="http://schemas.microsoft.com/office/drawing/2014/main" id="{422F8446-2468-F56B-A5CA-7BAE3F5B821E}"/>
+              </a:ext>
+            </a:extLst>
+          </p:cNvPr>
+          <p:cNvGrpSpPr>
+            <a:grpSpLocks noChangeAspect="1"/>
+          </p:cNvGrpSpPr>
+          <p:nvPr/>
+        </p:nvGrpSpPr>
+        <p:grpSpPr>
+          <a:xfrm>
+            <a:off x="76200" y="1828801"/>
+            <a:ext cx="2572849" cy="1877587"/>
+            <a:chOff x="76200" y="1828801"/>
+            <a:chExt cx="2861416" cy="2088174"/>
+          </a:xfrm>
+        </p:grpSpPr>
+        <p:pic>
+          <p:nvPicPr>
+            <p:cNvPr id="5" name="図 4" descr="コンピューターのスクリーンショット&#10;&#10;自動的に生成された説明">
+              <a:extLst>
+                <a:ext uri="{FF2B5EF4-FFF2-40B4-BE49-F238E27FC236}">
+                  <a16:creationId xmlns:a16="http://schemas.microsoft.com/office/drawing/2014/main" id="{0F4E2F1E-914B-1B38-CB44-332EDD1D9355}"/>
+                </a:ext>
+              </a:extLst>
+            </p:cNvPr>
+            <p:cNvPicPr>
+              <a:picLocks noChangeAspect="1"/>
+            </p:cNvPicPr>
+            <p:nvPr/>
+          </p:nvPicPr>
+          <p:blipFill rotWithShape="1">
+            <a:blip r:embed="rId2" cstate="print">
+              <a:extLst>
+                <a:ext uri="{28A0092B-C50C-407E-A947-70E740481C1C}">
+                  <a14:useLocalDpi xmlns:a14="http://schemas.microsoft.com/office/drawing/2010/main" val="0"/>
+                </a:ext>
+              </a:extLst>
+            </a:blip>
+            <a:srcRect l="19847" t="2432" b="10033"/>
+            <a:stretch/>
+          </p:blipFill>
+          <p:spPr>
+            <a:xfrm>
+              <a:off x="76200" y="1828801"/>
+              <a:ext cx="2861416" cy="1752599"/>
+            </a:xfrm>
+            <a:prstGeom prst="rect">
+              <a:avLst/>
+            </a:prstGeom>
+          </p:spPr>
+        </p:pic>
+        <p:sp>
+          <p:nvSpPr>
+            <p:cNvPr id="13" name="テキスト ボックス 12">
+              <a:extLst>
+                <a:ext uri="{FF2B5EF4-FFF2-40B4-BE49-F238E27FC236}">
+                  <a16:creationId xmlns:a16="http://schemas.microsoft.com/office/drawing/2014/main" id="{6AF7B9D7-E549-703F-214B-A1194557DDBE}"/>
+                </a:ext>
+              </a:extLst>
+            </p:cNvPr>
+            <p:cNvSpPr txBox="1"/>
+            <p:nvPr/>
+          </p:nvSpPr>
+          <p:spPr>
+            <a:xfrm>
+              <a:off x="76200" y="3608908"/>
+              <a:ext cx="2861416" cy="308067"/>
+            </a:xfrm>
+            <a:prstGeom prst="rect">
+              <a:avLst/>
+            </a:prstGeom>
+            <a:noFill/>
+          </p:spPr>
+          <p:txBody>
+            <a:bodyPr wrap="square">
+              <a:spAutoFit/>
+            </a:bodyPr>
+            <a:lstStyle/>
+            <a:p>
+              <a:r>
+                <a:rPr lang="en-US" altLang="ja-JP" sz="1200" dirty="0" err="1"/>
+                <a:t>Autoware</a:t>
+              </a:r>
+              <a:r>
+                <a:rPr lang="en-US" altLang="ja-JP" sz="1200" dirty="0"/>
+                <a:t> (</a:t>
+              </a:r>
+              <a:r>
+                <a:rPr lang="ja-JP" altLang="en-US" sz="1200" dirty="0"/>
+                <a:t>自動運転システム</a:t>
+              </a:r>
+              <a:r>
+                <a:rPr lang="en-US" altLang="ja-JP" sz="1200" dirty="0"/>
+                <a:t>)</a:t>
+              </a:r>
+              <a:endParaRPr lang="ja-JP" altLang="en-US" sz="1200" dirty="0"/>
+            </a:p>
+          </p:txBody>
+        </p:sp>
+      </p:grpSp>
+      <p:grpSp>
+        <p:nvGrpSpPr>
+          <p:cNvPr id="18" name="グループ化 17">
+            <a:extLst>
+              <a:ext uri="{FF2B5EF4-FFF2-40B4-BE49-F238E27FC236}">
+                <a16:creationId xmlns:a16="http://schemas.microsoft.com/office/drawing/2014/main" id="{7490310D-7E76-51EF-1013-05DA9345CC4B}"/>
+              </a:ext>
+            </a:extLst>
+          </p:cNvPr>
+          <p:cNvGrpSpPr>
+            <a:grpSpLocks noChangeAspect="1"/>
+          </p:cNvGrpSpPr>
+          <p:nvPr/>
+        </p:nvGrpSpPr>
+        <p:grpSpPr>
+          <a:xfrm>
+            <a:off x="1362624" y="3706388"/>
+            <a:ext cx="2572849" cy="1877586"/>
+            <a:chOff x="76200" y="1828801"/>
+            <a:chExt cx="2861416" cy="2088173"/>
+          </a:xfrm>
+        </p:grpSpPr>
+        <p:pic>
+          <p:nvPicPr>
+            <p:cNvPr id="19" name="図 18" descr="コンピューターのスクリーンショット&#10;&#10;自動的に生成された説明">
+              <a:extLst>
+                <a:ext uri="{FF2B5EF4-FFF2-40B4-BE49-F238E27FC236}">
+                  <a16:creationId xmlns:a16="http://schemas.microsoft.com/office/drawing/2014/main" id="{6FAE4E6F-FB70-D925-FDD7-CAD75D0D328F}"/>
+                </a:ext>
+              </a:extLst>
+            </p:cNvPr>
+            <p:cNvPicPr>
+              <a:picLocks noChangeAspect="1"/>
+            </p:cNvPicPr>
+            <p:nvPr/>
+          </p:nvPicPr>
+          <p:blipFill rotWithShape="1">
+            <a:blip r:embed="rId2" cstate="print">
+              <a:extLst>
+                <a:ext uri="{28A0092B-C50C-407E-A947-70E740481C1C}">
+                  <a14:useLocalDpi xmlns:a14="http://schemas.microsoft.com/office/drawing/2010/main" val="0"/>
+                </a:ext>
+              </a:extLst>
+            </a:blip>
+            <a:srcRect l="19847" t="2432" b="10033"/>
+            <a:stretch/>
+          </p:blipFill>
+          <p:spPr>
+            <a:xfrm>
+              <a:off x="76200" y="1828801"/>
+              <a:ext cx="2861416" cy="1752599"/>
+            </a:xfrm>
+            <a:prstGeom prst="rect">
+              <a:avLst/>
+            </a:prstGeom>
+          </p:spPr>
+        </p:pic>
+        <p:sp>
+          <p:nvSpPr>
+            <p:cNvPr id="20" name="テキスト ボックス 19">
+              <a:extLst>
+                <a:ext uri="{FF2B5EF4-FFF2-40B4-BE49-F238E27FC236}">
+                  <a16:creationId xmlns:a16="http://schemas.microsoft.com/office/drawing/2014/main" id="{863392DC-0C96-4D36-FDE2-9C9F9A1AB24E}"/>
+                </a:ext>
+              </a:extLst>
+            </p:cNvPr>
+            <p:cNvSpPr txBox="1"/>
+            <p:nvPr/>
+          </p:nvSpPr>
+          <p:spPr>
+            <a:xfrm>
+              <a:off x="76200" y="3608907"/>
+              <a:ext cx="2861416" cy="308067"/>
+            </a:xfrm>
+            <a:prstGeom prst="rect">
+              <a:avLst/>
+            </a:prstGeom>
+            <a:noFill/>
+          </p:spPr>
+          <p:txBody>
+            <a:bodyPr wrap="square">
+              <a:spAutoFit/>
+            </a:bodyPr>
+            <a:lstStyle/>
+            <a:p>
+              <a:r>
+                <a:rPr lang="zh-TW" altLang="en-US" sz="1200" dirty="0"/>
+                <a:t>自動運転車椅子</a:t>
+              </a:r>
+            </a:p>
+          </p:txBody>
+        </p:sp>
+      </p:grpSp>
     </p:spTree>
     <p:extLst>
       <p:ext uri="{BB962C8B-B14F-4D97-AF65-F5344CB8AC3E}">
@@ -3354,7 +3553,7 @@
           <a:noFill/>
           <a:ln>
             <a:solidFill>
-              <a:schemeClr val="accent1"/>
+              <a:schemeClr val="accent2"/>
             </a:solidFill>
           </a:ln>
         </p:spPr>
@@ -3419,7 +3618,7 @@
           <a:noFill/>
           <a:ln>
             <a:solidFill>
-              <a:schemeClr val="accent1"/>
+              <a:schemeClr val="accent2"/>
             </a:solidFill>
           </a:ln>
         </p:spPr>
@@ -3614,6 +3813,17 @@
           <a:prstGeom prst="rect">
             <a:avLst/>
           </a:prstGeom>
+          <a:solidFill>
+            <a:schemeClr val="accent2">
+              <a:lumMod val="20000"/>
+              <a:lumOff val="80000"/>
+            </a:schemeClr>
+          </a:solidFill>
+          <a:ln w="12700">
+            <a:solidFill>
+              <a:schemeClr val="accent2"/>
+            </a:solidFill>
+          </a:ln>
         </p:spPr>
         <p:style>
           <a:lnRef idx="2">
@@ -3661,6 +3871,9 @@
             <a:avLst/>
           </a:prstGeom>
           <a:noFill/>
+          <a:ln w="12700">
+            <a:noFill/>
+          </a:ln>
         </p:spPr>
         <p:txBody>
           <a:bodyPr wrap="square" rtlCol="0">
@@ -3701,11 +3914,16 @@
             <a:avLst/>
           </a:prstGeom>
           <a:solidFill>
-            <a:schemeClr val="accent1">
+            <a:schemeClr val="accent2">
               <a:lumMod val="60000"/>
               <a:lumOff val="40000"/>
             </a:schemeClr>
           </a:solidFill>
+          <a:ln w="12700">
+            <a:solidFill>
+              <a:schemeClr val="accent2"/>
+            </a:solidFill>
+          </a:ln>
         </p:spPr>
         <p:style>
           <a:lnRef idx="2">
@@ -3753,11 +3971,16 @@
             <a:avLst/>
           </a:prstGeom>
           <a:solidFill>
-            <a:schemeClr val="accent1">
+            <a:schemeClr val="accent2">
               <a:lumMod val="60000"/>
               <a:lumOff val="40000"/>
             </a:schemeClr>
           </a:solidFill>
+          <a:ln w="12700">
+            <a:solidFill>
+              <a:schemeClr val="accent2"/>
+            </a:solidFill>
+          </a:ln>
         </p:spPr>
         <p:style>
           <a:lnRef idx="2">
@@ -3805,11 +4028,16 @@
             <a:avLst/>
           </a:prstGeom>
           <a:solidFill>
-            <a:schemeClr val="accent1">
+            <a:schemeClr val="accent2">
               <a:lumMod val="60000"/>
               <a:lumOff val="40000"/>
             </a:schemeClr>
           </a:solidFill>
+          <a:ln w="12700">
+            <a:solidFill>
+              <a:schemeClr val="accent2"/>
+            </a:solidFill>
+          </a:ln>
         </p:spPr>
         <p:style>
           <a:lnRef idx="2">
@@ -3857,11 +4085,16 @@
             <a:avLst/>
           </a:prstGeom>
           <a:solidFill>
-            <a:schemeClr val="accent1">
+            <a:schemeClr val="accent2">
               <a:lumMod val="60000"/>
               <a:lumOff val="40000"/>
             </a:schemeClr>
           </a:solidFill>
+          <a:ln w="12700">
+            <a:solidFill>
+              <a:schemeClr val="accent2"/>
+            </a:solidFill>
+          </a:ln>
         </p:spPr>
         <p:style>
           <a:lnRef idx="2">
@@ -3909,11 +4142,16 @@
             <a:avLst/>
           </a:prstGeom>
           <a:solidFill>
-            <a:schemeClr val="accent1">
+            <a:schemeClr val="accent2">
               <a:lumMod val="60000"/>
               <a:lumOff val="40000"/>
             </a:schemeClr>
           </a:solidFill>
+          <a:ln w="12700">
+            <a:solidFill>
+              <a:schemeClr val="accent2"/>
+            </a:solidFill>
+          </a:ln>
         </p:spPr>
         <p:style>
           <a:lnRef idx="2">
@@ -4063,6 +4301,12 @@
             <a:chOff x="2976562" y="1349375"/>
             <a:chExt cx="6238875" cy="4159250"/>
           </a:xfrm>
+          <a:solidFill>
+            <a:schemeClr val="accent2">
+              <a:lumMod val="20000"/>
+              <a:lumOff val="80000"/>
+            </a:schemeClr>
+          </a:solidFill>
         </p:grpSpPr>
         <p:sp>
           <p:nvSpPr>
@@ -4086,6 +4330,12 @@
             <a:prstGeom prst="rect">
               <a:avLst/>
             </a:prstGeom>
+            <a:grpFill/>
+            <a:ln w="12700">
+              <a:solidFill>
+                <a:schemeClr val="accent2"/>
+              </a:solidFill>
+            </a:ln>
           </p:spPr>
           <p:style>
             <a:lnRef idx="2">
@@ -4133,6 +4383,9 @@
               <a:avLst/>
             </a:prstGeom>
             <a:noFill/>
+            <a:ln w="12700">
+              <a:noFill/>
+            </a:ln>
           </p:spPr>
           <p:txBody>
             <a:bodyPr wrap="square" rtlCol="0">
@@ -4173,11 +4426,16 @@
               <a:avLst/>
             </a:prstGeom>
             <a:solidFill>
-              <a:schemeClr val="accent1">
+              <a:schemeClr val="accent2">
                 <a:lumMod val="60000"/>
                 <a:lumOff val="40000"/>
               </a:schemeClr>
             </a:solidFill>
+            <a:ln w="12700">
+              <a:solidFill>
+                <a:schemeClr val="accent2"/>
+              </a:solidFill>
+            </a:ln>
           </p:spPr>
           <p:style>
             <a:lnRef idx="2">
@@ -4200,7 +4458,7 @@
             <a:lstStyle/>
             <a:p>
               <a:pPr algn="ctr"/>
-              <a:endParaRPr kumimoji="1" lang="ja-JP" altLang="en-US"/>
+              <a:endParaRPr kumimoji="1" lang="ja-JP" altLang="en-US" dirty="0"/>
             </a:p>
           </p:txBody>
         </p:sp>
@@ -4225,11 +4483,16 @@
               <a:avLst/>
             </a:prstGeom>
             <a:solidFill>
-              <a:schemeClr val="accent1">
+              <a:schemeClr val="accent2">
                 <a:lumMod val="60000"/>
                 <a:lumOff val="40000"/>
               </a:schemeClr>
             </a:solidFill>
+            <a:ln w="12700">
+              <a:solidFill>
+                <a:schemeClr val="accent2"/>
+              </a:solidFill>
+            </a:ln>
           </p:spPr>
           <p:style>
             <a:lnRef idx="2">
@@ -4277,11 +4540,16 @@
               <a:avLst/>
             </a:prstGeom>
             <a:solidFill>
-              <a:schemeClr val="accent1">
+              <a:schemeClr val="accent2">
                 <a:lumMod val="60000"/>
                 <a:lumOff val="40000"/>
               </a:schemeClr>
             </a:solidFill>
+            <a:ln w="12700">
+              <a:solidFill>
+                <a:schemeClr val="accent2"/>
+              </a:solidFill>
+            </a:ln>
           </p:spPr>
           <p:style>
             <a:lnRef idx="2">
@@ -4329,11 +4597,16 @@
               <a:avLst/>
             </a:prstGeom>
             <a:solidFill>
-              <a:schemeClr val="accent1">
+              <a:schemeClr val="accent2">
                 <a:lumMod val="60000"/>
                 <a:lumOff val="40000"/>
               </a:schemeClr>
             </a:solidFill>
+            <a:ln w="12700">
+              <a:solidFill>
+                <a:schemeClr val="accent2"/>
+              </a:solidFill>
+            </a:ln>
           </p:spPr>
           <p:style>
             <a:lnRef idx="2">
@@ -4381,11 +4654,16 @@
               <a:avLst/>
             </a:prstGeom>
             <a:solidFill>
-              <a:schemeClr val="accent1">
+              <a:schemeClr val="accent2">
                 <a:lumMod val="60000"/>
                 <a:lumOff val="40000"/>
               </a:schemeClr>
             </a:solidFill>
+            <a:ln w="12700">
+              <a:solidFill>
+                <a:schemeClr val="accent2"/>
+              </a:solidFill>
+            </a:ln>
           </p:spPr>
           <p:style>
             <a:lnRef idx="2">
@@ -4418,32 +4696,30 @@
       </p:grpSp>
       <p:grpSp>
         <p:nvGrpSpPr>
-          <p:cNvPr id="14" name="グループ化 13">
+          <p:cNvPr id="44" name="グループ化 43">
             <a:extLst>
               <a:ext uri="{FF2B5EF4-FFF2-40B4-BE49-F238E27FC236}">
-                <a16:creationId xmlns:a16="http://schemas.microsoft.com/office/drawing/2014/main" id="{26F872E3-972E-A77A-9016-70B6FF3317D2}"/>
+                <a16:creationId xmlns:a16="http://schemas.microsoft.com/office/drawing/2014/main" id="{8FBF5707-25A2-C920-5803-2BEEC50FEC82}"/>
               </a:ext>
             </a:extLst>
           </p:cNvPr>
-          <p:cNvGrpSpPr>
-            <a:grpSpLocks noChangeAspect="1"/>
-          </p:cNvGrpSpPr>
+          <p:cNvGrpSpPr/>
           <p:nvPr/>
         </p:nvGrpSpPr>
         <p:grpSpPr>
           <a:xfrm>
-            <a:off x="416559" y="4024619"/>
+            <a:off x="4256881" y="1295400"/>
             <a:ext cx="3678238" cy="2452159"/>
-            <a:chOff x="2976562" y="1349375"/>
-            <a:chExt cx="6238875" cy="4159250"/>
+            <a:chOff x="4256881" y="1295400"/>
+            <a:chExt cx="3678238" cy="2452159"/>
           </a:xfrm>
         </p:grpSpPr>
         <p:sp>
           <p:nvSpPr>
-            <p:cNvPr id="15" name="正方形/長方形 14">
+            <p:cNvPr id="23" name="正方形/長方形 22">
               <a:extLst>
                 <a:ext uri="{FF2B5EF4-FFF2-40B4-BE49-F238E27FC236}">
-                  <a16:creationId xmlns:a16="http://schemas.microsoft.com/office/drawing/2014/main" id="{E3C15178-2833-CFA7-304F-71FAB19CF990}"/>
+                  <a16:creationId xmlns:a16="http://schemas.microsoft.com/office/drawing/2014/main" id="{99DAC821-A2F7-384C-3EE6-578EFDDC51C5}"/>
                 </a:ext>
               </a:extLst>
             </p:cNvPr>
@@ -4454,12 +4730,23 @@
           </p:nvSpPr>
           <p:spPr>
             <a:xfrm>
-              <a:off x="2976562" y="1349375"/>
-              <a:ext cx="6238875" cy="4159250"/>
+              <a:off x="4256881" y="1295400"/>
+              <a:ext cx="3678238" cy="2452159"/>
             </a:xfrm>
             <a:prstGeom prst="rect">
               <a:avLst/>
             </a:prstGeom>
+            <a:solidFill>
+              <a:schemeClr val="accent2">
+                <a:lumMod val="20000"/>
+                <a:lumOff val="80000"/>
+              </a:schemeClr>
+            </a:solidFill>
+            <a:ln w="12700">
+              <a:solidFill>
+                <a:schemeClr val="accent2"/>
+              </a:solidFill>
+            </a:ln>
           </p:spPr>
           <p:style>
             <a:lnRef idx="2">
@@ -4488,10 +4775,314 @@
         </p:sp>
         <p:sp>
           <p:nvSpPr>
-            <p:cNvPr id="16" name="テキスト ボックス 15">
+            <p:cNvPr id="25" name="正方形/長方形 24">
               <a:extLst>
                 <a:ext uri="{FF2B5EF4-FFF2-40B4-BE49-F238E27FC236}">
-                  <a16:creationId xmlns:a16="http://schemas.microsoft.com/office/drawing/2014/main" id="{7340E3DD-A20D-8A04-3411-5C3FE4414958}"/>
+                  <a16:creationId xmlns:a16="http://schemas.microsoft.com/office/drawing/2014/main" id="{FD108C3C-9512-A6DB-794A-E78F13505C79}"/>
+                </a:ext>
+              </a:extLst>
+            </p:cNvPr>
+            <p:cNvSpPr/>
+            <p:nvPr/>
+          </p:nvSpPr>
+          <p:spPr>
+            <a:xfrm>
+              <a:off x="4343400" y="3309273"/>
+              <a:ext cx="2057400" cy="195927"/>
+            </a:xfrm>
+            <a:prstGeom prst="rect">
+              <a:avLst/>
+            </a:prstGeom>
+            <a:solidFill>
+              <a:schemeClr val="accent2">
+                <a:lumMod val="60000"/>
+                <a:lumOff val="40000"/>
+              </a:schemeClr>
+            </a:solidFill>
+            <a:ln w="12700">
+              <a:solidFill>
+                <a:schemeClr val="accent2"/>
+              </a:solidFill>
+            </a:ln>
+          </p:spPr>
+          <p:style>
+            <a:lnRef idx="2">
+              <a:schemeClr val="accent1">
+                <a:shade val="50000"/>
+              </a:schemeClr>
+            </a:lnRef>
+            <a:fillRef idx="1">
+              <a:schemeClr val="accent1"/>
+            </a:fillRef>
+            <a:effectRef idx="0">
+              <a:schemeClr val="accent1"/>
+            </a:effectRef>
+            <a:fontRef idx="minor">
+              <a:schemeClr val="lt1"/>
+            </a:fontRef>
+          </p:style>
+          <p:txBody>
+            <a:bodyPr rtlCol="0" anchor="t"/>
+            <a:lstStyle/>
+            <a:p>
+              <a:r>
+                <a:rPr kumimoji="1" lang="ja-JP" altLang="en-US" sz="1200" dirty="0">
+                  <a:solidFill>
+                    <a:schemeClr val="tx1"/>
+                  </a:solidFill>
+                </a:rPr>
+                <a:t>ステージ </a:t>
+              </a:r>
+              <a:r>
+                <a:rPr kumimoji="1" lang="en-US" altLang="ja-JP" sz="1200" dirty="0">
+                  <a:solidFill>
+                    <a:schemeClr val="tx1"/>
+                  </a:solidFill>
+                </a:rPr>
+                <a:t>X</a:t>
+              </a:r>
+              <a:endParaRPr kumimoji="1" lang="ja-JP" altLang="en-US" sz="1200" dirty="0">
+                <a:solidFill>
+                  <a:schemeClr val="tx1"/>
+                </a:solidFill>
+              </a:endParaRPr>
+            </a:p>
+          </p:txBody>
+        </p:sp>
+        <p:sp>
+          <p:nvSpPr>
+            <p:cNvPr id="2" name="正方形/長方形 1">
+              <a:extLst>
+                <a:ext uri="{FF2B5EF4-FFF2-40B4-BE49-F238E27FC236}">
+                  <a16:creationId xmlns:a16="http://schemas.microsoft.com/office/drawing/2014/main" id="{0692E7D5-3E56-416D-7AD0-45FB40FE10FC}"/>
+                </a:ext>
+              </a:extLst>
+            </p:cNvPr>
+            <p:cNvSpPr/>
+            <p:nvPr/>
+          </p:nvSpPr>
+          <p:spPr>
+            <a:xfrm>
+              <a:off x="4343400" y="3054624"/>
+              <a:ext cx="2057400" cy="195927"/>
+            </a:xfrm>
+            <a:prstGeom prst="rect">
+              <a:avLst/>
+            </a:prstGeom>
+            <a:solidFill>
+              <a:schemeClr val="accent2">
+                <a:lumMod val="60000"/>
+                <a:lumOff val="40000"/>
+              </a:schemeClr>
+            </a:solidFill>
+            <a:ln w="12700">
+              <a:solidFill>
+                <a:schemeClr val="accent2"/>
+              </a:solidFill>
+            </a:ln>
+          </p:spPr>
+          <p:style>
+            <a:lnRef idx="2">
+              <a:schemeClr val="accent1">
+                <a:shade val="50000"/>
+              </a:schemeClr>
+            </a:lnRef>
+            <a:fillRef idx="1">
+              <a:schemeClr val="accent1"/>
+            </a:fillRef>
+            <a:effectRef idx="0">
+              <a:schemeClr val="accent1"/>
+            </a:effectRef>
+            <a:fontRef idx="minor">
+              <a:schemeClr val="lt1"/>
+            </a:fontRef>
+          </p:style>
+          <p:txBody>
+            <a:bodyPr rtlCol="0" anchor="t"/>
+            <a:lstStyle/>
+            <a:p>
+              <a:r>
+                <a:rPr kumimoji="1" lang="ja-JP" altLang="en-US" sz="1200" dirty="0">
+                  <a:solidFill>
+                    <a:schemeClr val="tx1"/>
+                  </a:solidFill>
+                </a:rPr>
+                <a:t>ステージ </a:t>
+              </a:r>
+              <a:r>
+                <a:rPr kumimoji="1" lang="en-US" altLang="ja-JP" sz="1200" dirty="0">
+                  <a:solidFill>
+                    <a:schemeClr val="tx1"/>
+                  </a:solidFill>
+                </a:rPr>
+                <a:t>X</a:t>
+              </a:r>
+              <a:endParaRPr kumimoji="1" lang="ja-JP" altLang="en-US" sz="1200" dirty="0">
+                <a:solidFill>
+                  <a:schemeClr val="tx1"/>
+                </a:solidFill>
+              </a:endParaRPr>
+            </a:p>
+          </p:txBody>
+        </p:sp>
+        <p:sp>
+          <p:nvSpPr>
+            <p:cNvPr id="3" name="正方形/長方形 2">
+              <a:extLst>
+                <a:ext uri="{FF2B5EF4-FFF2-40B4-BE49-F238E27FC236}">
+                  <a16:creationId xmlns:a16="http://schemas.microsoft.com/office/drawing/2014/main" id="{DADAA1B0-7E11-19CF-93F2-4586ECFBDAB6}"/>
+                </a:ext>
+              </a:extLst>
+            </p:cNvPr>
+            <p:cNvSpPr/>
+            <p:nvPr/>
+          </p:nvSpPr>
+          <p:spPr>
+            <a:xfrm>
+              <a:off x="4343400" y="2799975"/>
+              <a:ext cx="2057400" cy="195927"/>
+            </a:xfrm>
+            <a:prstGeom prst="rect">
+              <a:avLst/>
+            </a:prstGeom>
+            <a:solidFill>
+              <a:schemeClr val="accent2">
+                <a:lumMod val="60000"/>
+                <a:lumOff val="40000"/>
+              </a:schemeClr>
+            </a:solidFill>
+            <a:ln w="12700">
+              <a:solidFill>
+                <a:schemeClr val="accent2"/>
+              </a:solidFill>
+            </a:ln>
+          </p:spPr>
+          <p:style>
+            <a:lnRef idx="2">
+              <a:schemeClr val="accent1">
+                <a:shade val="50000"/>
+              </a:schemeClr>
+            </a:lnRef>
+            <a:fillRef idx="1">
+              <a:schemeClr val="accent1"/>
+            </a:fillRef>
+            <a:effectRef idx="0">
+              <a:schemeClr val="accent1"/>
+            </a:effectRef>
+            <a:fontRef idx="minor">
+              <a:schemeClr val="lt1"/>
+            </a:fontRef>
+          </p:style>
+          <p:txBody>
+            <a:bodyPr rtlCol="0" anchor="t"/>
+            <a:lstStyle/>
+            <a:p>
+              <a:r>
+                <a:rPr kumimoji="1" lang="ja-JP" altLang="en-US" sz="1200" dirty="0">
+                  <a:solidFill>
+                    <a:schemeClr val="tx1"/>
+                  </a:solidFill>
+                </a:rPr>
+                <a:t>ステージ </a:t>
+              </a:r>
+              <a:r>
+                <a:rPr kumimoji="1" lang="en-US" altLang="ja-JP" sz="1200" dirty="0">
+                  <a:solidFill>
+                    <a:schemeClr val="tx1"/>
+                  </a:solidFill>
+                </a:rPr>
+                <a:t>X</a:t>
+              </a:r>
+              <a:endParaRPr kumimoji="1" lang="ja-JP" altLang="en-US" sz="1200" dirty="0">
+                <a:solidFill>
+                  <a:schemeClr val="tx1"/>
+                </a:solidFill>
+              </a:endParaRPr>
+            </a:p>
+          </p:txBody>
+        </p:sp>
+        <p:sp>
+          <p:nvSpPr>
+            <p:cNvPr id="30" name="正方形/長方形 29">
+              <a:extLst>
+                <a:ext uri="{FF2B5EF4-FFF2-40B4-BE49-F238E27FC236}">
+                  <a16:creationId xmlns:a16="http://schemas.microsoft.com/office/drawing/2014/main" id="{F02201D9-A083-AB58-3019-305648150DF9}"/>
+                </a:ext>
+              </a:extLst>
+            </p:cNvPr>
+            <p:cNvSpPr/>
+            <p:nvPr/>
+          </p:nvSpPr>
+          <p:spPr>
+            <a:xfrm>
+              <a:off x="6477000" y="1502573"/>
+              <a:ext cx="1371600" cy="1164427"/>
+            </a:xfrm>
+            <a:prstGeom prst="rect">
+              <a:avLst/>
+            </a:prstGeom>
+            <a:solidFill>
+              <a:schemeClr val="accent2">
+                <a:lumMod val="60000"/>
+                <a:lumOff val="40000"/>
+              </a:schemeClr>
+            </a:solidFill>
+            <a:ln w="12700">
+              <a:solidFill>
+                <a:schemeClr val="accent2"/>
+              </a:solidFill>
+            </a:ln>
+          </p:spPr>
+          <p:style>
+            <a:lnRef idx="2">
+              <a:schemeClr val="accent1">
+                <a:shade val="50000"/>
+              </a:schemeClr>
+            </a:lnRef>
+            <a:fillRef idx="1">
+              <a:schemeClr val="accent1"/>
+            </a:fillRef>
+            <a:effectRef idx="0">
+              <a:schemeClr val="accent1"/>
+            </a:effectRef>
+            <a:fontRef idx="minor">
+              <a:schemeClr val="lt1"/>
+            </a:fontRef>
+          </p:style>
+          <p:txBody>
+            <a:bodyPr rtlCol="0" anchor="t"/>
+            <a:lstStyle/>
+            <a:p>
+              <a:r>
+                <a:rPr kumimoji="1" lang="ja-JP" altLang="en-US" sz="1200" dirty="0">
+                  <a:solidFill>
+                    <a:schemeClr val="tx1"/>
+                  </a:solidFill>
+                </a:rPr>
+                <a:t>ステージ</a:t>
+              </a:r>
+              <a:r>
+                <a:rPr kumimoji="1" lang="en-US" altLang="ja-JP" sz="1200" dirty="0">
+                  <a:solidFill>
+                    <a:schemeClr val="tx1"/>
+                  </a:solidFill>
+                </a:rPr>
+                <a:t>X</a:t>
+              </a:r>
+              <a:endParaRPr kumimoji="1" lang="ja-JP" altLang="en-US" sz="1200" dirty="0">
+                <a:solidFill>
+                  <a:schemeClr val="tx1"/>
+                </a:solidFill>
+              </a:endParaRPr>
+            </a:p>
+          </p:txBody>
+        </p:sp>
+        <p:sp>
+          <p:nvSpPr>
+            <p:cNvPr id="31" name="テキスト ボックス 30">
+              <a:extLst>
+                <a:ext uri="{FF2B5EF4-FFF2-40B4-BE49-F238E27FC236}">
+                  <a16:creationId xmlns:a16="http://schemas.microsoft.com/office/drawing/2014/main" id="{4DA95AA0-111B-44F9-8EB1-C19F8D50ED05}"/>
                 </a:ext>
               </a:extLst>
             </p:cNvPr>
@@ -4500,13 +5091,16 @@
           </p:nvSpPr>
           <p:spPr>
             <a:xfrm>
-              <a:off x="2976562" y="1349375"/>
-              <a:ext cx="1323976" cy="391528"/>
+              <a:off x="4256881" y="1295400"/>
+              <a:ext cx="1686719" cy="230832"/>
             </a:xfrm>
             <a:prstGeom prst="rect">
               <a:avLst/>
             </a:prstGeom>
             <a:noFill/>
+            <a:ln w="12700">
+              <a:noFill/>
+            </a:ln>
           </p:spPr>
           <p:txBody>
             <a:bodyPr wrap="square" rtlCol="0">
@@ -4516,42 +5110,65 @@
             <a:p>
               <a:r>
                 <a:rPr kumimoji="1" lang="ja-JP" altLang="en-US" sz="900" dirty="0"/>
-                <a:t>ステージ </a:t>
+                <a:t>ステージ選択</a:t>
               </a:r>
-              <a:r>
-                <a:rPr kumimoji="1" lang="en-US" altLang="ja-JP" sz="900" dirty="0"/>
-                <a:t>X</a:t>
-              </a:r>
-              <a:endParaRPr kumimoji="1" lang="ja-JP" altLang="en-US" sz="900" dirty="0"/>
             </a:p>
           </p:txBody>
         </p:sp>
+      </p:grpSp>
+      <p:grpSp>
+        <p:nvGrpSpPr>
+          <p:cNvPr id="45" name="グループ化 44">
+            <a:extLst>
+              <a:ext uri="{FF2B5EF4-FFF2-40B4-BE49-F238E27FC236}">
+                <a16:creationId xmlns:a16="http://schemas.microsoft.com/office/drawing/2014/main" id="{D6E9FD1C-8186-8E0B-B165-877ACF6E516E}"/>
+              </a:ext>
+            </a:extLst>
+          </p:cNvPr>
+          <p:cNvGrpSpPr/>
+          <p:nvPr/>
+        </p:nvGrpSpPr>
+        <p:grpSpPr>
+          <a:xfrm>
+            <a:off x="416559" y="4024619"/>
+            <a:ext cx="3678238" cy="2452159"/>
+            <a:chOff x="416559" y="4024619"/>
+            <a:chExt cx="3678238" cy="2452159"/>
+          </a:xfrm>
+        </p:grpSpPr>
         <p:sp>
           <p:nvSpPr>
-            <p:cNvPr id="17" name="正方形/長方形 16">
+            <p:cNvPr id="15" name="正方形/長方形 14">
               <a:extLst>
                 <a:ext uri="{FF2B5EF4-FFF2-40B4-BE49-F238E27FC236}">
-                  <a16:creationId xmlns:a16="http://schemas.microsoft.com/office/drawing/2014/main" id="{759488F4-27C3-3758-8AEC-0A22B9349803}"/>
+                  <a16:creationId xmlns:a16="http://schemas.microsoft.com/office/drawing/2014/main" id="{E3C15178-2833-CFA7-304F-71FAB19CF990}"/>
                 </a:ext>
               </a:extLst>
             </p:cNvPr>
-            <p:cNvSpPr/>
+            <p:cNvSpPr>
+              <a:spLocks noChangeAspect="1"/>
+            </p:cNvSpPr>
             <p:nvPr/>
           </p:nvSpPr>
           <p:spPr>
             <a:xfrm>
-              <a:off x="3095625" y="1718707"/>
-              <a:ext cx="2733675" cy="1853168"/>
+              <a:off x="416559" y="4024619"/>
+              <a:ext cx="3678238" cy="2452159"/>
             </a:xfrm>
             <a:prstGeom prst="rect">
               <a:avLst/>
             </a:prstGeom>
             <a:solidFill>
-              <a:schemeClr val="accent1">
-                <a:lumMod val="60000"/>
-                <a:lumOff val="40000"/>
+              <a:schemeClr val="accent2">
+                <a:lumMod val="20000"/>
+                <a:lumOff val="80000"/>
               </a:schemeClr>
             </a:solidFill>
+            <a:ln w="12700">
+              <a:solidFill>
+                <a:schemeClr val="accent2"/>
+              </a:solidFill>
+            </a:ln>
           </p:spPr>
           <p:style>
             <a:lnRef idx="2">
@@ -4580,292 +5197,10 @@
         </p:sp>
         <p:sp>
           <p:nvSpPr>
-            <p:cNvPr id="18" name="正方形/長方形 17">
+            <p:cNvPr id="32" name="テキスト ボックス 31">
               <a:extLst>
                 <a:ext uri="{FF2B5EF4-FFF2-40B4-BE49-F238E27FC236}">
-                  <a16:creationId xmlns:a16="http://schemas.microsoft.com/office/drawing/2014/main" id="{DC8F3E36-F57C-ABC2-5236-933198BEE73F}"/>
-                </a:ext>
-              </a:extLst>
-            </p:cNvPr>
-            <p:cNvSpPr/>
-            <p:nvPr/>
-          </p:nvSpPr>
-          <p:spPr>
-            <a:xfrm>
-              <a:off x="3095625" y="3657600"/>
-              <a:ext cx="3467100" cy="1765299"/>
-            </a:xfrm>
-            <a:prstGeom prst="rect">
-              <a:avLst/>
-            </a:prstGeom>
-            <a:solidFill>
-              <a:schemeClr val="accent1">
-                <a:lumMod val="60000"/>
-                <a:lumOff val="40000"/>
-              </a:schemeClr>
-            </a:solidFill>
-          </p:spPr>
-          <p:style>
-            <a:lnRef idx="2">
-              <a:schemeClr val="accent1">
-                <a:shade val="50000"/>
-              </a:schemeClr>
-            </a:lnRef>
-            <a:fillRef idx="1">
-              <a:schemeClr val="accent1"/>
-            </a:fillRef>
-            <a:effectRef idx="0">
-              <a:schemeClr val="accent1"/>
-            </a:effectRef>
-            <a:fontRef idx="minor">
-              <a:schemeClr val="lt1"/>
-            </a:fontRef>
-          </p:style>
-          <p:txBody>
-            <a:bodyPr rtlCol="0" anchor="ctr"/>
-            <a:lstStyle/>
-            <a:p>
-              <a:pPr algn="ctr"/>
-              <a:endParaRPr kumimoji="1" lang="ja-JP" altLang="en-US"/>
-            </a:p>
-          </p:txBody>
-        </p:sp>
-        <p:sp>
-          <p:nvSpPr>
-            <p:cNvPr id="19" name="正方形/長方形 18">
-              <a:extLst>
-                <a:ext uri="{FF2B5EF4-FFF2-40B4-BE49-F238E27FC236}">
-                  <a16:creationId xmlns:a16="http://schemas.microsoft.com/office/drawing/2014/main" id="{2BE59E5F-1DAC-8264-2A09-C10965C1576A}"/>
-                </a:ext>
-              </a:extLst>
-            </p:cNvPr>
-            <p:cNvSpPr/>
-            <p:nvPr/>
-          </p:nvSpPr>
-          <p:spPr>
-            <a:xfrm>
-              <a:off x="5948363" y="1718706"/>
-              <a:ext cx="3186112" cy="1853168"/>
-            </a:xfrm>
-            <a:prstGeom prst="rect">
-              <a:avLst/>
-            </a:prstGeom>
-            <a:solidFill>
-              <a:schemeClr val="accent1">
-                <a:lumMod val="60000"/>
-                <a:lumOff val="40000"/>
-              </a:schemeClr>
-            </a:solidFill>
-          </p:spPr>
-          <p:style>
-            <a:lnRef idx="2">
-              <a:schemeClr val="accent1">
-                <a:shade val="50000"/>
-              </a:schemeClr>
-            </a:lnRef>
-            <a:fillRef idx="1">
-              <a:schemeClr val="accent1"/>
-            </a:fillRef>
-            <a:effectRef idx="0">
-              <a:schemeClr val="accent1"/>
-            </a:effectRef>
-            <a:fontRef idx="minor">
-              <a:schemeClr val="lt1"/>
-            </a:fontRef>
-          </p:style>
-          <p:txBody>
-            <a:bodyPr rtlCol="0" anchor="ctr"/>
-            <a:lstStyle/>
-            <a:p>
-              <a:pPr algn="ctr"/>
-              <a:endParaRPr kumimoji="1" lang="ja-JP" altLang="en-US"/>
-            </a:p>
-          </p:txBody>
-        </p:sp>
-        <p:sp>
-          <p:nvSpPr>
-            <p:cNvPr id="20" name="正方形/長方形 19">
-              <a:extLst>
-                <a:ext uri="{FF2B5EF4-FFF2-40B4-BE49-F238E27FC236}">
-                  <a16:creationId xmlns:a16="http://schemas.microsoft.com/office/drawing/2014/main" id="{A5D5F4CB-88AC-B6DA-C310-DA9671E27C48}"/>
-                </a:ext>
-              </a:extLst>
-            </p:cNvPr>
-            <p:cNvSpPr/>
-            <p:nvPr/>
-          </p:nvSpPr>
-          <p:spPr>
-            <a:xfrm>
-              <a:off x="6681788" y="3657600"/>
-              <a:ext cx="2452687" cy="1765299"/>
-            </a:xfrm>
-            <a:prstGeom prst="rect">
-              <a:avLst/>
-            </a:prstGeom>
-            <a:solidFill>
-              <a:schemeClr val="accent1">
-                <a:lumMod val="60000"/>
-                <a:lumOff val="40000"/>
-              </a:schemeClr>
-            </a:solidFill>
-          </p:spPr>
-          <p:style>
-            <a:lnRef idx="2">
-              <a:schemeClr val="accent1">
-                <a:shade val="50000"/>
-              </a:schemeClr>
-            </a:lnRef>
-            <a:fillRef idx="1">
-              <a:schemeClr val="accent1"/>
-            </a:fillRef>
-            <a:effectRef idx="0">
-              <a:schemeClr val="accent1"/>
-            </a:effectRef>
-            <a:fontRef idx="minor">
-              <a:schemeClr val="lt1"/>
-            </a:fontRef>
-          </p:style>
-          <p:txBody>
-            <a:bodyPr rtlCol="0" anchor="ctr"/>
-            <a:lstStyle/>
-            <a:p>
-              <a:pPr algn="ctr"/>
-              <a:endParaRPr kumimoji="1" lang="ja-JP" altLang="en-US"/>
-            </a:p>
-          </p:txBody>
-        </p:sp>
-        <p:sp>
-          <p:nvSpPr>
-            <p:cNvPr id="21" name="正方形/長方形 20">
-              <a:extLst>
-                <a:ext uri="{FF2B5EF4-FFF2-40B4-BE49-F238E27FC236}">
-                  <a16:creationId xmlns:a16="http://schemas.microsoft.com/office/drawing/2014/main" id="{25DEACAB-54B3-4E2D-0620-CA17C966484E}"/>
-                </a:ext>
-              </a:extLst>
-            </p:cNvPr>
-            <p:cNvSpPr/>
-            <p:nvPr/>
-          </p:nvSpPr>
-          <p:spPr>
-            <a:xfrm>
-              <a:off x="5948363" y="1392238"/>
-              <a:ext cx="338137" cy="283605"/>
-            </a:xfrm>
-            <a:prstGeom prst="rect">
-              <a:avLst/>
-            </a:prstGeom>
-            <a:solidFill>
-              <a:schemeClr val="accent1">
-                <a:lumMod val="60000"/>
-                <a:lumOff val="40000"/>
-              </a:schemeClr>
-            </a:solidFill>
-          </p:spPr>
-          <p:style>
-            <a:lnRef idx="2">
-              <a:schemeClr val="accent1">
-                <a:shade val="50000"/>
-              </a:schemeClr>
-            </a:lnRef>
-            <a:fillRef idx="1">
-              <a:schemeClr val="accent1"/>
-            </a:fillRef>
-            <a:effectRef idx="0">
-              <a:schemeClr val="accent1"/>
-            </a:effectRef>
-            <a:fontRef idx="minor">
-              <a:schemeClr val="lt1"/>
-            </a:fontRef>
-          </p:style>
-          <p:txBody>
-            <a:bodyPr rtlCol="0" anchor="ctr"/>
-            <a:lstStyle/>
-            <a:p>
-              <a:pPr algn="ctr"/>
-              <a:r>
-                <a:rPr kumimoji="1" lang="ja-JP" altLang="en-US" sz="900" dirty="0"/>
-                <a:t>🏠</a:t>
-              </a:r>
-            </a:p>
-          </p:txBody>
-        </p:sp>
-      </p:grpSp>
-      <p:grpSp>
-        <p:nvGrpSpPr>
-          <p:cNvPr id="22" name="グループ化 21">
-            <a:extLst>
-              <a:ext uri="{FF2B5EF4-FFF2-40B4-BE49-F238E27FC236}">
-                <a16:creationId xmlns:a16="http://schemas.microsoft.com/office/drawing/2014/main" id="{03EA2749-B149-9179-EB4E-D15AFA05709C}"/>
-              </a:ext>
-            </a:extLst>
-          </p:cNvPr>
-          <p:cNvGrpSpPr>
-            <a:grpSpLocks noChangeAspect="1"/>
-          </p:cNvGrpSpPr>
-          <p:nvPr/>
-        </p:nvGrpSpPr>
-        <p:grpSpPr>
-          <a:xfrm>
-            <a:off x="4256881" y="1295400"/>
-            <a:ext cx="3678238" cy="2452159"/>
-            <a:chOff x="2976562" y="1349375"/>
-            <a:chExt cx="6238875" cy="4159250"/>
-          </a:xfrm>
-        </p:grpSpPr>
-        <p:sp>
-          <p:nvSpPr>
-            <p:cNvPr id="23" name="正方形/長方形 22">
-              <a:extLst>
-                <a:ext uri="{FF2B5EF4-FFF2-40B4-BE49-F238E27FC236}">
-                  <a16:creationId xmlns:a16="http://schemas.microsoft.com/office/drawing/2014/main" id="{99DAC821-A2F7-384C-3EE6-578EFDDC51C5}"/>
-                </a:ext>
-              </a:extLst>
-            </p:cNvPr>
-            <p:cNvSpPr>
-              <a:spLocks noChangeAspect="1"/>
-            </p:cNvSpPr>
-            <p:nvPr/>
-          </p:nvSpPr>
-          <p:spPr>
-            <a:xfrm>
-              <a:off x="2976562" y="1349375"/>
-              <a:ext cx="6238875" cy="4159250"/>
-            </a:xfrm>
-            <a:prstGeom prst="rect">
-              <a:avLst/>
-            </a:prstGeom>
-          </p:spPr>
-          <p:style>
-            <a:lnRef idx="2">
-              <a:schemeClr val="accent1">
-                <a:shade val="50000"/>
-              </a:schemeClr>
-            </a:lnRef>
-            <a:fillRef idx="1">
-              <a:schemeClr val="accent1"/>
-            </a:fillRef>
-            <a:effectRef idx="0">
-              <a:schemeClr val="accent1"/>
-            </a:effectRef>
-            <a:fontRef idx="minor">
-              <a:schemeClr val="lt1"/>
-            </a:fontRef>
-          </p:style>
-          <p:txBody>
-            <a:bodyPr rtlCol="0" anchor="ctr"/>
-            <a:lstStyle/>
-            <a:p>
-              <a:pPr algn="ctr"/>
-              <a:endParaRPr kumimoji="1" lang="ja-JP" altLang="en-US"/>
-            </a:p>
-          </p:txBody>
-        </p:sp>
-        <p:sp>
-          <p:nvSpPr>
-            <p:cNvPr id="24" name="テキスト ボックス 23">
-              <a:extLst>
-                <a:ext uri="{FF2B5EF4-FFF2-40B4-BE49-F238E27FC236}">
-                  <a16:creationId xmlns:a16="http://schemas.microsoft.com/office/drawing/2014/main" id="{706164D8-074A-CB45-B210-5F3C4CDE06C6}"/>
+                  <a16:creationId xmlns:a16="http://schemas.microsoft.com/office/drawing/2014/main" id="{A8EE38E6-74E4-A0B4-DC0A-0C04B772B737}"/>
                 </a:ext>
               </a:extLst>
             </p:cNvPr>
@@ -4874,13 +5209,16 @@
           </p:nvSpPr>
           <p:spPr>
             <a:xfrm>
-              <a:off x="2976562" y="1349375"/>
-              <a:ext cx="1323976" cy="391528"/>
+              <a:off x="685508" y="4835199"/>
+              <a:ext cx="3140339" cy="830997"/>
             </a:xfrm>
             <a:prstGeom prst="rect">
               <a:avLst/>
             </a:prstGeom>
             <a:noFill/>
+            <a:ln w="12700">
+              <a:noFill/>
+            </a:ln>
           </p:spPr>
           <p:txBody>
             <a:bodyPr wrap="square" rtlCol="0">
@@ -4888,282 +5226,304 @@
             </a:bodyPr>
             <a:lstStyle/>
             <a:p>
+              <a:pPr algn="ctr"/>
               <a:r>
-                <a:rPr kumimoji="1" lang="ja-JP" altLang="en-US" sz="900" dirty="0"/>
-                <a:t>ステージ </a:t>
+                <a:rPr kumimoji="1" lang="en-US" altLang="ja-JP" sz="1600" dirty="0" err="1">
+                  <a:latin typeface="+mj-lt"/>
+                </a:rPr>
+                <a:t>HowToDAGScheduling</a:t>
               </a:r>
-              <a:r>
-                <a:rPr kumimoji="1" lang="en-US" altLang="ja-JP" sz="900" dirty="0"/>
-                <a:t>X</a:t>
-              </a:r>
-              <a:endParaRPr kumimoji="1" lang="ja-JP" altLang="en-US" sz="900" dirty="0"/>
+              <a:endParaRPr kumimoji="1" lang="en-US" altLang="ja-JP" sz="1600" dirty="0">
+                <a:latin typeface="+mj-lt"/>
+              </a:endParaRPr>
             </a:p>
-          </p:txBody>
-        </p:sp>
-        <p:sp>
-          <p:nvSpPr>
-            <p:cNvPr id="25" name="正方形/長方形 24">
-              <a:extLst>
-                <a:ext uri="{FF2B5EF4-FFF2-40B4-BE49-F238E27FC236}">
-                  <a16:creationId xmlns:a16="http://schemas.microsoft.com/office/drawing/2014/main" id="{FD108C3C-9512-A6DB-794A-E78F13505C79}"/>
-                </a:ext>
-              </a:extLst>
-            </p:cNvPr>
-            <p:cNvSpPr/>
-            <p:nvPr/>
-          </p:nvSpPr>
-          <p:spPr>
-            <a:xfrm>
-              <a:off x="3095625" y="1718707"/>
-              <a:ext cx="2733675" cy="1853168"/>
-            </a:xfrm>
-            <a:prstGeom prst="rect">
-              <a:avLst/>
-            </a:prstGeom>
-            <a:solidFill>
-              <a:schemeClr val="accent1">
-                <a:lumMod val="60000"/>
-                <a:lumOff val="40000"/>
-              </a:schemeClr>
-            </a:solidFill>
-          </p:spPr>
-          <p:style>
-            <a:lnRef idx="2">
-              <a:schemeClr val="accent1">
-                <a:shade val="50000"/>
-              </a:schemeClr>
-            </a:lnRef>
-            <a:fillRef idx="1">
-              <a:schemeClr val="accent1"/>
-            </a:fillRef>
-            <a:effectRef idx="0">
-              <a:schemeClr val="accent1"/>
-            </a:effectRef>
-            <a:fontRef idx="minor">
-              <a:schemeClr val="lt1"/>
-            </a:fontRef>
-          </p:style>
-          <p:txBody>
-            <a:bodyPr rtlCol="0" anchor="ctr"/>
-            <a:lstStyle/>
             <a:p>
               <a:pPr algn="ctr"/>
-              <a:endParaRPr kumimoji="1" lang="ja-JP" altLang="en-US"/>
+              <a:endParaRPr lang="en-US" altLang="ja-JP" sz="1600" dirty="0">
+                <a:latin typeface="+mj-lt"/>
+              </a:endParaRPr>
             </a:p>
-          </p:txBody>
-        </p:sp>
-        <p:sp>
-          <p:nvSpPr>
-            <p:cNvPr id="26" name="正方形/長方形 25">
-              <a:extLst>
-                <a:ext uri="{FF2B5EF4-FFF2-40B4-BE49-F238E27FC236}">
-                  <a16:creationId xmlns:a16="http://schemas.microsoft.com/office/drawing/2014/main" id="{6ADA0E96-96C3-5CC7-C889-65700A57E073}"/>
-                </a:ext>
-              </a:extLst>
-            </p:cNvPr>
-            <p:cNvSpPr/>
-            <p:nvPr/>
-          </p:nvSpPr>
-          <p:spPr>
-            <a:xfrm>
-              <a:off x="3095625" y="3657600"/>
-              <a:ext cx="3467100" cy="1765299"/>
-            </a:xfrm>
-            <a:prstGeom prst="rect">
-              <a:avLst/>
-            </a:prstGeom>
-            <a:solidFill>
-              <a:schemeClr val="accent1">
-                <a:lumMod val="60000"/>
-                <a:lumOff val="40000"/>
-              </a:schemeClr>
-            </a:solidFill>
-          </p:spPr>
-          <p:style>
-            <a:lnRef idx="2">
-              <a:schemeClr val="accent1">
-                <a:shade val="50000"/>
-              </a:schemeClr>
-            </a:lnRef>
-            <a:fillRef idx="1">
-              <a:schemeClr val="accent1"/>
-            </a:fillRef>
-            <a:effectRef idx="0">
-              <a:schemeClr val="accent1"/>
-            </a:effectRef>
-            <a:fontRef idx="minor">
-              <a:schemeClr val="lt1"/>
-            </a:fontRef>
-          </p:style>
-          <p:txBody>
-            <a:bodyPr rtlCol="0" anchor="ctr"/>
-            <a:lstStyle/>
-            <a:p>
-              <a:pPr algn="ctr"/>
-              <a:endParaRPr kumimoji="1" lang="ja-JP" altLang="en-US"/>
-            </a:p>
-          </p:txBody>
-        </p:sp>
-        <p:sp>
-          <p:nvSpPr>
-            <p:cNvPr id="27" name="正方形/長方形 26">
-              <a:extLst>
-                <a:ext uri="{FF2B5EF4-FFF2-40B4-BE49-F238E27FC236}">
-                  <a16:creationId xmlns:a16="http://schemas.microsoft.com/office/drawing/2014/main" id="{F3969316-F34B-1846-DFFD-6AEC6780766D}"/>
-                </a:ext>
-              </a:extLst>
-            </p:cNvPr>
-            <p:cNvSpPr/>
-            <p:nvPr/>
-          </p:nvSpPr>
-          <p:spPr>
-            <a:xfrm>
-              <a:off x="5948363" y="1718706"/>
-              <a:ext cx="3186112" cy="1853168"/>
-            </a:xfrm>
-            <a:prstGeom prst="rect">
-              <a:avLst/>
-            </a:prstGeom>
-            <a:solidFill>
-              <a:schemeClr val="accent1">
-                <a:lumMod val="60000"/>
-                <a:lumOff val="40000"/>
-              </a:schemeClr>
-            </a:solidFill>
-          </p:spPr>
-          <p:style>
-            <a:lnRef idx="2">
-              <a:schemeClr val="accent1">
-                <a:shade val="50000"/>
-              </a:schemeClr>
-            </a:lnRef>
-            <a:fillRef idx="1">
-              <a:schemeClr val="accent1"/>
-            </a:fillRef>
-            <a:effectRef idx="0">
-              <a:schemeClr val="accent1"/>
-            </a:effectRef>
-            <a:fontRef idx="minor">
-              <a:schemeClr val="lt1"/>
-            </a:fontRef>
-          </p:style>
-          <p:txBody>
-            <a:bodyPr rtlCol="0" anchor="ctr"/>
-            <a:lstStyle/>
-            <a:p>
-              <a:pPr algn="ctr"/>
-              <a:endParaRPr kumimoji="1" lang="ja-JP" altLang="en-US"/>
-            </a:p>
-          </p:txBody>
-        </p:sp>
-        <p:sp>
-          <p:nvSpPr>
-            <p:cNvPr id="28" name="正方形/長方形 27">
-              <a:extLst>
-                <a:ext uri="{FF2B5EF4-FFF2-40B4-BE49-F238E27FC236}">
-                  <a16:creationId xmlns:a16="http://schemas.microsoft.com/office/drawing/2014/main" id="{F32F4342-415E-6B3B-FD57-4BE977BE803F}"/>
-                </a:ext>
-              </a:extLst>
-            </p:cNvPr>
-            <p:cNvSpPr/>
-            <p:nvPr/>
-          </p:nvSpPr>
-          <p:spPr>
-            <a:xfrm>
-              <a:off x="6681788" y="3657600"/>
-              <a:ext cx="2452687" cy="1765299"/>
-            </a:xfrm>
-            <a:prstGeom prst="rect">
-              <a:avLst/>
-            </a:prstGeom>
-            <a:solidFill>
-              <a:schemeClr val="accent1">
-                <a:lumMod val="60000"/>
-                <a:lumOff val="40000"/>
-              </a:schemeClr>
-            </a:solidFill>
-          </p:spPr>
-          <p:style>
-            <a:lnRef idx="2">
-              <a:schemeClr val="accent1">
-                <a:shade val="50000"/>
-              </a:schemeClr>
-            </a:lnRef>
-            <a:fillRef idx="1">
-              <a:schemeClr val="accent1"/>
-            </a:fillRef>
-            <a:effectRef idx="0">
-              <a:schemeClr val="accent1"/>
-            </a:effectRef>
-            <a:fontRef idx="minor">
-              <a:schemeClr val="lt1"/>
-            </a:fontRef>
-          </p:style>
-          <p:txBody>
-            <a:bodyPr rtlCol="0" anchor="ctr"/>
-            <a:lstStyle/>
-            <a:p>
-              <a:pPr algn="ctr"/>
-              <a:endParaRPr kumimoji="1" lang="ja-JP" altLang="en-US"/>
-            </a:p>
-          </p:txBody>
-        </p:sp>
-        <p:sp>
-          <p:nvSpPr>
-            <p:cNvPr id="29" name="正方形/長方形 28">
-              <a:extLst>
-                <a:ext uri="{FF2B5EF4-FFF2-40B4-BE49-F238E27FC236}">
-                  <a16:creationId xmlns:a16="http://schemas.microsoft.com/office/drawing/2014/main" id="{4E8BE827-CC94-DF46-B064-F11B7D08AB76}"/>
-                </a:ext>
-              </a:extLst>
-            </p:cNvPr>
-            <p:cNvSpPr/>
-            <p:nvPr/>
-          </p:nvSpPr>
-          <p:spPr>
-            <a:xfrm>
-              <a:off x="5948363" y="1392238"/>
-              <a:ext cx="338137" cy="283605"/>
-            </a:xfrm>
-            <a:prstGeom prst="rect">
-              <a:avLst/>
-            </a:prstGeom>
-            <a:solidFill>
-              <a:schemeClr val="accent1">
-                <a:lumMod val="60000"/>
-                <a:lumOff val="40000"/>
-              </a:schemeClr>
-            </a:solidFill>
-          </p:spPr>
-          <p:style>
-            <a:lnRef idx="2">
-              <a:schemeClr val="accent1">
-                <a:shade val="50000"/>
-              </a:schemeClr>
-            </a:lnRef>
-            <a:fillRef idx="1">
-              <a:schemeClr val="accent1"/>
-            </a:fillRef>
-            <a:effectRef idx="0">
-              <a:schemeClr val="accent1"/>
-            </a:effectRef>
-            <a:fontRef idx="minor">
-              <a:schemeClr val="lt1"/>
-            </a:fontRef>
-          </p:style>
-          <p:txBody>
-            <a:bodyPr rtlCol="0" anchor="ctr"/>
-            <a:lstStyle/>
             <a:p>
               <a:pPr algn="ctr"/>
               <a:r>
-                <a:rPr kumimoji="1" lang="ja-JP" altLang="en-US" sz="900" dirty="0"/>
-                <a:t>🏠</a:t>
+                <a:rPr lang="en-US" altLang="ja-JP" sz="1600" dirty="0">
+                  <a:latin typeface="+mj-lt"/>
+                </a:rPr>
+                <a:t>c</a:t>
               </a:r>
+              <a:r>
+                <a:rPr kumimoji="1" lang="en-US" altLang="ja-JP" sz="1600" dirty="0">
+                  <a:latin typeface="+mj-lt"/>
+                </a:rPr>
+                <a:t>lick anywhere</a:t>
+              </a:r>
+              <a:endParaRPr kumimoji="1" lang="ja-JP" altLang="en-US" sz="1600" dirty="0">
+                <a:latin typeface="+mj-lt"/>
+              </a:endParaRPr>
             </a:p>
           </p:txBody>
         </p:sp>
       </p:grpSp>
+      <p:cxnSp>
+        <p:nvCxnSpPr>
+          <p:cNvPr id="34" name="コネクタ: カギ線 33">
+            <a:extLst>
+              <a:ext uri="{FF2B5EF4-FFF2-40B4-BE49-F238E27FC236}">
+                <a16:creationId xmlns:a16="http://schemas.microsoft.com/office/drawing/2014/main" id="{C842971A-0420-9BA8-B74D-8930AC938F43}"/>
+              </a:ext>
+            </a:extLst>
+          </p:cNvPr>
+          <p:cNvCxnSpPr>
+            <a:endCxn id="23" idx="1"/>
+          </p:cNvCxnSpPr>
+          <p:nvPr/>
+        </p:nvCxnSpPr>
+        <p:spPr bwMode="auto">
+          <a:xfrm rot="5400000" flipH="1" flipV="1">
+            <a:off x="2237950" y="2539208"/>
+            <a:ext cx="2036659" cy="2001204"/>
+          </a:xfrm>
+          <a:prstGeom prst="bentConnector2">
+            <a:avLst/>
+          </a:prstGeom>
+          <a:solidFill>
+            <a:schemeClr val="accent1"/>
+          </a:solidFill>
+          <a:ln w="19050" cap="flat" cmpd="sng" algn="ctr">
+            <a:solidFill>
+              <a:schemeClr val="tx1"/>
+            </a:solidFill>
+            <a:prstDash val="solid"/>
+            <a:round/>
+            <a:headEnd type="none" w="med" len="med"/>
+            <a:tailEnd type="triangle"/>
+          </a:ln>
+          <a:effectLst/>
+          <a:extLst>
+            <a:ext uri="{AF507438-7753-43E0-B8FC-AC1667EBCBE1}">
+              <a14:hiddenEffects xmlns:a14="http://schemas.microsoft.com/office/drawing/2010/main">
+                <a:effectLst>
+                  <a:outerShdw dist="35921" dir="2700000" algn="ctr" rotWithShape="0">
+                    <a:schemeClr val="bg2"/>
+                  </a:outerShdw>
+                </a:effectLst>
+              </a14:hiddenEffects>
+            </a:ext>
+          </a:extLst>
+        </p:spPr>
+      </p:cxnSp>
+      <p:cxnSp>
+        <p:nvCxnSpPr>
+          <p:cNvPr id="36" name="コネクタ: カギ線 35">
+            <a:extLst>
+              <a:ext uri="{FF2B5EF4-FFF2-40B4-BE49-F238E27FC236}">
+                <a16:creationId xmlns:a16="http://schemas.microsoft.com/office/drawing/2014/main" id="{CC1E52BA-DC6D-DF33-5000-0E616B759C59}"/>
+              </a:ext>
+            </a:extLst>
+          </p:cNvPr>
+          <p:cNvCxnSpPr>
+            <a:stCxn id="25" idx="2"/>
+            <a:endCxn id="7" idx="1"/>
+          </p:cNvCxnSpPr>
+          <p:nvPr/>
+        </p:nvCxnSpPr>
+        <p:spPr bwMode="auto">
+          <a:xfrm rot="16200000" flipH="1">
+            <a:off x="5904019" y="2973280"/>
+            <a:ext cx="1661265" cy="2725103"/>
+          </a:xfrm>
+          <a:prstGeom prst="bentConnector2">
+            <a:avLst/>
+          </a:prstGeom>
+          <a:solidFill>
+            <a:schemeClr val="accent1"/>
+          </a:solidFill>
+          <a:ln w="19050" cap="flat" cmpd="sng" algn="ctr">
+            <a:solidFill>
+              <a:schemeClr val="tx1"/>
+            </a:solidFill>
+            <a:prstDash val="solid"/>
+            <a:round/>
+            <a:headEnd type="none" w="med" len="med"/>
+            <a:tailEnd type="triangle"/>
+          </a:ln>
+          <a:effectLst/>
+          <a:extLst>
+            <a:ext uri="{AF507438-7753-43E0-B8FC-AC1667EBCBE1}">
+              <a14:hiddenEffects xmlns:a14="http://schemas.microsoft.com/office/drawing/2010/main">
+                <a:effectLst>
+                  <a:outerShdw dist="35921" dir="2700000" algn="ctr" rotWithShape="0">
+                    <a:schemeClr val="bg2"/>
+                  </a:outerShdw>
+                </a:effectLst>
+              </a14:hiddenEffects>
+            </a:ext>
+          </a:extLst>
+        </p:spPr>
+      </p:cxnSp>
+      <p:cxnSp>
+        <p:nvCxnSpPr>
+          <p:cNvPr id="39" name="コネクタ: カギ線 38">
+            <a:extLst>
+              <a:ext uri="{FF2B5EF4-FFF2-40B4-BE49-F238E27FC236}">
+                <a16:creationId xmlns:a16="http://schemas.microsoft.com/office/drawing/2014/main" id="{38ACA5EC-91B8-4D4A-12AE-43CCE416808B}"/>
+              </a:ext>
+            </a:extLst>
+          </p:cNvPr>
+          <p:cNvCxnSpPr>
+            <a:stCxn id="13" idx="0"/>
+            <a:endCxn id="23" idx="3"/>
+          </p:cNvCxnSpPr>
+          <p:nvPr/>
+        </p:nvCxnSpPr>
+        <p:spPr bwMode="auto">
+          <a:xfrm rot="16200000" flipV="1">
+            <a:off x="8219951" y="2236648"/>
+            <a:ext cx="1444176" cy="2013839"/>
+          </a:xfrm>
+          <a:prstGeom prst="bentConnector2">
+            <a:avLst/>
+          </a:prstGeom>
+          <a:solidFill>
+            <a:schemeClr val="accent1"/>
+          </a:solidFill>
+          <a:ln w="19050" cap="flat" cmpd="sng" algn="ctr">
+            <a:solidFill>
+              <a:schemeClr val="tx1"/>
+            </a:solidFill>
+            <a:prstDash val="solid"/>
+            <a:round/>
+            <a:headEnd type="none" w="med" len="med"/>
+            <a:tailEnd type="triangle"/>
+          </a:ln>
+          <a:effectLst/>
+          <a:extLst>
+            <a:ext uri="{AF507438-7753-43E0-B8FC-AC1667EBCBE1}">
+              <a14:hiddenEffects xmlns:a14="http://schemas.microsoft.com/office/drawing/2010/main">
+                <a:effectLst>
+                  <a:outerShdw dist="35921" dir="2700000" algn="ctr" rotWithShape="0">
+                    <a:schemeClr val="bg2"/>
+                  </a:outerShdw>
+                </a:effectLst>
+              </a14:hiddenEffects>
+            </a:ext>
+          </a:extLst>
+        </p:spPr>
+      </p:cxnSp>
+      <p:sp>
+        <p:nvSpPr>
+          <p:cNvPr id="42" name="テキスト ボックス 41">
+            <a:extLst>
+              <a:ext uri="{FF2B5EF4-FFF2-40B4-BE49-F238E27FC236}">
+                <a16:creationId xmlns:a16="http://schemas.microsoft.com/office/drawing/2014/main" id="{3E0CD616-DBB8-535C-43C6-E23B2BE2F2CE}"/>
+              </a:ext>
+            </a:extLst>
+          </p:cNvPr>
+          <p:cNvSpPr txBox="1"/>
+          <p:nvPr/>
+        </p:nvSpPr>
+        <p:spPr>
+          <a:xfrm>
+            <a:off x="417871" y="3745242"/>
+            <a:ext cx="1686719" cy="276999"/>
+          </a:xfrm>
+          <a:prstGeom prst="rect">
+            <a:avLst/>
+          </a:prstGeom>
+          <a:noFill/>
+          <a:ln w="12700">
+            <a:noFill/>
+          </a:ln>
+        </p:spPr>
+        <p:txBody>
+          <a:bodyPr wrap="square" rtlCol="0">
+            <a:spAutoFit/>
+          </a:bodyPr>
+          <a:lstStyle/>
+          <a:p>
+            <a:r>
+              <a:rPr kumimoji="1" lang="ja-JP" altLang="en-US" sz="1200" dirty="0"/>
+              <a:t>タイトル画面</a:t>
+            </a:r>
+          </a:p>
+        </p:txBody>
+      </p:sp>
+      <p:sp>
+        <p:nvSpPr>
+          <p:cNvPr id="46" name="テキスト ボックス 45">
+            <a:extLst>
+              <a:ext uri="{FF2B5EF4-FFF2-40B4-BE49-F238E27FC236}">
+                <a16:creationId xmlns:a16="http://schemas.microsoft.com/office/drawing/2014/main" id="{A46EF4D3-5F8A-072B-1E1E-25CC3AB99645}"/>
+              </a:ext>
+            </a:extLst>
+          </p:cNvPr>
+          <p:cNvSpPr txBox="1"/>
+          <p:nvPr/>
+        </p:nvSpPr>
+        <p:spPr>
+          <a:xfrm>
+            <a:off x="4256881" y="1015251"/>
+            <a:ext cx="1686719" cy="276999"/>
+          </a:xfrm>
+          <a:prstGeom prst="rect">
+            <a:avLst/>
+          </a:prstGeom>
+          <a:noFill/>
+          <a:ln w="12700">
+            <a:noFill/>
+          </a:ln>
+        </p:spPr>
+        <p:txBody>
+          <a:bodyPr wrap="square" rtlCol="0">
+            <a:spAutoFit/>
+          </a:bodyPr>
+          <a:lstStyle/>
+          <a:p>
+            <a:r>
+              <a:rPr kumimoji="1" lang="ja-JP" altLang="en-US" sz="1200" dirty="0"/>
+              <a:t>ステージ選択画面</a:t>
+            </a:r>
+          </a:p>
+        </p:txBody>
+      </p:sp>
+      <p:sp>
+        <p:nvSpPr>
+          <p:cNvPr id="47" name="テキスト ボックス 46">
+            <a:extLst>
+              <a:ext uri="{FF2B5EF4-FFF2-40B4-BE49-F238E27FC236}">
+                <a16:creationId xmlns:a16="http://schemas.microsoft.com/office/drawing/2014/main" id="{41FF9CF8-0977-09F5-DC7D-B9303948C2DC}"/>
+              </a:ext>
+            </a:extLst>
+          </p:cNvPr>
+          <p:cNvSpPr txBox="1"/>
+          <p:nvPr/>
+        </p:nvSpPr>
+        <p:spPr>
+          <a:xfrm>
+            <a:off x="8098679" y="3661010"/>
+            <a:ext cx="1686719" cy="276999"/>
+          </a:xfrm>
+          <a:prstGeom prst="rect">
+            <a:avLst/>
+          </a:prstGeom>
+          <a:noFill/>
+          <a:ln w="12700">
+            <a:noFill/>
+          </a:ln>
+        </p:spPr>
+        <p:txBody>
+          <a:bodyPr wrap="square" rtlCol="0">
+            <a:spAutoFit/>
+          </a:bodyPr>
+          <a:lstStyle/>
+          <a:p>
+            <a:r>
+              <a:rPr kumimoji="1" lang="ja-JP" altLang="en-US" sz="1200" dirty="0"/>
+              <a:t>メインゲーム画面</a:t>
+            </a:r>
+          </a:p>
+        </p:txBody>
+      </p:sp>
     </p:spTree>
     <p:extLst>
       <p:ext uri="{BB962C8B-B14F-4D97-AF65-F5344CB8AC3E}">

--- a/企画書/HowToDAGScheduling.pptx
+++ b/企画書/HowToDAGScheduling.pptx
@@ -3470,6 +3470,525 @@
           </p:txBody>
         </p:sp>
       </p:grpSp>
+      <p:grpSp>
+        <p:nvGrpSpPr>
+          <p:cNvPr id="25" name="グループ化 24">
+            <a:extLst>
+              <a:ext uri="{FF2B5EF4-FFF2-40B4-BE49-F238E27FC236}">
+                <a16:creationId xmlns:a16="http://schemas.microsoft.com/office/drawing/2014/main" id="{A254E693-788A-4B1D-DE23-5F0903973EDD}"/>
+              </a:ext>
+            </a:extLst>
+          </p:cNvPr>
+          <p:cNvGrpSpPr/>
+          <p:nvPr/>
+        </p:nvGrpSpPr>
+        <p:grpSpPr>
+          <a:xfrm>
+            <a:off x="8382000" y="5213366"/>
+            <a:ext cx="2693169" cy="1554984"/>
+            <a:chOff x="8361342" y="5213366"/>
+            <a:chExt cx="2693169" cy="1554984"/>
+          </a:xfrm>
+        </p:grpSpPr>
+        <p:sp>
+          <p:nvSpPr>
+            <p:cNvPr id="24" name="テキスト ボックス 23">
+              <a:extLst>
+                <a:ext uri="{FF2B5EF4-FFF2-40B4-BE49-F238E27FC236}">
+                  <a16:creationId xmlns:a16="http://schemas.microsoft.com/office/drawing/2014/main" id="{9A1D41E0-77E6-75BA-8726-80AC2E8797E3}"/>
+                </a:ext>
+              </a:extLst>
+            </p:cNvPr>
+            <p:cNvSpPr txBox="1"/>
+            <p:nvPr/>
+          </p:nvSpPr>
+          <p:spPr>
+            <a:xfrm>
+              <a:off x="8361342" y="5213366"/>
+              <a:ext cx="2572849" cy="1554984"/>
+            </a:xfrm>
+            <a:prstGeom prst="rect">
+              <a:avLst/>
+            </a:prstGeom>
+            <a:noFill/>
+            <a:ln>
+              <a:solidFill>
+                <a:schemeClr val="accent2"/>
+              </a:solidFill>
+            </a:ln>
+          </p:spPr>
+          <p:txBody>
+            <a:bodyPr wrap="square" rtlCol="0">
+              <a:spAutoFit/>
+            </a:bodyPr>
+            <a:lstStyle/>
+            <a:p>
+              <a:endParaRPr kumimoji="1" lang="ja-JP" altLang="en-US" dirty="0"/>
+            </a:p>
+          </p:txBody>
+        </p:sp>
+        <p:grpSp>
+          <p:nvGrpSpPr>
+            <p:cNvPr id="3" name="グループ化 2">
+              <a:extLst>
+                <a:ext uri="{FF2B5EF4-FFF2-40B4-BE49-F238E27FC236}">
+                  <a16:creationId xmlns:a16="http://schemas.microsoft.com/office/drawing/2014/main" id="{54CFE64C-708A-ADF6-49C1-8ADBBCAC40C4}"/>
+                </a:ext>
+              </a:extLst>
+            </p:cNvPr>
+            <p:cNvGrpSpPr>
+              <a:grpSpLocks noChangeAspect="1"/>
+            </p:cNvGrpSpPr>
+            <p:nvPr/>
+          </p:nvGrpSpPr>
+          <p:grpSpPr>
+            <a:xfrm>
+              <a:off x="8404123" y="5713702"/>
+              <a:ext cx="2189603" cy="1004084"/>
+              <a:chOff x="3219297" y="4495800"/>
+              <a:chExt cx="3067203" cy="1406524"/>
+            </a:xfrm>
+          </p:grpSpPr>
+          <p:cxnSp>
+            <p:nvCxnSpPr>
+              <p:cNvPr id="6" name="直線矢印コネクタ 5">
+                <a:extLst>
+                  <a:ext uri="{FF2B5EF4-FFF2-40B4-BE49-F238E27FC236}">
+                    <a16:creationId xmlns:a16="http://schemas.microsoft.com/office/drawing/2014/main" id="{64197319-B007-0D7D-7F30-FA45DCFFC3E7}"/>
+                  </a:ext>
+                </a:extLst>
+              </p:cNvPr>
+              <p:cNvCxnSpPr/>
+              <p:nvPr/>
+            </p:nvCxnSpPr>
+            <p:spPr bwMode="auto">
+              <a:xfrm flipV="1">
+                <a:off x="3371697" y="4495800"/>
+                <a:ext cx="0" cy="1406524"/>
+              </a:xfrm>
+              <a:prstGeom prst="straightConnector1">
+                <a:avLst/>
+              </a:prstGeom>
+              <a:solidFill>
+                <a:schemeClr val="accent1"/>
+              </a:solidFill>
+              <a:ln w="9525" cap="flat" cmpd="sng" algn="ctr">
+                <a:solidFill>
+                  <a:schemeClr val="tx1"/>
+                </a:solidFill>
+                <a:prstDash val="solid"/>
+                <a:round/>
+                <a:headEnd type="none" w="med" len="med"/>
+                <a:tailEnd type="triangle"/>
+              </a:ln>
+              <a:effectLst/>
+              <a:extLst>
+                <a:ext uri="{AF507438-7753-43E0-B8FC-AC1667EBCBE1}">
+                  <a14:hiddenEffects xmlns:a14="http://schemas.microsoft.com/office/drawing/2010/main">
+                    <a:effectLst>
+                      <a:outerShdw dist="35921" dir="2700000" algn="ctr" rotWithShape="0">
+                        <a:schemeClr val="bg2"/>
+                      </a:outerShdw>
+                    </a:effectLst>
+                  </a14:hiddenEffects>
+                </a:ext>
+              </a:extLst>
+            </p:spPr>
+          </p:cxnSp>
+          <p:cxnSp>
+            <p:nvCxnSpPr>
+              <p:cNvPr id="10" name="直線矢印コネクタ 9">
+                <a:extLst>
+                  <a:ext uri="{FF2B5EF4-FFF2-40B4-BE49-F238E27FC236}">
+                    <a16:creationId xmlns:a16="http://schemas.microsoft.com/office/drawing/2014/main" id="{69A4FE45-FC9E-FFE3-ECA8-7C9A2A983284}"/>
+                  </a:ext>
+                </a:extLst>
+              </p:cNvPr>
+              <p:cNvCxnSpPr/>
+              <p:nvPr/>
+            </p:nvCxnSpPr>
+            <p:spPr bwMode="auto">
+              <a:xfrm>
+                <a:off x="3219297" y="5715000"/>
+                <a:ext cx="3067203" cy="0"/>
+              </a:xfrm>
+              <a:prstGeom prst="straightConnector1">
+                <a:avLst/>
+              </a:prstGeom>
+              <a:solidFill>
+                <a:schemeClr val="accent1"/>
+              </a:solidFill>
+              <a:ln w="9525" cap="flat" cmpd="sng" algn="ctr">
+                <a:solidFill>
+                  <a:schemeClr val="tx1"/>
+                </a:solidFill>
+                <a:prstDash val="solid"/>
+                <a:round/>
+                <a:headEnd type="none" w="med" len="med"/>
+                <a:tailEnd type="triangle"/>
+              </a:ln>
+              <a:effectLst/>
+              <a:extLst>
+                <a:ext uri="{AF507438-7753-43E0-B8FC-AC1667EBCBE1}">
+                  <a14:hiddenEffects xmlns:a14="http://schemas.microsoft.com/office/drawing/2010/main">
+                    <a:effectLst>
+                      <a:outerShdw dist="35921" dir="2700000" algn="ctr" rotWithShape="0">
+                        <a:schemeClr val="bg2"/>
+                      </a:outerShdw>
+                    </a:effectLst>
+                  </a14:hiddenEffects>
+                </a:ext>
+              </a:extLst>
+            </p:spPr>
+          </p:cxnSp>
+          <p:sp>
+            <p:nvSpPr>
+              <p:cNvPr id="11" name="正方形/長方形 10">
+                <a:extLst>
+                  <a:ext uri="{FF2B5EF4-FFF2-40B4-BE49-F238E27FC236}">
+                    <a16:creationId xmlns:a16="http://schemas.microsoft.com/office/drawing/2014/main" id="{AAE82397-1324-2081-C2E0-44F7E9B65E4F}"/>
+                  </a:ext>
+                </a:extLst>
+              </p:cNvPr>
+              <p:cNvSpPr/>
+              <p:nvPr/>
+            </p:nvSpPr>
+            <p:spPr bwMode="auto">
+              <a:xfrm>
+                <a:off x="3371697" y="5410200"/>
+                <a:ext cx="666903" cy="304795"/>
+              </a:xfrm>
+              <a:prstGeom prst="rect">
+                <a:avLst/>
+              </a:prstGeom>
+              <a:solidFill>
+                <a:schemeClr val="accent2">
+                  <a:lumMod val="20000"/>
+                  <a:lumOff val="80000"/>
+                </a:schemeClr>
+              </a:solidFill>
+              <a:ln w="9525" cap="flat" cmpd="sng" algn="ctr">
+                <a:solidFill>
+                  <a:schemeClr val="tx1"/>
+                </a:solidFill>
+                <a:prstDash val="solid"/>
+                <a:round/>
+                <a:headEnd type="none" w="med" len="med"/>
+                <a:tailEnd type="triangle" w="med" len="med"/>
+              </a:ln>
+              <a:effectLst/>
+            </p:spPr>
+            <p:txBody>
+              <a:bodyPr vert="horz" wrap="square" lIns="90000" tIns="46800" rIns="90000" bIns="46800" numCol="1" rtlCol="0" anchor="t" anchorCtr="0" compatLnSpc="1">
+                <a:prstTxWarp prst="textNoShape">
+                  <a:avLst/>
+                </a:prstTxWarp>
+                <a:spAutoFit/>
+              </a:bodyPr>
+              <a:lstStyle/>
+              <a:p>
+                <a:pPr marL="0" marR="0" indent="0" algn="l" defTabSz="914400" rtl="0" eaLnBrk="1" fontAlgn="base" latinLnBrk="0" hangingPunct="1">
+                  <a:lnSpc>
+                    <a:spcPct val="90000"/>
+                  </a:lnSpc>
+                  <a:spcBef>
+                    <a:spcPct val="20000"/>
+                  </a:spcBef>
+                  <a:spcAft>
+                    <a:spcPct val="0"/>
+                  </a:spcAft>
+                  <a:buClrTx/>
+                  <a:buSzTx/>
+                  <a:buFontTx/>
+                  <a:buNone/>
+                  <a:tabLst/>
+                </a:pPr>
+                <a:endParaRPr kumimoji="1" lang="ja-JP" altLang="en-US" sz="1800" b="0" i="0" u="none" strike="noStrike" cap="none" normalizeH="0" baseline="0">
+                  <a:ln>
+                    <a:noFill/>
+                  </a:ln>
+                  <a:solidFill>
+                    <a:schemeClr val="tx1"/>
+                  </a:solidFill>
+                  <a:effectLst/>
+                  <a:latin typeface="Times New Roman" pitchFamily="18" charset="0"/>
+                  <a:ea typeface="メイリオ" pitchFamily="50" charset="-128"/>
+                  <a:cs typeface="メイリオ" pitchFamily="50" charset="-128"/>
+                </a:endParaRPr>
+              </a:p>
+            </p:txBody>
+          </p:sp>
+          <p:sp>
+            <p:nvSpPr>
+              <p:cNvPr id="12" name="正方形/長方形 11">
+                <a:extLst>
+                  <a:ext uri="{FF2B5EF4-FFF2-40B4-BE49-F238E27FC236}">
+                    <a16:creationId xmlns:a16="http://schemas.microsoft.com/office/drawing/2014/main" id="{3C4CBB80-234E-7B4C-0E2F-F097DCB4F987}"/>
+                  </a:ext>
+                </a:extLst>
+              </p:cNvPr>
+              <p:cNvSpPr/>
+              <p:nvPr/>
+            </p:nvSpPr>
+            <p:spPr bwMode="auto">
+              <a:xfrm>
+                <a:off x="4049124" y="5410199"/>
+                <a:ext cx="1087848" cy="304795"/>
+              </a:xfrm>
+              <a:prstGeom prst="rect">
+                <a:avLst/>
+              </a:prstGeom>
+              <a:solidFill>
+                <a:schemeClr val="accent2">
+                  <a:lumMod val="40000"/>
+                  <a:lumOff val="60000"/>
+                </a:schemeClr>
+              </a:solidFill>
+              <a:ln w="9525" cap="flat" cmpd="sng" algn="ctr">
+                <a:solidFill>
+                  <a:schemeClr val="tx1"/>
+                </a:solidFill>
+                <a:prstDash val="solid"/>
+                <a:round/>
+                <a:headEnd type="none" w="med" len="med"/>
+                <a:tailEnd type="triangle" w="med" len="med"/>
+              </a:ln>
+              <a:effectLst/>
+            </p:spPr>
+            <p:txBody>
+              <a:bodyPr vert="horz" wrap="square" lIns="90000" tIns="46800" rIns="90000" bIns="46800" numCol="1" rtlCol="0" anchor="t" anchorCtr="0" compatLnSpc="1">
+                <a:prstTxWarp prst="textNoShape">
+                  <a:avLst/>
+                </a:prstTxWarp>
+                <a:spAutoFit/>
+              </a:bodyPr>
+              <a:lstStyle/>
+              <a:p>
+                <a:pPr marL="0" marR="0" indent="0" algn="l" defTabSz="914400" rtl="0" eaLnBrk="1" fontAlgn="base" latinLnBrk="0" hangingPunct="1">
+                  <a:lnSpc>
+                    <a:spcPct val="90000"/>
+                  </a:lnSpc>
+                  <a:spcBef>
+                    <a:spcPct val="20000"/>
+                  </a:spcBef>
+                  <a:spcAft>
+                    <a:spcPct val="0"/>
+                  </a:spcAft>
+                  <a:buClrTx/>
+                  <a:buSzTx/>
+                  <a:buFontTx/>
+                  <a:buNone/>
+                  <a:tabLst/>
+                </a:pPr>
+                <a:endParaRPr kumimoji="1" lang="ja-JP" altLang="en-US" sz="1800" b="0" i="0" u="none" strike="noStrike" cap="none" normalizeH="0" baseline="0">
+                  <a:ln>
+                    <a:noFill/>
+                  </a:ln>
+                  <a:solidFill>
+                    <a:schemeClr val="tx1"/>
+                  </a:solidFill>
+                  <a:effectLst/>
+                  <a:latin typeface="Times New Roman" pitchFamily="18" charset="0"/>
+                  <a:ea typeface="メイリオ" pitchFamily="50" charset="-128"/>
+                  <a:cs typeface="メイリオ" pitchFamily="50" charset="-128"/>
+                </a:endParaRPr>
+              </a:p>
+            </p:txBody>
+          </p:sp>
+          <p:sp>
+            <p:nvSpPr>
+              <p:cNvPr id="15" name="正方形/長方形 14">
+                <a:extLst>
+                  <a:ext uri="{FF2B5EF4-FFF2-40B4-BE49-F238E27FC236}">
+                    <a16:creationId xmlns:a16="http://schemas.microsoft.com/office/drawing/2014/main" id="{1796B7A5-8758-45B7-D30D-19D10DFBD4A8}"/>
+                  </a:ext>
+                </a:extLst>
+              </p:cNvPr>
+              <p:cNvSpPr/>
+              <p:nvPr/>
+            </p:nvSpPr>
+            <p:spPr bwMode="auto">
+              <a:xfrm>
+                <a:off x="4049124" y="5105398"/>
+                <a:ext cx="692328" cy="304795"/>
+              </a:xfrm>
+              <a:prstGeom prst="rect">
+                <a:avLst/>
+              </a:prstGeom>
+              <a:solidFill>
+                <a:schemeClr val="accent2">
+                  <a:lumMod val="60000"/>
+                  <a:lumOff val="40000"/>
+                </a:schemeClr>
+              </a:solidFill>
+              <a:ln w="9525" cap="flat" cmpd="sng" algn="ctr">
+                <a:solidFill>
+                  <a:schemeClr val="tx1"/>
+                </a:solidFill>
+                <a:prstDash val="solid"/>
+                <a:round/>
+                <a:headEnd type="none" w="med" len="med"/>
+                <a:tailEnd type="triangle" w="med" len="med"/>
+              </a:ln>
+              <a:effectLst/>
+            </p:spPr>
+            <p:txBody>
+              <a:bodyPr vert="horz" wrap="square" lIns="90000" tIns="46800" rIns="90000" bIns="46800" numCol="1" rtlCol="0" anchor="t" anchorCtr="0" compatLnSpc="1">
+                <a:prstTxWarp prst="textNoShape">
+                  <a:avLst/>
+                </a:prstTxWarp>
+                <a:spAutoFit/>
+              </a:bodyPr>
+              <a:lstStyle/>
+              <a:p>
+                <a:pPr marL="0" marR="0" indent="0" algn="l" defTabSz="914400" rtl="0" eaLnBrk="1" fontAlgn="base" latinLnBrk="0" hangingPunct="1">
+                  <a:lnSpc>
+                    <a:spcPct val="90000"/>
+                  </a:lnSpc>
+                  <a:spcBef>
+                    <a:spcPct val="20000"/>
+                  </a:spcBef>
+                  <a:spcAft>
+                    <a:spcPct val="0"/>
+                  </a:spcAft>
+                  <a:buClrTx/>
+                  <a:buSzTx/>
+                  <a:buFontTx/>
+                  <a:buNone/>
+                  <a:tabLst/>
+                </a:pPr>
+                <a:endParaRPr kumimoji="1" lang="ja-JP" altLang="en-US" sz="1800" b="0" i="0" u="none" strike="noStrike" cap="none" normalizeH="0" baseline="0">
+                  <a:ln>
+                    <a:noFill/>
+                  </a:ln>
+                  <a:solidFill>
+                    <a:schemeClr val="tx1"/>
+                  </a:solidFill>
+                  <a:effectLst/>
+                  <a:latin typeface="Times New Roman" pitchFamily="18" charset="0"/>
+                  <a:ea typeface="メイリオ" pitchFamily="50" charset="-128"/>
+                  <a:cs typeface="メイリオ" pitchFamily="50" charset="-128"/>
+                </a:endParaRPr>
+              </a:p>
+            </p:txBody>
+          </p:sp>
+        </p:grpSp>
+        <p:sp>
+          <p:nvSpPr>
+            <p:cNvPr id="16" name="正方形/長方形 15">
+              <a:extLst>
+                <a:ext uri="{FF2B5EF4-FFF2-40B4-BE49-F238E27FC236}">
+                  <a16:creationId xmlns:a16="http://schemas.microsoft.com/office/drawing/2014/main" id="{A2DB3BDB-1676-DB7E-17D9-67F351FDEE65}"/>
+                </a:ext>
+              </a:extLst>
+            </p:cNvPr>
+            <p:cNvSpPr/>
+            <p:nvPr/>
+          </p:nvSpPr>
+          <p:spPr bwMode="auto">
+            <a:xfrm>
+              <a:off x="10230037" y="5931295"/>
+              <a:ext cx="536281" cy="217586"/>
+            </a:xfrm>
+            <a:prstGeom prst="rect">
+              <a:avLst/>
+            </a:prstGeom>
+            <a:solidFill>
+              <a:schemeClr val="accent2">
+                <a:lumMod val="75000"/>
+              </a:schemeClr>
+            </a:solidFill>
+            <a:ln w="9525" cap="flat" cmpd="sng" algn="ctr">
+              <a:solidFill>
+                <a:schemeClr val="tx1"/>
+              </a:solidFill>
+              <a:prstDash val="solid"/>
+              <a:round/>
+              <a:headEnd type="none" w="med" len="med"/>
+              <a:tailEnd type="triangle" w="med" len="med"/>
+            </a:ln>
+            <a:effectLst/>
+          </p:spPr>
+          <p:txBody>
+            <a:bodyPr vert="horz" wrap="square" lIns="90000" tIns="46800" rIns="90000" bIns="46800" numCol="1" rtlCol="0" anchor="t" anchorCtr="0" compatLnSpc="1">
+              <a:prstTxWarp prst="textNoShape">
+                <a:avLst/>
+              </a:prstTxWarp>
+              <a:spAutoFit/>
+            </a:bodyPr>
+            <a:lstStyle/>
+            <a:p>
+              <a:pPr marL="0" marR="0" indent="0" algn="l" defTabSz="914400" rtl="0" eaLnBrk="1" fontAlgn="base" latinLnBrk="0" hangingPunct="1">
+                <a:lnSpc>
+                  <a:spcPct val="90000"/>
+                </a:lnSpc>
+                <a:spcBef>
+                  <a:spcPct val="20000"/>
+                </a:spcBef>
+                <a:spcAft>
+                  <a:spcPct val="0"/>
+                </a:spcAft>
+                <a:buClrTx/>
+                <a:buSzTx/>
+                <a:buFontTx/>
+                <a:buNone/>
+                <a:tabLst/>
+              </a:pPr>
+              <a:endParaRPr kumimoji="1" lang="ja-JP" altLang="en-US" sz="1800" b="0" i="0" u="none" strike="noStrike" cap="none" normalizeH="0" baseline="0">
+                <a:ln>
+                  <a:noFill/>
+                </a:ln>
+                <a:solidFill>
+                  <a:schemeClr val="tx1"/>
+                </a:solidFill>
+                <a:effectLst/>
+                <a:latin typeface="Times New Roman" pitchFamily="18" charset="0"/>
+                <a:ea typeface="メイリオ" pitchFamily="50" charset="-128"/>
+                <a:cs typeface="メイリオ" pitchFamily="50" charset="-128"/>
+              </a:endParaRPr>
+            </a:p>
+          </p:txBody>
+        </p:sp>
+        <p:pic>
+          <p:nvPicPr>
+            <p:cNvPr id="23" name="グラフィックス 22" descr="手 単色塗りつぶし">
+              <a:extLst>
+                <a:ext uri="{FF2B5EF4-FFF2-40B4-BE49-F238E27FC236}">
+                  <a16:creationId xmlns:a16="http://schemas.microsoft.com/office/drawing/2014/main" id="{C77A89D8-6434-D36A-CB85-C5F418874B39}"/>
+                </a:ext>
+              </a:extLst>
+            </p:cNvPr>
+            <p:cNvPicPr>
+              <a:picLocks noChangeAspect="1"/>
+            </p:cNvPicPr>
+            <p:nvPr/>
+          </p:nvPicPr>
+          <p:blipFill>
+            <a:blip r:embed="rId3">
+              <a:extLst>
+                <a:ext uri="{28A0092B-C50C-407E-A947-70E740481C1C}">
+                  <a14:useLocalDpi xmlns:a14="http://schemas.microsoft.com/office/drawing/2010/main" val="0"/>
+                </a:ext>
+                <a:ext uri="{96DAC541-7B7A-43D3-8B79-37D633B846F1}">
+                  <asvg:svgBlip xmlns:asvg="http://schemas.microsoft.com/office/drawing/2016/SVG/main" r:embed="rId4"/>
+                </a:ext>
+              </a:extLst>
+            </a:blip>
+            <a:stretch>
+              <a:fillRect/>
+            </a:stretch>
+          </p:blipFill>
+          <p:spPr>
+            <a:xfrm>
+              <a:off x="10379726" y="5861570"/>
+              <a:ext cx="674785" cy="674785"/>
+            </a:xfrm>
+            <a:prstGeom prst="rect">
+              <a:avLst/>
+            </a:prstGeom>
+          </p:spPr>
+        </p:pic>
+      </p:grpSp>
     </p:spTree>
     <p:extLst>
       <p:ext uri="{BB962C8B-B14F-4D97-AF65-F5344CB8AC3E}">
@@ -3593,6 +4112,73 @@
             </a:r>
             <a:endParaRPr lang="en-US" altLang="ja-JP" sz="1600" dirty="0"/>
           </a:p>
+          <a:p>
+            <a:endParaRPr lang="en-US" altLang="ja-JP" sz="1600" dirty="0"/>
+          </a:p>
+          <a:p>
+            <a:r>
+              <a:rPr lang="ja-JP" altLang="en-US" sz="1600" u="sng" dirty="0"/>
+              <a:t>ノード</a:t>
+            </a:r>
+            <a:r>
+              <a:rPr lang="ja-JP" altLang="en-US" sz="1600" dirty="0"/>
+              <a:t>と</a:t>
+            </a:r>
+            <a:r>
+              <a:rPr lang="ja-JP" altLang="en-US" sz="1600" u="sng" dirty="0"/>
+              <a:t>エッジ</a:t>
+            </a:r>
+            <a:r>
+              <a:rPr lang="ja-JP" altLang="en-US" sz="1600" dirty="0"/>
+              <a:t>からなるグラフである</a:t>
+            </a:r>
+            <a:endParaRPr lang="en-US" altLang="ja-JP" sz="1600" dirty="0"/>
+          </a:p>
+          <a:p>
+            <a:endParaRPr lang="en-US" altLang="ja-JP" sz="1600" dirty="0"/>
+          </a:p>
+          <a:p>
+            <a:r>
+              <a:rPr lang="ja-JP" altLang="en-US" sz="1600" dirty="0"/>
+              <a:t>　・ノード</a:t>
+            </a:r>
+            <a:endParaRPr lang="en-US" altLang="ja-JP" sz="1600" dirty="0"/>
+          </a:p>
+          <a:p>
+            <a:r>
+              <a:rPr lang="ja-JP" altLang="en-US" sz="1600" dirty="0"/>
+              <a:t>　　　ひと塊の処理</a:t>
+            </a:r>
+            <a:endParaRPr lang="en-US" altLang="ja-JP" sz="1600" dirty="0"/>
+          </a:p>
+          <a:p>
+            <a:r>
+              <a:rPr lang="ja-JP" altLang="en-US" sz="1600" dirty="0"/>
+              <a:t>　　　（最悪）実行時間を持つ</a:t>
+            </a:r>
+            <a:endParaRPr lang="en-US" altLang="ja-JP" sz="1600" dirty="0"/>
+          </a:p>
+          <a:p>
+            <a:r>
+              <a:rPr lang="ja-JP" altLang="en-US" sz="1600" dirty="0"/>
+              <a:t>　・エッジ</a:t>
+            </a:r>
+            <a:endParaRPr lang="en-US" altLang="ja-JP" sz="1600" dirty="0"/>
+          </a:p>
+          <a:p>
+            <a:r>
+              <a:rPr lang="ja-JP" altLang="en-US" sz="1600" dirty="0"/>
+              <a:t>　　　ノード間の通信による依存関係</a:t>
+            </a:r>
+            <a:endParaRPr lang="en-US" altLang="ja-JP" sz="1600" dirty="0"/>
+          </a:p>
+          <a:p>
+            <a:r>
+              <a:rPr lang="ja-JP" altLang="en-US" sz="1600" dirty="0"/>
+              <a:t>　　　エッジの前のノードが終わってから後ろは実行可</a:t>
+            </a:r>
+            <a:endParaRPr lang="en-US" altLang="ja-JP" sz="1600" dirty="0"/>
+          </a:p>
         </p:txBody>
       </p:sp>
       <p:sp>
@@ -3638,7 +4224,7 @@
             </a:r>
             <a:r>
               <a:rPr kumimoji="1" lang="ja-JP" altLang="en-US" sz="2400" dirty="0"/>
-              <a:t>ドロップで簡単操作</a:t>
+              <a:t>ドロップで簡単操作！</a:t>
             </a:r>
             <a:endParaRPr kumimoji="1" lang="en-US" altLang="ja-JP" sz="2400" dirty="0"/>
           </a:p>
@@ -3653,7 +4239,67 @@
             </a:r>
             <a:r>
               <a:rPr lang="ja-JP" altLang="en-US" sz="2400" dirty="0"/>
-              <a:t>エフェクトで正誤表示</a:t>
+              <a:t>エフェクトで</a:t>
+            </a:r>
+            <a:r>
+              <a:rPr lang="ja-JP" altLang="en-US" sz="2400"/>
+              <a:t>正誤表示！</a:t>
+            </a:r>
+            <a:endParaRPr lang="en-US" altLang="ja-JP" sz="2400" dirty="0"/>
+          </a:p>
+          <a:p>
+            <a:endParaRPr lang="en-US" altLang="ja-JP" sz="1600" dirty="0"/>
+          </a:p>
+          <a:p>
+            <a:r>
+              <a:rPr lang="ja-JP" altLang="en-US" sz="2400" dirty="0"/>
+              <a:t>　</a:t>
+            </a:r>
+            <a:r>
+              <a:rPr lang="ja-JP" altLang="en-US" sz="1600" dirty="0"/>
+              <a:t>→理論に寄りがちな分野を視覚的に楽しんでもらおう！</a:t>
+            </a:r>
+            <a:endParaRPr lang="en-US" altLang="ja-JP" sz="1600" dirty="0"/>
+          </a:p>
+          <a:p>
+            <a:endParaRPr lang="en-US" altLang="ja-JP" sz="1600" dirty="0"/>
+          </a:p>
+          <a:p>
+            <a:r>
+              <a:rPr lang="ja-JP" altLang="en-US" sz="1600" dirty="0"/>
+              <a:t>パズル形式のゲーム</a:t>
+            </a:r>
+            <a:endParaRPr lang="en-US" altLang="ja-JP" sz="1600" dirty="0"/>
+          </a:p>
+          <a:p>
+            <a:endParaRPr lang="en-US" altLang="ja-JP" sz="1600" dirty="0"/>
+          </a:p>
+          <a:p>
+            <a:r>
+              <a:rPr lang="ja-JP" altLang="en-US" sz="1600" dirty="0"/>
+              <a:t>　・エッジによる依存関係をパネルの前後関係で表現</a:t>
+            </a:r>
+            <a:endParaRPr lang="en-US" altLang="ja-JP" sz="1600" dirty="0"/>
+          </a:p>
+          <a:p>
+            <a:r>
+              <a:rPr lang="ja-JP" altLang="en-US" sz="1600" dirty="0"/>
+              <a:t>　・処理時間を横軸の短さとして可視化</a:t>
+            </a:r>
+            <a:r>
+              <a:rPr lang="en-US" altLang="ja-JP" sz="1600" dirty="0"/>
+              <a:t>&amp;</a:t>
+            </a:r>
+            <a:r>
+              <a:rPr lang="ja-JP" altLang="en-US" sz="1600" dirty="0"/>
+              <a:t>スコア化</a:t>
+            </a:r>
+            <a:endParaRPr lang="en-US" altLang="ja-JP" sz="1600" dirty="0"/>
+          </a:p>
+          <a:p>
+            <a:r>
+              <a:rPr lang="ja-JP" altLang="en-US" sz="1600" dirty="0"/>
+              <a:t>　・パズルはコンパイラによる最適化をなぞる形である</a:t>
             </a:r>
             <a:endParaRPr lang="en-US" altLang="ja-JP" sz="1600" dirty="0"/>
           </a:p>
@@ -3692,6 +4338,1393 @@
           </a:p>
         </p:txBody>
       </p:sp>
+      <p:grpSp>
+        <p:nvGrpSpPr>
+          <p:cNvPr id="2" name="グループ化 1">
+            <a:extLst>
+              <a:ext uri="{FF2B5EF4-FFF2-40B4-BE49-F238E27FC236}">
+                <a16:creationId xmlns:a16="http://schemas.microsoft.com/office/drawing/2014/main" id="{609FACF5-4076-33C8-AE60-F7F843156B53}"/>
+              </a:ext>
+            </a:extLst>
+          </p:cNvPr>
+          <p:cNvGrpSpPr>
+            <a:grpSpLocks noChangeAspect="1"/>
+          </p:cNvGrpSpPr>
+          <p:nvPr/>
+        </p:nvGrpSpPr>
+        <p:grpSpPr>
+          <a:xfrm>
+            <a:off x="1066800" y="4953000"/>
+            <a:ext cx="2819400" cy="1467759"/>
+            <a:chOff x="3219297" y="2630878"/>
+            <a:chExt cx="2222476" cy="1157005"/>
+          </a:xfrm>
+        </p:grpSpPr>
+        <p:sp>
+          <p:nvSpPr>
+            <p:cNvPr id="6" name="楕円 5">
+              <a:extLst>
+                <a:ext uri="{FF2B5EF4-FFF2-40B4-BE49-F238E27FC236}">
+                  <a16:creationId xmlns:a16="http://schemas.microsoft.com/office/drawing/2014/main" id="{01A74F12-F0B8-81BC-86F3-1E86E9301BF8}"/>
+                </a:ext>
+              </a:extLst>
+            </p:cNvPr>
+            <p:cNvSpPr/>
+            <p:nvPr/>
+          </p:nvSpPr>
+          <p:spPr bwMode="auto">
+            <a:xfrm>
+              <a:off x="3219297" y="3036332"/>
+              <a:ext cx="304800" cy="304800"/>
+            </a:xfrm>
+            <a:prstGeom prst="ellipse">
+              <a:avLst/>
+            </a:prstGeom>
+            <a:solidFill>
+              <a:schemeClr val="accent2">
+                <a:lumMod val="20000"/>
+                <a:lumOff val="80000"/>
+              </a:schemeClr>
+            </a:solidFill>
+            <a:ln w="9525" cap="flat" cmpd="sng" algn="ctr">
+              <a:solidFill>
+                <a:schemeClr val="tx1"/>
+              </a:solidFill>
+              <a:prstDash val="solid"/>
+              <a:round/>
+              <a:headEnd type="none" w="med" len="med"/>
+              <a:tailEnd type="triangle" w="med" len="med"/>
+            </a:ln>
+            <a:effectLst/>
+          </p:spPr>
+          <p:txBody>
+            <a:bodyPr vert="horz" wrap="none" lIns="90000" tIns="46800" rIns="90000" bIns="46800" numCol="1" rtlCol="0" anchor="ctr" anchorCtr="0" compatLnSpc="1">
+              <a:prstTxWarp prst="textNoShape">
+                <a:avLst/>
+              </a:prstTxWarp>
+              <a:noAutofit/>
+            </a:bodyPr>
+            <a:lstStyle/>
+            <a:p>
+              <a:pPr marL="0" marR="0" indent="0" algn="ctr" defTabSz="914400" rtl="0" eaLnBrk="1" fontAlgn="base" latinLnBrk="0" hangingPunct="1">
+                <a:lnSpc>
+                  <a:spcPct val="90000"/>
+                </a:lnSpc>
+                <a:spcBef>
+                  <a:spcPct val="20000"/>
+                </a:spcBef>
+                <a:spcAft>
+                  <a:spcPct val="0"/>
+                </a:spcAft>
+                <a:buClrTx/>
+                <a:buSzTx/>
+                <a:buFontTx/>
+                <a:buNone/>
+                <a:tabLst/>
+              </a:pPr>
+              <a:r>
+                <a:rPr kumimoji="1" lang="en-US" altLang="ja-JP" sz="1800" b="0" i="0" u="none" strike="noStrike" cap="none" normalizeH="0" baseline="0" dirty="0">
+                  <a:ln>
+                    <a:noFill/>
+                  </a:ln>
+                  <a:solidFill>
+                    <a:schemeClr val="tx1"/>
+                  </a:solidFill>
+                  <a:effectLst/>
+                  <a:latin typeface="Times New Roman" pitchFamily="18" charset="0"/>
+                  <a:ea typeface="メイリオ" pitchFamily="50" charset="-128"/>
+                  <a:cs typeface="メイリオ" pitchFamily="50" charset="-128"/>
+                </a:rPr>
+                <a:t>2</a:t>
+              </a:r>
+              <a:endParaRPr kumimoji="1" lang="ja-JP" altLang="en-US" sz="1800" b="0" i="0" u="none" strike="noStrike" cap="none" normalizeH="0" baseline="0" dirty="0">
+                <a:ln>
+                  <a:noFill/>
+                </a:ln>
+                <a:solidFill>
+                  <a:schemeClr val="tx1"/>
+                </a:solidFill>
+                <a:effectLst/>
+                <a:latin typeface="Times New Roman" pitchFamily="18" charset="0"/>
+                <a:ea typeface="メイリオ" pitchFamily="50" charset="-128"/>
+                <a:cs typeface="メイリオ" pitchFamily="50" charset="-128"/>
+              </a:endParaRPr>
+            </a:p>
+          </p:txBody>
+        </p:sp>
+        <p:sp>
+          <p:nvSpPr>
+            <p:cNvPr id="7" name="楕円 6">
+              <a:extLst>
+                <a:ext uri="{FF2B5EF4-FFF2-40B4-BE49-F238E27FC236}">
+                  <a16:creationId xmlns:a16="http://schemas.microsoft.com/office/drawing/2014/main" id="{08507E0B-C3C4-CC11-5484-2170A75AC472}"/>
+                </a:ext>
+              </a:extLst>
+            </p:cNvPr>
+            <p:cNvSpPr/>
+            <p:nvPr/>
+          </p:nvSpPr>
+          <p:spPr bwMode="auto">
+            <a:xfrm>
+              <a:off x="4190999" y="2630878"/>
+              <a:ext cx="304800" cy="304800"/>
+            </a:xfrm>
+            <a:prstGeom prst="ellipse">
+              <a:avLst/>
+            </a:prstGeom>
+            <a:solidFill>
+              <a:schemeClr val="accent2">
+                <a:lumMod val="40000"/>
+                <a:lumOff val="60000"/>
+              </a:schemeClr>
+            </a:solidFill>
+            <a:ln w="9525" cap="flat" cmpd="sng" algn="ctr">
+              <a:solidFill>
+                <a:schemeClr val="tx1"/>
+              </a:solidFill>
+              <a:prstDash val="solid"/>
+              <a:round/>
+              <a:headEnd type="none" w="med" len="med"/>
+              <a:tailEnd type="triangle" w="med" len="med"/>
+            </a:ln>
+            <a:effectLst/>
+          </p:spPr>
+          <p:txBody>
+            <a:bodyPr vert="horz" wrap="none" lIns="90000" tIns="46800" rIns="90000" bIns="46800" numCol="1" rtlCol="0" anchor="ctr" anchorCtr="0" compatLnSpc="1">
+              <a:prstTxWarp prst="textNoShape">
+                <a:avLst/>
+              </a:prstTxWarp>
+              <a:noAutofit/>
+            </a:bodyPr>
+            <a:lstStyle/>
+            <a:p>
+              <a:pPr marL="0" marR="0" indent="0" algn="ctr" defTabSz="914400" rtl="0" eaLnBrk="1" fontAlgn="base" latinLnBrk="0" hangingPunct="1">
+                <a:lnSpc>
+                  <a:spcPct val="90000"/>
+                </a:lnSpc>
+                <a:spcBef>
+                  <a:spcPct val="20000"/>
+                </a:spcBef>
+                <a:spcAft>
+                  <a:spcPct val="0"/>
+                </a:spcAft>
+                <a:buClrTx/>
+                <a:buSzTx/>
+                <a:buFontTx/>
+                <a:buNone/>
+                <a:tabLst/>
+              </a:pPr>
+              <a:r>
+                <a:rPr kumimoji="1" lang="en-US" altLang="ja-JP" sz="1800" b="0" i="0" u="none" strike="noStrike" cap="none" normalizeH="0" baseline="0" dirty="0">
+                  <a:ln>
+                    <a:noFill/>
+                  </a:ln>
+                  <a:solidFill>
+                    <a:schemeClr val="tx1"/>
+                  </a:solidFill>
+                  <a:effectLst/>
+                  <a:latin typeface="Times New Roman" pitchFamily="18" charset="0"/>
+                  <a:ea typeface="メイリオ" pitchFamily="50" charset="-128"/>
+                  <a:cs typeface="メイリオ" pitchFamily="50" charset="-128"/>
+                </a:rPr>
+                <a:t>2</a:t>
+              </a:r>
+              <a:endParaRPr kumimoji="1" lang="ja-JP" altLang="en-US" sz="1800" b="0" i="0" u="none" strike="noStrike" cap="none" normalizeH="0" baseline="0" dirty="0">
+                <a:ln>
+                  <a:noFill/>
+                </a:ln>
+                <a:solidFill>
+                  <a:schemeClr val="tx1"/>
+                </a:solidFill>
+                <a:effectLst/>
+                <a:latin typeface="Times New Roman" pitchFamily="18" charset="0"/>
+                <a:ea typeface="メイリオ" pitchFamily="50" charset="-128"/>
+                <a:cs typeface="メイリオ" pitchFamily="50" charset="-128"/>
+              </a:endParaRPr>
+            </a:p>
+          </p:txBody>
+        </p:sp>
+        <p:sp>
+          <p:nvSpPr>
+            <p:cNvPr id="8" name="楕円 7">
+              <a:extLst>
+                <a:ext uri="{FF2B5EF4-FFF2-40B4-BE49-F238E27FC236}">
+                  <a16:creationId xmlns:a16="http://schemas.microsoft.com/office/drawing/2014/main" id="{4EAB515D-17C6-B11E-31E0-315673EBA1E8}"/>
+                </a:ext>
+              </a:extLst>
+            </p:cNvPr>
+            <p:cNvSpPr/>
+            <p:nvPr/>
+          </p:nvSpPr>
+          <p:spPr bwMode="auto">
+            <a:xfrm>
+              <a:off x="4185007" y="3483083"/>
+              <a:ext cx="304800" cy="304800"/>
+            </a:xfrm>
+            <a:prstGeom prst="ellipse">
+              <a:avLst/>
+            </a:prstGeom>
+            <a:solidFill>
+              <a:schemeClr val="accent2">
+                <a:lumMod val="60000"/>
+                <a:lumOff val="40000"/>
+              </a:schemeClr>
+            </a:solidFill>
+            <a:ln w="9525" cap="flat" cmpd="sng" algn="ctr">
+              <a:solidFill>
+                <a:schemeClr val="tx1"/>
+              </a:solidFill>
+              <a:prstDash val="solid"/>
+              <a:round/>
+              <a:headEnd type="none" w="med" len="med"/>
+              <a:tailEnd type="triangle" w="med" len="med"/>
+            </a:ln>
+            <a:effectLst/>
+          </p:spPr>
+          <p:txBody>
+            <a:bodyPr vert="horz" wrap="none" lIns="90000" tIns="46800" rIns="90000" bIns="46800" numCol="1" rtlCol="0" anchor="ctr" anchorCtr="0" compatLnSpc="1">
+              <a:prstTxWarp prst="textNoShape">
+                <a:avLst/>
+              </a:prstTxWarp>
+              <a:noAutofit/>
+            </a:bodyPr>
+            <a:lstStyle/>
+            <a:p>
+              <a:pPr marL="0" marR="0" indent="0" algn="ctr" defTabSz="914400" rtl="0" eaLnBrk="1" fontAlgn="base" latinLnBrk="0" hangingPunct="1">
+                <a:lnSpc>
+                  <a:spcPct val="90000"/>
+                </a:lnSpc>
+                <a:spcBef>
+                  <a:spcPct val="20000"/>
+                </a:spcBef>
+                <a:spcAft>
+                  <a:spcPct val="0"/>
+                </a:spcAft>
+                <a:buClrTx/>
+                <a:buSzTx/>
+                <a:buFontTx/>
+                <a:buNone/>
+                <a:tabLst/>
+              </a:pPr>
+              <a:r>
+                <a:rPr kumimoji="1" lang="en-US" altLang="ja-JP" sz="1800" b="0" i="0" u="none" strike="noStrike" cap="none" normalizeH="0" baseline="0" dirty="0">
+                  <a:ln>
+                    <a:noFill/>
+                  </a:ln>
+                  <a:solidFill>
+                    <a:schemeClr val="tx1"/>
+                  </a:solidFill>
+                  <a:effectLst/>
+                  <a:latin typeface="Times New Roman" pitchFamily="18" charset="0"/>
+                  <a:ea typeface="メイリオ" pitchFamily="50" charset="-128"/>
+                  <a:cs typeface="メイリオ" pitchFamily="50" charset="-128"/>
+                </a:rPr>
+                <a:t>3</a:t>
+              </a:r>
+              <a:endParaRPr kumimoji="1" lang="ja-JP" altLang="en-US" sz="1800" b="0" i="0" u="none" strike="noStrike" cap="none" normalizeH="0" baseline="0" dirty="0">
+                <a:ln>
+                  <a:noFill/>
+                </a:ln>
+                <a:solidFill>
+                  <a:schemeClr val="tx1"/>
+                </a:solidFill>
+                <a:effectLst/>
+                <a:latin typeface="Times New Roman" pitchFamily="18" charset="0"/>
+                <a:ea typeface="メイリオ" pitchFamily="50" charset="-128"/>
+                <a:cs typeface="メイリオ" pitchFamily="50" charset="-128"/>
+              </a:endParaRPr>
+            </a:p>
+          </p:txBody>
+        </p:sp>
+        <p:sp>
+          <p:nvSpPr>
+            <p:cNvPr id="9" name="楕円 8">
+              <a:extLst>
+                <a:ext uri="{FF2B5EF4-FFF2-40B4-BE49-F238E27FC236}">
+                  <a16:creationId xmlns:a16="http://schemas.microsoft.com/office/drawing/2014/main" id="{D76689E7-776B-444F-88DD-78560304554A}"/>
+                </a:ext>
+              </a:extLst>
+            </p:cNvPr>
+            <p:cNvSpPr/>
+            <p:nvPr/>
+          </p:nvSpPr>
+          <p:spPr bwMode="auto">
+            <a:xfrm>
+              <a:off x="5136973" y="3036332"/>
+              <a:ext cx="304800" cy="304800"/>
+            </a:xfrm>
+            <a:prstGeom prst="ellipse">
+              <a:avLst/>
+            </a:prstGeom>
+            <a:solidFill>
+              <a:schemeClr val="accent2">
+                <a:lumMod val="75000"/>
+              </a:schemeClr>
+            </a:solidFill>
+            <a:ln w="9525" cap="flat" cmpd="sng" algn="ctr">
+              <a:solidFill>
+                <a:schemeClr val="tx1"/>
+              </a:solidFill>
+              <a:prstDash val="solid"/>
+              <a:round/>
+              <a:headEnd type="none" w="med" len="med"/>
+              <a:tailEnd type="triangle" w="med" len="med"/>
+            </a:ln>
+            <a:effectLst/>
+          </p:spPr>
+          <p:txBody>
+            <a:bodyPr vert="horz" wrap="none" lIns="90000" tIns="46800" rIns="90000" bIns="46800" numCol="1" rtlCol="0" anchor="ctr" anchorCtr="0" compatLnSpc="1">
+              <a:prstTxWarp prst="textNoShape">
+                <a:avLst/>
+              </a:prstTxWarp>
+              <a:noAutofit/>
+            </a:bodyPr>
+            <a:lstStyle/>
+            <a:p>
+              <a:pPr marL="0" marR="0" indent="0" algn="ctr" defTabSz="914400" rtl="0" eaLnBrk="1" fontAlgn="base" latinLnBrk="0" hangingPunct="1">
+                <a:lnSpc>
+                  <a:spcPct val="90000"/>
+                </a:lnSpc>
+                <a:spcBef>
+                  <a:spcPct val="20000"/>
+                </a:spcBef>
+                <a:spcAft>
+                  <a:spcPct val="0"/>
+                </a:spcAft>
+                <a:buClrTx/>
+                <a:buSzTx/>
+                <a:buFontTx/>
+                <a:buNone/>
+                <a:tabLst/>
+              </a:pPr>
+              <a:r>
+                <a:rPr kumimoji="1" lang="en-US" altLang="ja-JP" sz="1800" b="0" i="0" u="none" strike="noStrike" cap="none" normalizeH="0" baseline="0" dirty="0">
+                  <a:ln>
+                    <a:noFill/>
+                  </a:ln>
+                  <a:solidFill>
+                    <a:schemeClr val="tx1"/>
+                  </a:solidFill>
+                  <a:effectLst/>
+                  <a:latin typeface="Times New Roman" pitchFamily="18" charset="0"/>
+                  <a:ea typeface="メイリオ" pitchFamily="50" charset="-128"/>
+                  <a:cs typeface="メイリオ" pitchFamily="50" charset="-128"/>
+                </a:rPr>
+                <a:t>2</a:t>
+              </a:r>
+              <a:endParaRPr kumimoji="1" lang="ja-JP" altLang="en-US" sz="1800" b="0" i="0" u="none" strike="noStrike" cap="none" normalizeH="0" baseline="0" dirty="0">
+                <a:ln>
+                  <a:noFill/>
+                </a:ln>
+                <a:solidFill>
+                  <a:schemeClr val="tx1"/>
+                </a:solidFill>
+                <a:effectLst/>
+                <a:latin typeface="Times New Roman" pitchFamily="18" charset="0"/>
+                <a:ea typeface="メイリオ" pitchFamily="50" charset="-128"/>
+                <a:cs typeface="メイリオ" pitchFamily="50" charset="-128"/>
+              </a:endParaRPr>
+            </a:p>
+          </p:txBody>
+        </p:sp>
+        <p:cxnSp>
+          <p:nvCxnSpPr>
+            <p:cNvPr id="10" name="直線矢印コネクタ 9">
+              <a:extLst>
+                <a:ext uri="{FF2B5EF4-FFF2-40B4-BE49-F238E27FC236}">
+                  <a16:creationId xmlns:a16="http://schemas.microsoft.com/office/drawing/2014/main" id="{3BBE11A4-6897-1431-5FC8-11663959DF48}"/>
+                </a:ext>
+              </a:extLst>
+            </p:cNvPr>
+            <p:cNvCxnSpPr>
+              <a:stCxn id="6" idx="6"/>
+              <a:endCxn id="7" idx="2"/>
+            </p:cNvCxnSpPr>
+            <p:nvPr/>
+          </p:nvCxnSpPr>
+          <p:spPr bwMode="auto">
+            <a:xfrm flipV="1">
+              <a:off x="3524097" y="2783278"/>
+              <a:ext cx="666902" cy="405454"/>
+            </a:xfrm>
+            <a:prstGeom prst="straightConnector1">
+              <a:avLst/>
+            </a:prstGeom>
+            <a:solidFill>
+              <a:schemeClr val="accent1"/>
+            </a:solidFill>
+            <a:ln w="9525" cap="flat" cmpd="sng" algn="ctr">
+              <a:solidFill>
+                <a:schemeClr val="accent2"/>
+              </a:solidFill>
+              <a:prstDash val="solid"/>
+              <a:round/>
+              <a:headEnd type="none" w="med" len="med"/>
+              <a:tailEnd type="triangle"/>
+            </a:ln>
+            <a:effectLst/>
+            <a:extLst>
+              <a:ext uri="{AF507438-7753-43E0-B8FC-AC1667EBCBE1}">
+                <a14:hiddenEffects xmlns:a14="http://schemas.microsoft.com/office/drawing/2010/main">
+                  <a:effectLst>
+                    <a:outerShdw dist="35921" dir="2700000" algn="ctr" rotWithShape="0">
+                      <a:schemeClr val="bg2"/>
+                    </a:outerShdw>
+                  </a:effectLst>
+                </a14:hiddenEffects>
+              </a:ext>
+            </a:extLst>
+          </p:spPr>
+        </p:cxnSp>
+        <p:cxnSp>
+          <p:nvCxnSpPr>
+            <p:cNvPr id="11" name="直線矢印コネクタ 10">
+              <a:extLst>
+                <a:ext uri="{FF2B5EF4-FFF2-40B4-BE49-F238E27FC236}">
+                  <a16:creationId xmlns:a16="http://schemas.microsoft.com/office/drawing/2014/main" id="{8C9DF20A-0DE4-3132-77E5-2A67E9ABB69A}"/>
+                </a:ext>
+              </a:extLst>
+            </p:cNvPr>
+            <p:cNvCxnSpPr>
+              <a:stCxn id="6" idx="6"/>
+              <a:endCxn id="8" idx="2"/>
+            </p:cNvCxnSpPr>
+            <p:nvPr/>
+          </p:nvCxnSpPr>
+          <p:spPr bwMode="auto">
+            <a:xfrm>
+              <a:off x="3524097" y="3188732"/>
+              <a:ext cx="660910" cy="446751"/>
+            </a:xfrm>
+            <a:prstGeom prst="straightConnector1">
+              <a:avLst/>
+            </a:prstGeom>
+            <a:solidFill>
+              <a:schemeClr val="accent1"/>
+            </a:solidFill>
+            <a:ln w="9525" cap="flat" cmpd="sng" algn="ctr">
+              <a:solidFill>
+                <a:schemeClr val="accent2"/>
+              </a:solidFill>
+              <a:prstDash val="solid"/>
+              <a:round/>
+              <a:headEnd type="none" w="med" len="med"/>
+              <a:tailEnd type="triangle"/>
+            </a:ln>
+            <a:effectLst/>
+            <a:extLst>
+              <a:ext uri="{AF507438-7753-43E0-B8FC-AC1667EBCBE1}">
+                <a14:hiddenEffects xmlns:a14="http://schemas.microsoft.com/office/drawing/2010/main">
+                  <a:effectLst>
+                    <a:outerShdw dist="35921" dir="2700000" algn="ctr" rotWithShape="0">
+                      <a:schemeClr val="bg2"/>
+                    </a:outerShdw>
+                  </a:effectLst>
+                </a14:hiddenEffects>
+              </a:ext>
+            </a:extLst>
+          </p:spPr>
+        </p:cxnSp>
+        <p:cxnSp>
+          <p:nvCxnSpPr>
+            <p:cNvPr id="13" name="直線矢印コネクタ 12">
+              <a:extLst>
+                <a:ext uri="{FF2B5EF4-FFF2-40B4-BE49-F238E27FC236}">
+                  <a16:creationId xmlns:a16="http://schemas.microsoft.com/office/drawing/2014/main" id="{674A5A3C-F8D0-BA32-C24A-A57B38DBE73C}"/>
+                </a:ext>
+              </a:extLst>
+            </p:cNvPr>
+            <p:cNvCxnSpPr>
+              <a:stCxn id="8" idx="6"/>
+              <a:endCxn id="9" idx="2"/>
+            </p:cNvCxnSpPr>
+            <p:nvPr/>
+          </p:nvCxnSpPr>
+          <p:spPr bwMode="auto">
+            <a:xfrm flipV="1">
+              <a:off x="4489807" y="3188732"/>
+              <a:ext cx="647166" cy="446751"/>
+            </a:xfrm>
+            <a:prstGeom prst="straightConnector1">
+              <a:avLst/>
+            </a:prstGeom>
+            <a:solidFill>
+              <a:schemeClr val="accent1"/>
+            </a:solidFill>
+            <a:ln w="9525" cap="flat" cmpd="sng" algn="ctr">
+              <a:solidFill>
+                <a:schemeClr val="accent2"/>
+              </a:solidFill>
+              <a:prstDash val="solid"/>
+              <a:round/>
+              <a:headEnd type="none" w="med" len="med"/>
+              <a:tailEnd type="triangle"/>
+            </a:ln>
+            <a:effectLst/>
+            <a:extLst>
+              <a:ext uri="{AF507438-7753-43E0-B8FC-AC1667EBCBE1}">
+                <a14:hiddenEffects xmlns:a14="http://schemas.microsoft.com/office/drawing/2010/main">
+                  <a:effectLst>
+                    <a:outerShdw dist="35921" dir="2700000" algn="ctr" rotWithShape="0">
+                      <a:schemeClr val="bg2"/>
+                    </a:outerShdw>
+                  </a:effectLst>
+                </a14:hiddenEffects>
+              </a:ext>
+            </a:extLst>
+          </p:spPr>
+        </p:cxnSp>
+        <p:cxnSp>
+          <p:nvCxnSpPr>
+            <p:cNvPr id="14" name="直線矢印コネクタ 13">
+              <a:extLst>
+                <a:ext uri="{FF2B5EF4-FFF2-40B4-BE49-F238E27FC236}">
+                  <a16:creationId xmlns:a16="http://schemas.microsoft.com/office/drawing/2014/main" id="{2FF55CA2-DBAA-0AAA-D3F0-C8BCB6F60DCA}"/>
+                </a:ext>
+              </a:extLst>
+            </p:cNvPr>
+            <p:cNvCxnSpPr>
+              <a:stCxn id="7" idx="6"/>
+              <a:endCxn id="9" idx="2"/>
+            </p:cNvCxnSpPr>
+            <p:nvPr/>
+          </p:nvCxnSpPr>
+          <p:spPr bwMode="auto">
+            <a:xfrm>
+              <a:off x="4495799" y="2783278"/>
+              <a:ext cx="641174" cy="405454"/>
+            </a:xfrm>
+            <a:prstGeom prst="straightConnector1">
+              <a:avLst/>
+            </a:prstGeom>
+            <a:solidFill>
+              <a:schemeClr val="accent1"/>
+            </a:solidFill>
+            <a:ln w="9525" cap="flat" cmpd="sng" algn="ctr">
+              <a:solidFill>
+                <a:schemeClr val="accent2"/>
+              </a:solidFill>
+              <a:prstDash val="solid"/>
+              <a:round/>
+              <a:headEnd type="none" w="med" len="med"/>
+              <a:tailEnd type="triangle"/>
+            </a:ln>
+            <a:effectLst/>
+            <a:extLst>
+              <a:ext uri="{AF507438-7753-43E0-B8FC-AC1667EBCBE1}">
+                <a14:hiddenEffects xmlns:a14="http://schemas.microsoft.com/office/drawing/2010/main">
+                  <a:effectLst>
+                    <a:outerShdw dist="35921" dir="2700000" algn="ctr" rotWithShape="0">
+                      <a:schemeClr val="bg2"/>
+                    </a:outerShdw>
+                  </a:effectLst>
+                </a14:hiddenEffects>
+              </a:ext>
+            </a:extLst>
+          </p:spPr>
+        </p:cxnSp>
+      </p:grpSp>
+      <p:sp>
+        <p:nvSpPr>
+          <p:cNvPr id="15" name="楕円 14">
+            <a:extLst>
+              <a:ext uri="{FF2B5EF4-FFF2-40B4-BE49-F238E27FC236}">
+                <a16:creationId xmlns:a16="http://schemas.microsoft.com/office/drawing/2014/main" id="{93925AC8-4D7C-50E7-271B-FD03CF64DFBD}"/>
+              </a:ext>
+            </a:extLst>
+          </p:cNvPr>
+          <p:cNvSpPr/>
+          <p:nvPr/>
+        </p:nvSpPr>
+        <p:spPr bwMode="auto">
+          <a:xfrm>
+            <a:off x="4267279" y="4876800"/>
+            <a:ext cx="386665" cy="386665"/>
+          </a:xfrm>
+          <a:prstGeom prst="ellipse">
+            <a:avLst/>
+          </a:prstGeom>
+          <a:solidFill>
+            <a:schemeClr val="accent2">
+              <a:lumMod val="40000"/>
+              <a:lumOff val="60000"/>
+            </a:schemeClr>
+          </a:solidFill>
+          <a:ln w="9525" cap="flat" cmpd="sng" algn="ctr">
+            <a:solidFill>
+              <a:schemeClr val="tx1"/>
+            </a:solidFill>
+            <a:prstDash val="solid"/>
+            <a:round/>
+            <a:headEnd type="none" w="med" len="med"/>
+            <a:tailEnd type="triangle" w="med" len="med"/>
+          </a:ln>
+          <a:effectLst/>
+        </p:spPr>
+        <p:txBody>
+          <a:bodyPr vert="horz" wrap="none" lIns="90000" tIns="46800" rIns="90000" bIns="46800" numCol="1" rtlCol="0" anchor="ctr" anchorCtr="0" compatLnSpc="1">
+            <a:prstTxWarp prst="textNoShape">
+              <a:avLst/>
+            </a:prstTxWarp>
+            <a:noAutofit/>
+          </a:bodyPr>
+          <a:lstStyle/>
+          <a:p>
+            <a:pPr marL="0" marR="0" indent="0" algn="ctr" defTabSz="914400" rtl="0" eaLnBrk="1" fontAlgn="base" latinLnBrk="0" hangingPunct="1">
+              <a:lnSpc>
+                <a:spcPct val="90000"/>
+              </a:lnSpc>
+              <a:spcBef>
+                <a:spcPct val="20000"/>
+              </a:spcBef>
+              <a:spcAft>
+                <a:spcPct val="0"/>
+              </a:spcAft>
+              <a:buClrTx/>
+              <a:buSzTx/>
+              <a:buFontTx/>
+              <a:buNone/>
+              <a:tabLst/>
+            </a:pPr>
+            <a:r>
+              <a:rPr kumimoji="1" lang="en-US" altLang="ja-JP" sz="1800" b="0" i="0" u="none" strike="noStrike" cap="none" normalizeH="0" baseline="0" dirty="0">
+                <a:ln>
+                  <a:noFill/>
+                </a:ln>
+                <a:solidFill>
+                  <a:schemeClr val="tx1"/>
+                </a:solidFill>
+                <a:effectLst/>
+                <a:latin typeface="Times New Roman" pitchFamily="18" charset="0"/>
+                <a:ea typeface="メイリオ" pitchFamily="50" charset="-128"/>
+                <a:cs typeface="メイリオ" pitchFamily="50" charset="-128"/>
+              </a:rPr>
+              <a:t>2</a:t>
+            </a:r>
+            <a:endParaRPr kumimoji="1" lang="ja-JP" altLang="en-US" sz="1800" b="0" i="0" u="none" strike="noStrike" cap="none" normalizeH="0" baseline="0" dirty="0">
+              <a:ln>
+                <a:noFill/>
+              </a:ln>
+              <a:solidFill>
+                <a:schemeClr val="tx1"/>
+              </a:solidFill>
+              <a:effectLst/>
+              <a:latin typeface="Times New Roman" pitchFamily="18" charset="0"/>
+              <a:ea typeface="メイリオ" pitchFamily="50" charset="-128"/>
+              <a:cs typeface="メイリオ" pitchFamily="50" charset="-128"/>
+            </a:endParaRPr>
+          </a:p>
+        </p:txBody>
+      </p:sp>
+      <p:cxnSp>
+        <p:nvCxnSpPr>
+          <p:cNvPr id="16" name="直線矢印コネクタ 15">
+            <a:extLst>
+              <a:ext uri="{FF2B5EF4-FFF2-40B4-BE49-F238E27FC236}">
+                <a16:creationId xmlns:a16="http://schemas.microsoft.com/office/drawing/2014/main" id="{336EA0E3-0EBE-6929-9D0A-9E1FB2CDBCA5}"/>
+              </a:ext>
+            </a:extLst>
+          </p:cNvPr>
+          <p:cNvCxnSpPr/>
+          <p:nvPr/>
+        </p:nvCxnSpPr>
+        <p:spPr bwMode="auto">
+          <a:xfrm>
+            <a:off x="4191000" y="5590213"/>
+            <a:ext cx="508584" cy="0"/>
+          </a:xfrm>
+          <a:prstGeom prst="straightConnector1">
+            <a:avLst/>
+          </a:prstGeom>
+          <a:solidFill>
+            <a:schemeClr val="accent1"/>
+          </a:solidFill>
+          <a:ln w="9525" cap="flat" cmpd="sng" algn="ctr">
+            <a:solidFill>
+              <a:schemeClr val="accent2"/>
+            </a:solidFill>
+            <a:prstDash val="solid"/>
+            <a:round/>
+            <a:headEnd type="none" w="med" len="med"/>
+            <a:tailEnd type="triangle"/>
+          </a:ln>
+          <a:effectLst/>
+          <a:extLst>
+            <a:ext uri="{AF507438-7753-43E0-B8FC-AC1667EBCBE1}">
+              <a14:hiddenEffects xmlns:a14="http://schemas.microsoft.com/office/drawing/2010/main">
+                <a:effectLst>
+                  <a:outerShdw dist="35921" dir="2700000" algn="ctr" rotWithShape="0">
+                    <a:schemeClr val="bg2"/>
+                  </a:outerShdw>
+                </a:effectLst>
+              </a14:hiddenEffects>
+            </a:ext>
+          </a:extLst>
+        </p:spPr>
+      </p:cxnSp>
+      <p:sp>
+        <p:nvSpPr>
+          <p:cNvPr id="19" name="正方形/長方形 18">
+            <a:extLst>
+              <a:ext uri="{FF2B5EF4-FFF2-40B4-BE49-F238E27FC236}">
+                <a16:creationId xmlns:a16="http://schemas.microsoft.com/office/drawing/2014/main" id="{712B4BA0-1F3E-8334-1A06-3F1D71EDC378}"/>
+              </a:ext>
+            </a:extLst>
+          </p:cNvPr>
+          <p:cNvSpPr/>
+          <p:nvPr/>
+        </p:nvSpPr>
+        <p:spPr bwMode="auto">
+          <a:xfrm>
+            <a:off x="4105264" y="4736756"/>
+            <a:ext cx="1752600" cy="1053418"/>
+          </a:xfrm>
+          <a:prstGeom prst="rect">
+            <a:avLst/>
+          </a:prstGeom>
+          <a:noFill/>
+          <a:ln w="9525" cap="flat" cmpd="sng" algn="ctr">
+            <a:solidFill>
+              <a:schemeClr val="accent2"/>
+            </a:solidFill>
+            <a:prstDash val="solid"/>
+            <a:round/>
+            <a:headEnd type="none" w="med" len="med"/>
+            <a:tailEnd type="triangle" w="med" len="med"/>
+          </a:ln>
+          <a:effectLst/>
+        </p:spPr>
+        <p:txBody>
+          <a:bodyPr vert="horz" wrap="square" lIns="90000" tIns="46800" rIns="90000" bIns="46800" numCol="1" rtlCol="0" anchor="t" anchorCtr="0" compatLnSpc="1">
+            <a:prstTxWarp prst="textNoShape">
+              <a:avLst/>
+            </a:prstTxWarp>
+            <a:spAutoFit/>
+          </a:bodyPr>
+          <a:lstStyle/>
+          <a:p>
+            <a:pPr marL="0" marR="0" indent="0" algn="l" defTabSz="914400" rtl="0" eaLnBrk="1" fontAlgn="base" latinLnBrk="0" hangingPunct="1">
+              <a:lnSpc>
+                <a:spcPct val="90000"/>
+              </a:lnSpc>
+              <a:spcBef>
+                <a:spcPct val="20000"/>
+              </a:spcBef>
+              <a:spcAft>
+                <a:spcPct val="0"/>
+              </a:spcAft>
+              <a:buClrTx/>
+              <a:buSzTx/>
+              <a:buFontTx/>
+              <a:buNone/>
+              <a:tabLst/>
+            </a:pPr>
+            <a:endParaRPr kumimoji="1" lang="ja-JP" altLang="en-US" sz="1800" b="0" i="0" u="none" strike="noStrike" cap="none" normalizeH="0" baseline="0">
+              <a:ln>
+                <a:noFill/>
+              </a:ln>
+              <a:solidFill>
+                <a:schemeClr val="tx1"/>
+              </a:solidFill>
+              <a:effectLst/>
+              <a:latin typeface="Times New Roman" pitchFamily="18" charset="0"/>
+              <a:ea typeface="メイリオ" pitchFamily="50" charset="-128"/>
+              <a:cs typeface="メイリオ" pitchFamily="50" charset="-128"/>
+            </a:endParaRPr>
+          </a:p>
+        </p:txBody>
+      </p:sp>
+      <p:sp>
+        <p:nvSpPr>
+          <p:cNvPr id="22" name="テキスト ボックス 21">
+            <a:extLst>
+              <a:ext uri="{FF2B5EF4-FFF2-40B4-BE49-F238E27FC236}">
+                <a16:creationId xmlns:a16="http://schemas.microsoft.com/office/drawing/2014/main" id="{7175D264-8949-0CA3-CE97-8037083F23C7}"/>
+              </a:ext>
+            </a:extLst>
+          </p:cNvPr>
+          <p:cNvSpPr txBox="1"/>
+          <p:nvPr/>
+        </p:nvSpPr>
+        <p:spPr>
+          <a:xfrm>
+            <a:off x="4900151" y="4900855"/>
+            <a:ext cx="939216" cy="338554"/>
+          </a:xfrm>
+          <a:prstGeom prst="rect">
+            <a:avLst/>
+          </a:prstGeom>
+          <a:noFill/>
+        </p:spPr>
+        <p:txBody>
+          <a:bodyPr wrap="square" rtlCol="0">
+            <a:spAutoFit/>
+          </a:bodyPr>
+          <a:lstStyle/>
+          <a:p>
+            <a:r>
+              <a:rPr kumimoji="1" lang="ja-JP" altLang="en-US" sz="1600" dirty="0"/>
+              <a:t>ノード</a:t>
+            </a:r>
+          </a:p>
+        </p:txBody>
+      </p:sp>
+      <p:sp>
+        <p:nvSpPr>
+          <p:cNvPr id="23" name="テキスト ボックス 22">
+            <a:extLst>
+              <a:ext uri="{FF2B5EF4-FFF2-40B4-BE49-F238E27FC236}">
+                <a16:creationId xmlns:a16="http://schemas.microsoft.com/office/drawing/2014/main" id="{82C310B8-B2CE-3587-2115-32DFCC5EA215}"/>
+              </a:ext>
+            </a:extLst>
+          </p:cNvPr>
+          <p:cNvSpPr txBox="1"/>
+          <p:nvPr/>
+        </p:nvSpPr>
+        <p:spPr>
+          <a:xfrm>
+            <a:off x="4895378" y="5374932"/>
+            <a:ext cx="939216" cy="338554"/>
+          </a:xfrm>
+          <a:prstGeom prst="rect">
+            <a:avLst/>
+          </a:prstGeom>
+          <a:noFill/>
+        </p:spPr>
+        <p:txBody>
+          <a:bodyPr wrap="square" rtlCol="0">
+            <a:spAutoFit/>
+          </a:bodyPr>
+          <a:lstStyle/>
+          <a:p>
+            <a:r>
+              <a:rPr kumimoji="1" lang="ja-JP" altLang="en-US" sz="1600" dirty="0"/>
+              <a:t>エッジ</a:t>
+            </a:r>
+          </a:p>
+        </p:txBody>
+      </p:sp>
+      <p:grpSp>
+        <p:nvGrpSpPr>
+          <p:cNvPr id="24" name="グループ化 23">
+            <a:extLst>
+              <a:ext uri="{FF2B5EF4-FFF2-40B4-BE49-F238E27FC236}">
+                <a16:creationId xmlns:a16="http://schemas.microsoft.com/office/drawing/2014/main" id="{56AD808F-0BE3-C706-ABFC-AB4DA1642C68}"/>
+              </a:ext>
+            </a:extLst>
+          </p:cNvPr>
+          <p:cNvGrpSpPr>
+            <a:grpSpLocks noChangeAspect="1"/>
+          </p:cNvGrpSpPr>
+          <p:nvPr/>
+        </p:nvGrpSpPr>
+        <p:grpSpPr>
+          <a:xfrm>
+            <a:off x="7543800" y="4443267"/>
+            <a:ext cx="3424936" cy="1977492"/>
+            <a:chOff x="8361342" y="5213366"/>
+            <a:chExt cx="2693169" cy="1554984"/>
+          </a:xfrm>
+        </p:grpSpPr>
+        <p:sp>
+          <p:nvSpPr>
+            <p:cNvPr id="25" name="テキスト ボックス 24">
+              <a:extLst>
+                <a:ext uri="{FF2B5EF4-FFF2-40B4-BE49-F238E27FC236}">
+                  <a16:creationId xmlns:a16="http://schemas.microsoft.com/office/drawing/2014/main" id="{E3492FA2-5C94-2E8C-80D7-A4C48DD7566D}"/>
+                </a:ext>
+              </a:extLst>
+            </p:cNvPr>
+            <p:cNvSpPr txBox="1"/>
+            <p:nvPr/>
+          </p:nvSpPr>
+          <p:spPr>
+            <a:xfrm>
+              <a:off x="8361342" y="5213366"/>
+              <a:ext cx="2572849" cy="1554984"/>
+            </a:xfrm>
+            <a:prstGeom prst="rect">
+              <a:avLst/>
+            </a:prstGeom>
+            <a:noFill/>
+            <a:ln>
+              <a:solidFill>
+                <a:schemeClr val="accent2"/>
+              </a:solidFill>
+            </a:ln>
+          </p:spPr>
+          <p:txBody>
+            <a:bodyPr wrap="square" rtlCol="0">
+              <a:spAutoFit/>
+            </a:bodyPr>
+            <a:lstStyle/>
+            <a:p>
+              <a:endParaRPr kumimoji="1" lang="ja-JP" altLang="en-US" dirty="0"/>
+            </a:p>
+          </p:txBody>
+        </p:sp>
+        <p:grpSp>
+          <p:nvGrpSpPr>
+            <p:cNvPr id="26" name="グループ化 25">
+              <a:extLst>
+                <a:ext uri="{FF2B5EF4-FFF2-40B4-BE49-F238E27FC236}">
+                  <a16:creationId xmlns:a16="http://schemas.microsoft.com/office/drawing/2014/main" id="{DB68B697-E02B-6576-C965-FEEC3176EDA5}"/>
+                </a:ext>
+              </a:extLst>
+            </p:cNvPr>
+            <p:cNvGrpSpPr>
+              <a:grpSpLocks noChangeAspect="1"/>
+            </p:cNvGrpSpPr>
+            <p:nvPr/>
+          </p:nvGrpSpPr>
+          <p:grpSpPr>
+            <a:xfrm>
+              <a:off x="8404123" y="5713702"/>
+              <a:ext cx="2189603" cy="1004084"/>
+              <a:chOff x="3219297" y="4495800"/>
+              <a:chExt cx="3067203" cy="1406524"/>
+            </a:xfrm>
+          </p:grpSpPr>
+          <p:cxnSp>
+            <p:nvCxnSpPr>
+              <p:cNvPr id="29" name="直線矢印コネクタ 28">
+                <a:extLst>
+                  <a:ext uri="{FF2B5EF4-FFF2-40B4-BE49-F238E27FC236}">
+                    <a16:creationId xmlns:a16="http://schemas.microsoft.com/office/drawing/2014/main" id="{50D5115A-ACCF-A8FB-3982-71310FDE5F30}"/>
+                  </a:ext>
+                </a:extLst>
+              </p:cNvPr>
+              <p:cNvCxnSpPr/>
+              <p:nvPr/>
+            </p:nvCxnSpPr>
+            <p:spPr bwMode="auto">
+              <a:xfrm flipV="1">
+                <a:off x="3371697" y="4495800"/>
+                <a:ext cx="0" cy="1406524"/>
+              </a:xfrm>
+              <a:prstGeom prst="straightConnector1">
+                <a:avLst/>
+              </a:prstGeom>
+              <a:solidFill>
+                <a:schemeClr val="accent1"/>
+              </a:solidFill>
+              <a:ln w="9525" cap="flat" cmpd="sng" algn="ctr">
+                <a:solidFill>
+                  <a:schemeClr val="tx1"/>
+                </a:solidFill>
+                <a:prstDash val="solid"/>
+                <a:round/>
+                <a:headEnd type="none" w="med" len="med"/>
+                <a:tailEnd type="triangle"/>
+              </a:ln>
+              <a:effectLst/>
+              <a:extLst>
+                <a:ext uri="{AF507438-7753-43E0-B8FC-AC1667EBCBE1}">
+                  <a14:hiddenEffects xmlns:a14="http://schemas.microsoft.com/office/drawing/2010/main">
+                    <a:effectLst>
+                      <a:outerShdw dist="35921" dir="2700000" algn="ctr" rotWithShape="0">
+                        <a:schemeClr val="bg2"/>
+                      </a:outerShdw>
+                    </a:effectLst>
+                  </a14:hiddenEffects>
+                </a:ext>
+              </a:extLst>
+            </p:spPr>
+          </p:cxnSp>
+          <p:cxnSp>
+            <p:nvCxnSpPr>
+              <p:cNvPr id="30" name="直線矢印コネクタ 29">
+                <a:extLst>
+                  <a:ext uri="{FF2B5EF4-FFF2-40B4-BE49-F238E27FC236}">
+                    <a16:creationId xmlns:a16="http://schemas.microsoft.com/office/drawing/2014/main" id="{3BB0BA7A-71D7-29B6-5413-1E4C25C07237}"/>
+                  </a:ext>
+                </a:extLst>
+              </p:cNvPr>
+              <p:cNvCxnSpPr/>
+              <p:nvPr/>
+            </p:nvCxnSpPr>
+            <p:spPr bwMode="auto">
+              <a:xfrm>
+                <a:off x="3219297" y="5715000"/>
+                <a:ext cx="3067203" cy="0"/>
+              </a:xfrm>
+              <a:prstGeom prst="straightConnector1">
+                <a:avLst/>
+              </a:prstGeom>
+              <a:solidFill>
+                <a:schemeClr val="accent1"/>
+              </a:solidFill>
+              <a:ln w="9525" cap="flat" cmpd="sng" algn="ctr">
+                <a:solidFill>
+                  <a:schemeClr val="tx1"/>
+                </a:solidFill>
+                <a:prstDash val="solid"/>
+                <a:round/>
+                <a:headEnd type="none" w="med" len="med"/>
+                <a:tailEnd type="triangle"/>
+              </a:ln>
+              <a:effectLst/>
+              <a:extLst>
+                <a:ext uri="{AF507438-7753-43E0-B8FC-AC1667EBCBE1}">
+                  <a14:hiddenEffects xmlns:a14="http://schemas.microsoft.com/office/drawing/2010/main">
+                    <a:effectLst>
+                      <a:outerShdw dist="35921" dir="2700000" algn="ctr" rotWithShape="0">
+                        <a:schemeClr val="bg2"/>
+                      </a:outerShdw>
+                    </a:effectLst>
+                  </a14:hiddenEffects>
+                </a:ext>
+              </a:extLst>
+            </p:spPr>
+          </p:cxnSp>
+          <p:sp>
+            <p:nvSpPr>
+              <p:cNvPr id="31" name="正方形/長方形 30">
+                <a:extLst>
+                  <a:ext uri="{FF2B5EF4-FFF2-40B4-BE49-F238E27FC236}">
+                    <a16:creationId xmlns:a16="http://schemas.microsoft.com/office/drawing/2014/main" id="{19DF3511-8E62-9F67-05CA-7DBB5CE1C0E6}"/>
+                  </a:ext>
+                </a:extLst>
+              </p:cNvPr>
+              <p:cNvSpPr/>
+              <p:nvPr/>
+            </p:nvSpPr>
+            <p:spPr bwMode="auto">
+              <a:xfrm>
+                <a:off x="3371697" y="5410200"/>
+                <a:ext cx="666903" cy="304795"/>
+              </a:xfrm>
+              <a:prstGeom prst="rect">
+                <a:avLst/>
+              </a:prstGeom>
+              <a:solidFill>
+                <a:schemeClr val="accent2">
+                  <a:lumMod val="20000"/>
+                  <a:lumOff val="80000"/>
+                </a:schemeClr>
+              </a:solidFill>
+              <a:ln w="9525" cap="flat" cmpd="sng" algn="ctr">
+                <a:solidFill>
+                  <a:schemeClr val="tx1"/>
+                </a:solidFill>
+                <a:prstDash val="solid"/>
+                <a:round/>
+                <a:headEnd type="none" w="med" len="med"/>
+                <a:tailEnd type="triangle" w="med" len="med"/>
+              </a:ln>
+              <a:effectLst/>
+            </p:spPr>
+            <p:txBody>
+              <a:bodyPr vert="horz" wrap="square" lIns="90000" tIns="46800" rIns="90000" bIns="46800" numCol="1" rtlCol="0" anchor="t" anchorCtr="0" compatLnSpc="1">
+                <a:prstTxWarp prst="textNoShape">
+                  <a:avLst/>
+                </a:prstTxWarp>
+                <a:spAutoFit/>
+              </a:bodyPr>
+              <a:lstStyle/>
+              <a:p>
+                <a:pPr marL="0" marR="0" indent="0" algn="l" defTabSz="914400" rtl="0" eaLnBrk="1" fontAlgn="base" latinLnBrk="0" hangingPunct="1">
+                  <a:lnSpc>
+                    <a:spcPct val="90000"/>
+                  </a:lnSpc>
+                  <a:spcBef>
+                    <a:spcPct val="20000"/>
+                  </a:spcBef>
+                  <a:spcAft>
+                    <a:spcPct val="0"/>
+                  </a:spcAft>
+                  <a:buClrTx/>
+                  <a:buSzTx/>
+                  <a:buFontTx/>
+                  <a:buNone/>
+                  <a:tabLst/>
+                </a:pPr>
+                <a:endParaRPr kumimoji="1" lang="ja-JP" altLang="en-US" sz="1800" b="0" i="0" u="none" strike="noStrike" cap="none" normalizeH="0" baseline="0">
+                  <a:ln>
+                    <a:noFill/>
+                  </a:ln>
+                  <a:solidFill>
+                    <a:schemeClr val="tx1"/>
+                  </a:solidFill>
+                  <a:effectLst/>
+                  <a:latin typeface="Times New Roman" pitchFamily="18" charset="0"/>
+                  <a:ea typeface="メイリオ" pitchFamily="50" charset="-128"/>
+                  <a:cs typeface="メイリオ" pitchFamily="50" charset="-128"/>
+                </a:endParaRPr>
+              </a:p>
+            </p:txBody>
+          </p:sp>
+          <p:sp>
+            <p:nvSpPr>
+              <p:cNvPr id="32" name="正方形/長方形 31">
+                <a:extLst>
+                  <a:ext uri="{FF2B5EF4-FFF2-40B4-BE49-F238E27FC236}">
+                    <a16:creationId xmlns:a16="http://schemas.microsoft.com/office/drawing/2014/main" id="{164795FD-E77F-46AC-B421-C5B4D90896B4}"/>
+                  </a:ext>
+                </a:extLst>
+              </p:cNvPr>
+              <p:cNvSpPr/>
+              <p:nvPr/>
+            </p:nvSpPr>
+            <p:spPr bwMode="auto">
+              <a:xfrm>
+                <a:off x="4049124" y="5410199"/>
+                <a:ext cx="1087848" cy="304795"/>
+              </a:xfrm>
+              <a:prstGeom prst="rect">
+                <a:avLst/>
+              </a:prstGeom>
+              <a:solidFill>
+                <a:schemeClr val="accent2">
+                  <a:lumMod val="40000"/>
+                  <a:lumOff val="60000"/>
+                </a:schemeClr>
+              </a:solidFill>
+              <a:ln w="9525" cap="flat" cmpd="sng" algn="ctr">
+                <a:solidFill>
+                  <a:schemeClr val="tx1"/>
+                </a:solidFill>
+                <a:prstDash val="solid"/>
+                <a:round/>
+                <a:headEnd type="none" w="med" len="med"/>
+                <a:tailEnd type="triangle" w="med" len="med"/>
+              </a:ln>
+              <a:effectLst/>
+            </p:spPr>
+            <p:txBody>
+              <a:bodyPr vert="horz" wrap="square" lIns="90000" tIns="46800" rIns="90000" bIns="46800" numCol="1" rtlCol="0" anchor="t" anchorCtr="0" compatLnSpc="1">
+                <a:prstTxWarp prst="textNoShape">
+                  <a:avLst/>
+                </a:prstTxWarp>
+                <a:spAutoFit/>
+              </a:bodyPr>
+              <a:lstStyle/>
+              <a:p>
+                <a:pPr marL="0" marR="0" indent="0" algn="l" defTabSz="914400" rtl="0" eaLnBrk="1" fontAlgn="base" latinLnBrk="0" hangingPunct="1">
+                  <a:lnSpc>
+                    <a:spcPct val="90000"/>
+                  </a:lnSpc>
+                  <a:spcBef>
+                    <a:spcPct val="20000"/>
+                  </a:spcBef>
+                  <a:spcAft>
+                    <a:spcPct val="0"/>
+                  </a:spcAft>
+                  <a:buClrTx/>
+                  <a:buSzTx/>
+                  <a:buFontTx/>
+                  <a:buNone/>
+                  <a:tabLst/>
+                </a:pPr>
+                <a:endParaRPr kumimoji="1" lang="ja-JP" altLang="en-US" sz="1800" b="0" i="0" u="none" strike="noStrike" cap="none" normalizeH="0" baseline="0">
+                  <a:ln>
+                    <a:noFill/>
+                  </a:ln>
+                  <a:solidFill>
+                    <a:schemeClr val="tx1"/>
+                  </a:solidFill>
+                  <a:effectLst/>
+                  <a:latin typeface="Times New Roman" pitchFamily="18" charset="0"/>
+                  <a:ea typeface="メイリオ" pitchFamily="50" charset="-128"/>
+                  <a:cs typeface="メイリオ" pitchFamily="50" charset="-128"/>
+                </a:endParaRPr>
+              </a:p>
+            </p:txBody>
+          </p:sp>
+          <p:sp>
+            <p:nvSpPr>
+              <p:cNvPr id="33" name="正方形/長方形 32">
+                <a:extLst>
+                  <a:ext uri="{FF2B5EF4-FFF2-40B4-BE49-F238E27FC236}">
+                    <a16:creationId xmlns:a16="http://schemas.microsoft.com/office/drawing/2014/main" id="{66188888-02B4-9CD1-08F3-556266F551DF}"/>
+                  </a:ext>
+                </a:extLst>
+              </p:cNvPr>
+              <p:cNvSpPr/>
+              <p:nvPr/>
+            </p:nvSpPr>
+            <p:spPr bwMode="auto">
+              <a:xfrm>
+                <a:off x="4049124" y="5105398"/>
+                <a:ext cx="692328" cy="304795"/>
+              </a:xfrm>
+              <a:prstGeom prst="rect">
+                <a:avLst/>
+              </a:prstGeom>
+              <a:solidFill>
+                <a:schemeClr val="accent2">
+                  <a:lumMod val="60000"/>
+                  <a:lumOff val="40000"/>
+                </a:schemeClr>
+              </a:solidFill>
+              <a:ln w="9525" cap="flat" cmpd="sng" algn="ctr">
+                <a:solidFill>
+                  <a:schemeClr val="tx1"/>
+                </a:solidFill>
+                <a:prstDash val="solid"/>
+                <a:round/>
+                <a:headEnd type="none" w="med" len="med"/>
+                <a:tailEnd type="triangle" w="med" len="med"/>
+              </a:ln>
+              <a:effectLst/>
+            </p:spPr>
+            <p:txBody>
+              <a:bodyPr vert="horz" wrap="square" lIns="90000" tIns="46800" rIns="90000" bIns="46800" numCol="1" rtlCol="0" anchor="t" anchorCtr="0" compatLnSpc="1">
+                <a:prstTxWarp prst="textNoShape">
+                  <a:avLst/>
+                </a:prstTxWarp>
+                <a:spAutoFit/>
+              </a:bodyPr>
+              <a:lstStyle/>
+              <a:p>
+                <a:pPr marL="0" marR="0" indent="0" algn="l" defTabSz="914400" rtl="0" eaLnBrk="1" fontAlgn="base" latinLnBrk="0" hangingPunct="1">
+                  <a:lnSpc>
+                    <a:spcPct val="90000"/>
+                  </a:lnSpc>
+                  <a:spcBef>
+                    <a:spcPct val="20000"/>
+                  </a:spcBef>
+                  <a:spcAft>
+                    <a:spcPct val="0"/>
+                  </a:spcAft>
+                  <a:buClrTx/>
+                  <a:buSzTx/>
+                  <a:buFontTx/>
+                  <a:buNone/>
+                  <a:tabLst/>
+                </a:pPr>
+                <a:endParaRPr kumimoji="1" lang="ja-JP" altLang="en-US" sz="1800" b="0" i="0" u="none" strike="noStrike" cap="none" normalizeH="0" baseline="0">
+                  <a:ln>
+                    <a:noFill/>
+                  </a:ln>
+                  <a:solidFill>
+                    <a:schemeClr val="tx1"/>
+                  </a:solidFill>
+                  <a:effectLst/>
+                  <a:latin typeface="Times New Roman" pitchFamily="18" charset="0"/>
+                  <a:ea typeface="メイリオ" pitchFamily="50" charset="-128"/>
+                  <a:cs typeface="メイリオ" pitchFamily="50" charset="-128"/>
+                </a:endParaRPr>
+              </a:p>
+            </p:txBody>
+          </p:sp>
+        </p:grpSp>
+        <p:sp>
+          <p:nvSpPr>
+            <p:cNvPr id="27" name="正方形/長方形 26">
+              <a:extLst>
+                <a:ext uri="{FF2B5EF4-FFF2-40B4-BE49-F238E27FC236}">
+                  <a16:creationId xmlns:a16="http://schemas.microsoft.com/office/drawing/2014/main" id="{8C20BDC0-68A3-D134-3868-88BEBA4E29D6}"/>
+                </a:ext>
+              </a:extLst>
+            </p:cNvPr>
+            <p:cNvSpPr/>
+            <p:nvPr/>
+          </p:nvSpPr>
+          <p:spPr bwMode="auto">
+            <a:xfrm>
+              <a:off x="10230037" y="5931295"/>
+              <a:ext cx="536281" cy="217586"/>
+            </a:xfrm>
+            <a:prstGeom prst="rect">
+              <a:avLst/>
+            </a:prstGeom>
+            <a:solidFill>
+              <a:schemeClr val="accent2">
+                <a:lumMod val="75000"/>
+              </a:schemeClr>
+            </a:solidFill>
+            <a:ln w="9525" cap="flat" cmpd="sng" algn="ctr">
+              <a:solidFill>
+                <a:schemeClr val="tx1"/>
+              </a:solidFill>
+              <a:prstDash val="solid"/>
+              <a:round/>
+              <a:headEnd type="none" w="med" len="med"/>
+              <a:tailEnd type="triangle" w="med" len="med"/>
+            </a:ln>
+            <a:effectLst/>
+          </p:spPr>
+          <p:txBody>
+            <a:bodyPr vert="horz" wrap="square" lIns="90000" tIns="46800" rIns="90000" bIns="46800" numCol="1" rtlCol="0" anchor="t" anchorCtr="0" compatLnSpc="1">
+              <a:prstTxWarp prst="textNoShape">
+                <a:avLst/>
+              </a:prstTxWarp>
+              <a:spAutoFit/>
+            </a:bodyPr>
+            <a:lstStyle/>
+            <a:p>
+              <a:pPr marL="0" marR="0" indent="0" algn="l" defTabSz="914400" rtl="0" eaLnBrk="1" fontAlgn="base" latinLnBrk="0" hangingPunct="1">
+                <a:lnSpc>
+                  <a:spcPct val="90000"/>
+                </a:lnSpc>
+                <a:spcBef>
+                  <a:spcPct val="20000"/>
+                </a:spcBef>
+                <a:spcAft>
+                  <a:spcPct val="0"/>
+                </a:spcAft>
+                <a:buClrTx/>
+                <a:buSzTx/>
+                <a:buFontTx/>
+                <a:buNone/>
+                <a:tabLst/>
+              </a:pPr>
+              <a:endParaRPr kumimoji="1" lang="ja-JP" altLang="en-US" sz="1800" b="0" i="0" u="none" strike="noStrike" cap="none" normalizeH="0" baseline="0">
+                <a:ln>
+                  <a:noFill/>
+                </a:ln>
+                <a:solidFill>
+                  <a:schemeClr val="tx1"/>
+                </a:solidFill>
+                <a:effectLst/>
+                <a:latin typeface="Times New Roman" pitchFamily="18" charset="0"/>
+                <a:ea typeface="メイリオ" pitchFamily="50" charset="-128"/>
+                <a:cs typeface="メイリオ" pitchFamily="50" charset="-128"/>
+              </a:endParaRPr>
+            </a:p>
+          </p:txBody>
+        </p:sp>
+        <p:pic>
+          <p:nvPicPr>
+            <p:cNvPr id="28" name="グラフィックス 27" descr="手 単色塗りつぶし">
+              <a:extLst>
+                <a:ext uri="{FF2B5EF4-FFF2-40B4-BE49-F238E27FC236}">
+                  <a16:creationId xmlns:a16="http://schemas.microsoft.com/office/drawing/2014/main" id="{C4075DBC-CF45-D566-1ABD-46B363A94740}"/>
+                </a:ext>
+              </a:extLst>
+            </p:cNvPr>
+            <p:cNvPicPr>
+              <a:picLocks noChangeAspect="1"/>
+            </p:cNvPicPr>
+            <p:nvPr/>
+          </p:nvPicPr>
+          <p:blipFill>
+            <a:blip r:embed="rId2">
+              <a:extLst>
+                <a:ext uri="{28A0092B-C50C-407E-A947-70E740481C1C}">
+                  <a14:useLocalDpi xmlns:a14="http://schemas.microsoft.com/office/drawing/2010/main" val="0"/>
+                </a:ext>
+                <a:ext uri="{96DAC541-7B7A-43D3-8B79-37D633B846F1}">
+                  <asvg:svgBlip xmlns:asvg="http://schemas.microsoft.com/office/drawing/2016/SVG/main" r:embed="rId3"/>
+                </a:ext>
+              </a:extLst>
+            </a:blip>
+            <a:stretch>
+              <a:fillRect/>
+            </a:stretch>
+          </p:blipFill>
+          <p:spPr>
+            <a:xfrm>
+              <a:off x="10379726" y="5861570"/>
+              <a:ext cx="674785" cy="674785"/>
+            </a:xfrm>
+            <a:prstGeom prst="rect">
+              <a:avLst/>
+            </a:prstGeom>
+          </p:spPr>
+        </p:pic>
+      </p:grpSp>
     </p:spTree>
     <p:extLst>
       <p:ext uri="{BB962C8B-B14F-4D97-AF65-F5344CB8AC3E}">
@@ -3946,7 +5979,7 @@
           <a:lstStyle/>
           <a:p>
             <a:pPr algn="ctr"/>
-            <a:endParaRPr kumimoji="1" lang="ja-JP" altLang="en-US"/>
+            <a:endParaRPr kumimoji="1" lang="ja-JP" altLang="en-US" dirty="0"/>
           </a:p>
         </p:txBody>
       </p:sp>
@@ -4056,11 +6089,32 @@
           </a:fontRef>
         </p:style>
         <p:txBody>
-          <a:bodyPr rtlCol="0" anchor="ctr"/>
+          <a:bodyPr rtlCol="0" anchor="t"/>
           <a:lstStyle/>
           <a:p>
-            <a:pPr algn="ctr"/>
-            <a:endParaRPr kumimoji="1" lang="ja-JP" altLang="en-US"/>
+            <a:r>
+              <a:rPr kumimoji="1" lang="en-US" altLang="ja-JP" dirty="0">
+                <a:solidFill>
+                  <a:schemeClr val="bg1"/>
+                </a:solidFill>
+              </a:rPr>
+              <a:t>Compile Failure:</a:t>
+            </a:r>
+          </a:p>
+          <a:p>
+            <a:r>
+              <a:rPr lang="en-US" altLang="ja-JP" dirty="0">
+                <a:solidFill>
+                  <a:schemeClr val="bg1"/>
+                </a:solidFill>
+              </a:rPr>
+              <a:t>Time 0: …</a:t>
+            </a:r>
+            <a:endParaRPr kumimoji="1" lang="ja-JP" altLang="en-US" dirty="0">
+              <a:solidFill>
+                <a:schemeClr val="bg1"/>
+              </a:solidFill>
+            </a:endParaRPr>
           </a:p>
         </p:txBody>
       </p:sp>
@@ -4181,6 +6235,1654 @@
           </a:p>
         </p:txBody>
       </p:sp>
+      <p:grpSp>
+        <p:nvGrpSpPr>
+          <p:cNvPr id="71" name="グループ化 70">
+            <a:extLst>
+              <a:ext uri="{FF2B5EF4-FFF2-40B4-BE49-F238E27FC236}">
+                <a16:creationId xmlns:a16="http://schemas.microsoft.com/office/drawing/2014/main" id="{2A3FD364-2317-7631-2F52-06ACA3A5E608}"/>
+              </a:ext>
+            </a:extLst>
+          </p:cNvPr>
+          <p:cNvGrpSpPr/>
+          <p:nvPr/>
+        </p:nvGrpSpPr>
+        <p:grpSpPr>
+          <a:xfrm>
+            <a:off x="3219297" y="2630878"/>
+            <a:ext cx="2222476" cy="1157005"/>
+            <a:chOff x="3219297" y="2630878"/>
+            <a:chExt cx="2222476" cy="1157005"/>
+          </a:xfrm>
+        </p:grpSpPr>
+        <p:sp>
+          <p:nvSpPr>
+            <p:cNvPr id="2" name="楕円 1">
+              <a:extLst>
+                <a:ext uri="{FF2B5EF4-FFF2-40B4-BE49-F238E27FC236}">
+                  <a16:creationId xmlns:a16="http://schemas.microsoft.com/office/drawing/2014/main" id="{377ADAB6-6D09-24FD-2D8D-7273ACBA29E1}"/>
+                </a:ext>
+              </a:extLst>
+            </p:cNvPr>
+            <p:cNvSpPr/>
+            <p:nvPr/>
+          </p:nvSpPr>
+          <p:spPr bwMode="auto">
+            <a:xfrm>
+              <a:off x="3219297" y="3036332"/>
+              <a:ext cx="304800" cy="304800"/>
+            </a:xfrm>
+            <a:prstGeom prst="ellipse">
+              <a:avLst/>
+            </a:prstGeom>
+            <a:solidFill>
+              <a:schemeClr val="accent2">
+                <a:lumMod val="20000"/>
+                <a:lumOff val="80000"/>
+              </a:schemeClr>
+            </a:solidFill>
+            <a:ln w="9525" cap="flat" cmpd="sng" algn="ctr">
+              <a:solidFill>
+                <a:schemeClr val="tx1"/>
+              </a:solidFill>
+              <a:prstDash val="solid"/>
+              <a:round/>
+              <a:headEnd type="none" w="med" len="med"/>
+              <a:tailEnd type="triangle" w="med" len="med"/>
+            </a:ln>
+            <a:effectLst/>
+          </p:spPr>
+          <p:txBody>
+            <a:bodyPr vert="horz" wrap="none" lIns="90000" tIns="46800" rIns="90000" bIns="46800" numCol="1" rtlCol="0" anchor="ctr" anchorCtr="0" compatLnSpc="1">
+              <a:prstTxWarp prst="textNoShape">
+                <a:avLst/>
+              </a:prstTxWarp>
+              <a:noAutofit/>
+            </a:bodyPr>
+            <a:lstStyle/>
+            <a:p>
+              <a:pPr marL="0" marR="0" indent="0" algn="ctr" defTabSz="914400" rtl="0" eaLnBrk="1" fontAlgn="base" latinLnBrk="0" hangingPunct="1">
+                <a:lnSpc>
+                  <a:spcPct val="90000"/>
+                </a:lnSpc>
+                <a:spcBef>
+                  <a:spcPct val="20000"/>
+                </a:spcBef>
+                <a:spcAft>
+                  <a:spcPct val="0"/>
+                </a:spcAft>
+                <a:buClrTx/>
+                <a:buSzTx/>
+                <a:buFontTx/>
+                <a:buNone/>
+                <a:tabLst/>
+              </a:pPr>
+              <a:r>
+                <a:rPr kumimoji="1" lang="en-US" altLang="ja-JP" sz="1800" b="0" i="0" u="none" strike="noStrike" cap="none" normalizeH="0" baseline="0" dirty="0">
+                  <a:ln>
+                    <a:noFill/>
+                  </a:ln>
+                  <a:solidFill>
+                    <a:schemeClr val="tx1"/>
+                  </a:solidFill>
+                  <a:effectLst/>
+                  <a:latin typeface="Times New Roman" pitchFamily="18" charset="0"/>
+                  <a:ea typeface="メイリオ" pitchFamily="50" charset="-128"/>
+                  <a:cs typeface="メイリオ" pitchFamily="50" charset="-128"/>
+                </a:rPr>
+                <a:t>2</a:t>
+              </a:r>
+              <a:endParaRPr kumimoji="1" lang="ja-JP" altLang="en-US" sz="1800" b="0" i="0" u="none" strike="noStrike" cap="none" normalizeH="0" baseline="0" dirty="0">
+                <a:ln>
+                  <a:noFill/>
+                </a:ln>
+                <a:solidFill>
+                  <a:schemeClr val="tx1"/>
+                </a:solidFill>
+                <a:effectLst/>
+                <a:latin typeface="Times New Roman" pitchFamily="18" charset="0"/>
+                <a:ea typeface="メイリオ" pitchFamily="50" charset="-128"/>
+                <a:cs typeface="メイリオ" pitchFamily="50" charset="-128"/>
+              </a:endParaRPr>
+            </a:p>
+          </p:txBody>
+        </p:sp>
+        <p:sp>
+          <p:nvSpPr>
+            <p:cNvPr id="3" name="楕円 2">
+              <a:extLst>
+                <a:ext uri="{FF2B5EF4-FFF2-40B4-BE49-F238E27FC236}">
+                  <a16:creationId xmlns:a16="http://schemas.microsoft.com/office/drawing/2014/main" id="{E34D7E4F-21A7-2685-CA48-716CE9FE49DC}"/>
+                </a:ext>
+              </a:extLst>
+            </p:cNvPr>
+            <p:cNvSpPr/>
+            <p:nvPr/>
+          </p:nvSpPr>
+          <p:spPr bwMode="auto">
+            <a:xfrm>
+              <a:off x="4190999" y="2630878"/>
+              <a:ext cx="304800" cy="304800"/>
+            </a:xfrm>
+            <a:prstGeom prst="ellipse">
+              <a:avLst/>
+            </a:prstGeom>
+            <a:solidFill>
+              <a:schemeClr val="accent2">
+                <a:lumMod val="40000"/>
+                <a:lumOff val="60000"/>
+              </a:schemeClr>
+            </a:solidFill>
+            <a:ln w="9525" cap="flat" cmpd="sng" algn="ctr">
+              <a:solidFill>
+                <a:schemeClr val="tx1"/>
+              </a:solidFill>
+              <a:prstDash val="solid"/>
+              <a:round/>
+              <a:headEnd type="none" w="med" len="med"/>
+              <a:tailEnd type="triangle" w="med" len="med"/>
+            </a:ln>
+            <a:effectLst/>
+          </p:spPr>
+          <p:txBody>
+            <a:bodyPr vert="horz" wrap="none" lIns="90000" tIns="46800" rIns="90000" bIns="46800" numCol="1" rtlCol="0" anchor="ctr" anchorCtr="0" compatLnSpc="1">
+              <a:prstTxWarp prst="textNoShape">
+                <a:avLst/>
+              </a:prstTxWarp>
+              <a:noAutofit/>
+            </a:bodyPr>
+            <a:lstStyle/>
+            <a:p>
+              <a:pPr marL="0" marR="0" indent="0" algn="ctr" defTabSz="914400" rtl="0" eaLnBrk="1" fontAlgn="base" latinLnBrk="0" hangingPunct="1">
+                <a:lnSpc>
+                  <a:spcPct val="90000"/>
+                </a:lnSpc>
+                <a:spcBef>
+                  <a:spcPct val="20000"/>
+                </a:spcBef>
+                <a:spcAft>
+                  <a:spcPct val="0"/>
+                </a:spcAft>
+                <a:buClrTx/>
+                <a:buSzTx/>
+                <a:buFontTx/>
+                <a:buNone/>
+                <a:tabLst/>
+              </a:pPr>
+              <a:r>
+                <a:rPr kumimoji="1" lang="en-US" altLang="ja-JP" sz="1800" b="0" i="0" u="none" strike="noStrike" cap="none" normalizeH="0" baseline="0" dirty="0">
+                  <a:ln>
+                    <a:noFill/>
+                  </a:ln>
+                  <a:solidFill>
+                    <a:schemeClr val="tx1"/>
+                  </a:solidFill>
+                  <a:effectLst/>
+                  <a:latin typeface="Times New Roman" pitchFamily="18" charset="0"/>
+                  <a:ea typeface="メイリオ" pitchFamily="50" charset="-128"/>
+                  <a:cs typeface="メイリオ" pitchFamily="50" charset="-128"/>
+                </a:rPr>
+                <a:t>2</a:t>
+              </a:r>
+              <a:endParaRPr kumimoji="1" lang="ja-JP" altLang="en-US" sz="1800" b="0" i="0" u="none" strike="noStrike" cap="none" normalizeH="0" baseline="0" dirty="0">
+                <a:ln>
+                  <a:noFill/>
+                </a:ln>
+                <a:solidFill>
+                  <a:schemeClr val="tx1"/>
+                </a:solidFill>
+                <a:effectLst/>
+                <a:latin typeface="Times New Roman" pitchFamily="18" charset="0"/>
+                <a:ea typeface="メイリオ" pitchFamily="50" charset="-128"/>
+                <a:cs typeface="メイリオ" pitchFamily="50" charset="-128"/>
+              </a:endParaRPr>
+            </a:p>
+          </p:txBody>
+        </p:sp>
+        <p:sp>
+          <p:nvSpPr>
+            <p:cNvPr id="13" name="楕円 12">
+              <a:extLst>
+                <a:ext uri="{FF2B5EF4-FFF2-40B4-BE49-F238E27FC236}">
+                  <a16:creationId xmlns:a16="http://schemas.microsoft.com/office/drawing/2014/main" id="{75ED82C6-EFC8-9959-BABB-4ABA5A49CA92}"/>
+                </a:ext>
+              </a:extLst>
+            </p:cNvPr>
+            <p:cNvSpPr/>
+            <p:nvPr/>
+          </p:nvSpPr>
+          <p:spPr bwMode="auto">
+            <a:xfrm>
+              <a:off x="4185007" y="3483083"/>
+              <a:ext cx="304800" cy="304800"/>
+            </a:xfrm>
+            <a:prstGeom prst="ellipse">
+              <a:avLst/>
+            </a:prstGeom>
+            <a:solidFill>
+              <a:schemeClr val="accent2">
+                <a:lumMod val="60000"/>
+                <a:lumOff val="40000"/>
+              </a:schemeClr>
+            </a:solidFill>
+            <a:ln w="9525" cap="flat" cmpd="sng" algn="ctr">
+              <a:solidFill>
+                <a:schemeClr val="tx1"/>
+              </a:solidFill>
+              <a:prstDash val="solid"/>
+              <a:round/>
+              <a:headEnd type="none" w="med" len="med"/>
+              <a:tailEnd type="triangle" w="med" len="med"/>
+            </a:ln>
+            <a:effectLst/>
+          </p:spPr>
+          <p:txBody>
+            <a:bodyPr vert="horz" wrap="none" lIns="90000" tIns="46800" rIns="90000" bIns="46800" numCol="1" rtlCol="0" anchor="ctr" anchorCtr="0" compatLnSpc="1">
+              <a:prstTxWarp prst="textNoShape">
+                <a:avLst/>
+              </a:prstTxWarp>
+              <a:noAutofit/>
+            </a:bodyPr>
+            <a:lstStyle/>
+            <a:p>
+              <a:pPr marL="0" marR="0" indent="0" algn="ctr" defTabSz="914400" rtl="0" eaLnBrk="1" fontAlgn="base" latinLnBrk="0" hangingPunct="1">
+                <a:lnSpc>
+                  <a:spcPct val="90000"/>
+                </a:lnSpc>
+                <a:spcBef>
+                  <a:spcPct val="20000"/>
+                </a:spcBef>
+                <a:spcAft>
+                  <a:spcPct val="0"/>
+                </a:spcAft>
+                <a:buClrTx/>
+                <a:buSzTx/>
+                <a:buFontTx/>
+                <a:buNone/>
+                <a:tabLst/>
+              </a:pPr>
+              <a:r>
+                <a:rPr kumimoji="1" lang="en-US" altLang="ja-JP" sz="1800" b="0" i="0" u="none" strike="noStrike" cap="none" normalizeH="0" baseline="0" dirty="0">
+                  <a:ln>
+                    <a:noFill/>
+                  </a:ln>
+                  <a:solidFill>
+                    <a:schemeClr val="tx1"/>
+                  </a:solidFill>
+                  <a:effectLst/>
+                  <a:latin typeface="Times New Roman" pitchFamily="18" charset="0"/>
+                  <a:ea typeface="メイリオ" pitchFamily="50" charset="-128"/>
+                  <a:cs typeface="メイリオ" pitchFamily="50" charset="-128"/>
+                </a:rPr>
+                <a:t>3</a:t>
+              </a:r>
+              <a:endParaRPr kumimoji="1" lang="ja-JP" altLang="en-US" sz="1800" b="0" i="0" u="none" strike="noStrike" cap="none" normalizeH="0" baseline="0" dirty="0">
+                <a:ln>
+                  <a:noFill/>
+                </a:ln>
+                <a:solidFill>
+                  <a:schemeClr val="tx1"/>
+                </a:solidFill>
+                <a:effectLst/>
+                <a:latin typeface="Times New Roman" pitchFamily="18" charset="0"/>
+                <a:ea typeface="メイリオ" pitchFamily="50" charset="-128"/>
+                <a:cs typeface="メイリオ" pitchFamily="50" charset="-128"/>
+              </a:endParaRPr>
+            </a:p>
+          </p:txBody>
+        </p:sp>
+        <p:sp>
+          <p:nvSpPr>
+            <p:cNvPr id="14" name="楕円 13">
+              <a:extLst>
+                <a:ext uri="{FF2B5EF4-FFF2-40B4-BE49-F238E27FC236}">
+                  <a16:creationId xmlns:a16="http://schemas.microsoft.com/office/drawing/2014/main" id="{8757970A-64D2-8A5A-DAC0-5307C28C4CCD}"/>
+                </a:ext>
+              </a:extLst>
+            </p:cNvPr>
+            <p:cNvSpPr/>
+            <p:nvPr/>
+          </p:nvSpPr>
+          <p:spPr bwMode="auto">
+            <a:xfrm>
+              <a:off x="5136973" y="3036332"/>
+              <a:ext cx="304800" cy="304800"/>
+            </a:xfrm>
+            <a:prstGeom prst="ellipse">
+              <a:avLst/>
+            </a:prstGeom>
+            <a:solidFill>
+              <a:schemeClr val="accent2">
+                <a:lumMod val="75000"/>
+              </a:schemeClr>
+            </a:solidFill>
+            <a:ln w="9525" cap="flat" cmpd="sng" algn="ctr">
+              <a:solidFill>
+                <a:schemeClr val="tx1"/>
+              </a:solidFill>
+              <a:prstDash val="solid"/>
+              <a:round/>
+              <a:headEnd type="none" w="med" len="med"/>
+              <a:tailEnd type="triangle" w="med" len="med"/>
+            </a:ln>
+            <a:effectLst/>
+          </p:spPr>
+          <p:txBody>
+            <a:bodyPr vert="horz" wrap="none" lIns="90000" tIns="46800" rIns="90000" bIns="46800" numCol="1" rtlCol="0" anchor="ctr" anchorCtr="0" compatLnSpc="1">
+              <a:prstTxWarp prst="textNoShape">
+                <a:avLst/>
+              </a:prstTxWarp>
+              <a:noAutofit/>
+            </a:bodyPr>
+            <a:lstStyle/>
+            <a:p>
+              <a:pPr marL="0" marR="0" indent="0" algn="ctr" defTabSz="914400" rtl="0" eaLnBrk="1" fontAlgn="base" latinLnBrk="0" hangingPunct="1">
+                <a:lnSpc>
+                  <a:spcPct val="90000"/>
+                </a:lnSpc>
+                <a:spcBef>
+                  <a:spcPct val="20000"/>
+                </a:spcBef>
+                <a:spcAft>
+                  <a:spcPct val="0"/>
+                </a:spcAft>
+                <a:buClrTx/>
+                <a:buSzTx/>
+                <a:buFontTx/>
+                <a:buNone/>
+                <a:tabLst/>
+              </a:pPr>
+              <a:r>
+                <a:rPr kumimoji="1" lang="en-US" altLang="ja-JP" sz="1800" b="0" i="0" u="none" strike="noStrike" cap="none" normalizeH="0" baseline="0" dirty="0">
+                  <a:ln>
+                    <a:noFill/>
+                  </a:ln>
+                  <a:solidFill>
+                    <a:schemeClr val="tx1"/>
+                  </a:solidFill>
+                  <a:effectLst/>
+                  <a:latin typeface="Times New Roman" pitchFamily="18" charset="0"/>
+                  <a:ea typeface="メイリオ" pitchFamily="50" charset="-128"/>
+                  <a:cs typeface="メイリオ" pitchFamily="50" charset="-128"/>
+                </a:rPr>
+                <a:t>2</a:t>
+              </a:r>
+              <a:endParaRPr kumimoji="1" lang="ja-JP" altLang="en-US" sz="1800" b="0" i="0" u="none" strike="noStrike" cap="none" normalizeH="0" baseline="0" dirty="0">
+                <a:ln>
+                  <a:noFill/>
+                </a:ln>
+                <a:solidFill>
+                  <a:schemeClr val="tx1"/>
+                </a:solidFill>
+                <a:effectLst/>
+                <a:latin typeface="Times New Roman" pitchFamily="18" charset="0"/>
+                <a:ea typeface="メイリオ" pitchFamily="50" charset="-128"/>
+                <a:cs typeface="メイリオ" pitchFamily="50" charset="-128"/>
+              </a:endParaRPr>
+            </a:p>
+          </p:txBody>
+        </p:sp>
+        <p:cxnSp>
+          <p:nvCxnSpPr>
+            <p:cNvPr id="16" name="直線矢印コネクタ 15">
+              <a:extLst>
+                <a:ext uri="{FF2B5EF4-FFF2-40B4-BE49-F238E27FC236}">
+                  <a16:creationId xmlns:a16="http://schemas.microsoft.com/office/drawing/2014/main" id="{F1C6D10F-9485-C6DC-4001-5D03B3019787}"/>
+                </a:ext>
+              </a:extLst>
+            </p:cNvPr>
+            <p:cNvCxnSpPr>
+              <a:stCxn id="2" idx="6"/>
+              <a:endCxn id="3" idx="2"/>
+            </p:cNvCxnSpPr>
+            <p:nvPr/>
+          </p:nvCxnSpPr>
+          <p:spPr bwMode="auto">
+            <a:xfrm flipV="1">
+              <a:off x="3524097" y="2783278"/>
+              <a:ext cx="666902" cy="405454"/>
+            </a:xfrm>
+            <a:prstGeom prst="straightConnector1">
+              <a:avLst/>
+            </a:prstGeom>
+            <a:solidFill>
+              <a:schemeClr val="accent1"/>
+            </a:solidFill>
+            <a:ln w="9525" cap="flat" cmpd="sng" algn="ctr">
+              <a:solidFill>
+                <a:schemeClr val="accent2">
+                  <a:lumMod val="20000"/>
+                  <a:lumOff val="80000"/>
+                </a:schemeClr>
+              </a:solidFill>
+              <a:prstDash val="solid"/>
+              <a:round/>
+              <a:headEnd type="none" w="med" len="med"/>
+              <a:tailEnd type="triangle"/>
+            </a:ln>
+            <a:effectLst/>
+            <a:extLst>
+              <a:ext uri="{AF507438-7753-43E0-B8FC-AC1667EBCBE1}">
+                <a14:hiddenEffects xmlns:a14="http://schemas.microsoft.com/office/drawing/2010/main">
+                  <a:effectLst>
+                    <a:outerShdw dist="35921" dir="2700000" algn="ctr" rotWithShape="0">
+                      <a:schemeClr val="bg2"/>
+                    </a:outerShdw>
+                  </a:effectLst>
+                </a14:hiddenEffects>
+              </a:ext>
+            </a:extLst>
+          </p:spPr>
+        </p:cxnSp>
+        <p:cxnSp>
+          <p:nvCxnSpPr>
+            <p:cNvPr id="22" name="直線矢印コネクタ 21">
+              <a:extLst>
+                <a:ext uri="{FF2B5EF4-FFF2-40B4-BE49-F238E27FC236}">
+                  <a16:creationId xmlns:a16="http://schemas.microsoft.com/office/drawing/2014/main" id="{A14782BB-6192-112C-4E07-97917638EDE7}"/>
+                </a:ext>
+              </a:extLst>
+            </p:cNvPr>
+            <p:cNvCxnSpPr>
+              <a:stCxn id="2" idx="6"/>
+              <a:endCxn id="13" idx="2"/>
+            </p:cNvCxnSpPr>
+            <p:nvPr/>
+          </p:nvCxnSpPr>
+          <p:spPr bwMode="auto">
+            <a:xfrm>
+              <a:off x="3524097" y="3188732"/>
+              <a:ext cx="660910" cy="446751"/>
+            </a:xfrm>
+            <a:prstGeom prst="straightConnector1">
+              <a:avLst/>
+            </a:prstGeom>
+            <a:solidFill>
+              <a:schemeClr val="accent1"/>
+            </a:solidFill>
+            <a:ln w="9525" cap="flat" cmpd="sng" algn="ctr">
+              <a:solidFill>
+                <a:schemeClr val="accent2">
+                  <a:lumMod val="20000"/>
+                  <a:lumOff val="80000"/>
+                </a:schemeClr>
+              </a:solidFill>
+              <a:prstDash val="solid"/>
+              <a:round/>
+              <a:headEnd type="none" w="med" len="med"/>
+              <a:tailEnd type="triangle"/>
+            </a:ln>
+            <a:effectLst/>
+            <a:extLst>
+              <a:ext uri="{AF507438-7753-43E0-B8FC-AC1667EBCBE1}">
+                <a14:hiddenEffects xmlns:a14="http://schemas.microsoft.com/office/drawing/2010/main">
+                  <a:effectLst>
+                    <a:outerShdw dist="35921" dir="2700000" algn="ctr" rotWithShape="0">
+                      <a:schemeClr val="bg2"/>
+                    </a:outerShdw>
+                  </a:effectLst>
+                </a14:hiddenEffects>
+              </a:ext>
+            </a:extLst>
+          </p:spPr>
+        </p:cxnSp>
+        <p:cxnSp>
+          <p:nvCxnSpPr>
+            <p:cNvPr id="25" name="直線矢印コネクタ 24">
+              <a:extLst>
+                <a:ext uri="{FF2B5EF4-FFF2-40B4-BE49-F238E27FC236}">
+                  <a16:creationId xmlns:a16="http://schemas.microsoft.com/office/drawing/2014/main" id="{240B2984-BD22-8A67-F36F-4DD31B3ADD03}"/>
+                </a:ext>
+              </a:extLst>
+            </p:cNvPr>
+            <p:cNvCxnSpPr>
+              <a:stCxn id="13" idx="6"/>
+              <a:endCxn id="14" idx="2"/>
+            </p:cNvCxnSpPr>
+            <p:nvPr/>
+          </p:nvCxnSpPr>
+          <p:spPr bwMode="auto">
+            <a:xfrm flipV="1">
+              <a:off x="4489807" y="3188732"/>
+              <a:ext cx="647166" cy="446751"/>
+            </a:xfrm>
+            <a:prstGeom prst="straightConnector1">
+              <a:avLst/>
+            </a:prstGeom>
+            <a:solidFill>
+              <a:schemeClr val="accent1"/>
+            </a:solidFill>
+            <a:ln w="9525" cap="flat" cmpd="sng" algn="ctr">
+              <a:solidFill>
+                <a:schemeClr val="accent2">
+                  <a:lumMod val="20000"/>
+                  <a:lumOff val="80000"/>
+                </a:schemeClr>
+              </a:solidFill>
+              <a:prstDash val="solid"/>
+              <a:round/>
+              <a:headEnd type="none" w="med" len="med"/>
+              <a:tailEnd type="triangle"/>
+            </a:ln>
+            <a:effectLst/>
+            <a:extLst>
+              <a:ext uri="{AF507438-7753-43E0-B8FC-AC1667EBCBE1}">
+                <a14:hiddenEffects xmlns:a14="http://schemas.microsoft.com/office/drawing/2010/main">
+                  <a:effectLst>
+                    <a:outerShdw dist="35921" dir="2700000" algn="ctr" rotWithShape="0">
+                      <a:schemeClr val="bg2"/>
+                    </a:outerShdw>
+                  </a:effectLst>
+                </a14:hiddenEffects>
+              </a:ext>
+            </a:extLst>
+          </p:spPr>
+        </p:cxnSp>
+        <p:cxnSp>
+          <p:nvCxnSpPr>
+            <p:cNvPr id="29" name="直線矢印コネクタ 28">
+              <a:extLst>
+                <a:ext uri="{FF2B5EF4-FFF2-40B4-BE49-F238E27FC236}">
+                  <a16:creationId xmlns:a16="http://schemas.microsoft.com/office/drawing/2014/main" id="{71C633F3-52AF-DB96-2EEC-76DF6E54886E}"/>
+                </a:ext>
+              </a:extLst>
+            </p:cNvPr>
+            <p:cNvCxnSpPr>
+              <a:stCxn id="3" idx="6"/>
+              <a:endCxn id="14" idx="2"/>
+            </p:cNvCxnSpPr>
+            <p:nvPr/>
+          </p:nvCxnSpPr>
+          <p:spPr bwMode="auto">
+            <a:xfrm>
+              <a:off x="4495799" y="2783278"/>
+              <a:ext cx="641174" cy="405454"/>
+            </a:xfrm>
+            <a:prstGeom prst="straightConnector1">
+              <a:avLst/>
+            </a:prstGeom>
+            <a:solidFill>
+              <a:schemeClr val="accent1"/>
+            </a:solidFill>
+            <a:ln w="9525" cap="flat" cmpd="sng" algn="ctr">
+              <a:solidFill>
+                <a:schemeClr val="accent2">
+                  <a:lumMod val="20000"/>
+                  <a:lumOff val="80000"/>
+                </a:schemeClr>
+              </a:solidFill>
+              <a:prstDash val="solid"/>
+              <a:round/>
+              <a:headEnd type="none" w="med" len="med"/>
+              <a:tailEnd type="triangle"/>
+            </a:ln>
+            <a:effectLst/>
+            <a:extLst>
+              <a:ext uri="{AF507438-7753-43E0-B8FC-AC1667EBCBE1}">
+                <a14:hiddenEffects xmlns:a14="http://schemas.microsoft.com/office/drawing/2010/main">
+                  <a:effectLst>
+                    <a:outerShdw dist="35921" dir="2700000" algn="ctr" rotWithShape="0">
+                      <a:schemeClr val="bg2"/>
+                    </a:outerShdw>
+                  </a:effectLst>
+                </a14:hiddenEffects>
+              </a:ext>
+            </a:extLst>
+          </p:spPr>
+        </p:cxnSp>
+      </p:grpSp>
+      <p:sp>
+        <p:nvSpPr>
+          <p:cNvPr id="46" name="正方形/長方形 45">
+            <a:extLst>
+              <a:ext uri="{FF2B5EF4-FFF2-40B4-BE49-F238E27FC236}">
+                <a16:creationId xmlns:a16="http://schemas.microsoft.com/office/drawing/2014/main" id="{2D5E4F78-D9A2-B3B2-25B3-20867CD02F86}"/>
+              </a:ext>
+            </a:extLst>
+          </p:cNvPr>
+          <p:cNvSpPr/>
+          <p:nvPr/>
+        </p:nvSpPr>
+        <p:spPr bwMode="auto">
+          <a:xfrm>
+            <a:off x="7541419" y="5152097"/>
+            <a:ext cx="692328" cy="304795"/>
+          </a:xfrm>
+          <a:prstGeom prst="rect">
+            <a:avLst/>
+          </a:prstGeom>
+          <a:solidFill>
+            <a:schemeClr val="accent2">
+              <a:lumMod val="75000"/>
+            </a:schemeClr>
+          </a:solidFill>
+          <a:ln w="9525" cap="flat" cmpd="sng" algn="ctr">
+            <a:solidFill>
+              <a:schemeClr val="tx1"/>
+            </a:solidFill>
+            <a:prstDash val="solid"/>
+            <a:round/>
+            <a:headEnd type="none" w="med" len="med"/>
+            <a:tailEnd type="triangle" w="med" len="med"/>
+          </a:ln>
+          <a:effectLst/>
+        </p:spPr>
+        <p:txBody>
+          <a:bodyPr vert="horz" wrap="square" lIns="90000" tIns="46800" rIns="90000" bIns="46800" numCol="1" rtlCol="0" anchor="t" anchorCtr="0" compatLnSpc="1">
+            <a:prstTxWarp prst="textNoShape">
+              <a:avLst/>
+            </a:prstTxWarp>
+            <a:spAutoFit/>
+          </a:bodyPr>
+          <a:lstStyle/>
+          <a:p>
+            <a:pPr marL="0" marR="0" indent="0" algn="l" defTabSz="914400" rtl="0" eaLnBrk="1" fontAlgn="base" latinLnBrk="0" hangingPunct="1">
+              <a:lnSpc>
+                <a:spcPct val="90000"/>
+              </a:lnSpc>
+              <a:spcBef>
+                <a:spcPct val="20000"/>
+              </a:spcBef>
+              <a:spcAft>
+                <a:spcPct val="0"/>
+              </a:spcAft>
+              <a:buClrTx/>
+              <a:buSzTx/>
+              <a:buFontTx/>
+              <a:buNone/>
+              <a:tabLst/>
+            </a:pPr>
+            <a:endParaRPr kumimoji="1" lang="ja-JP" altLang="en-US" sz="1800" b="0" i="0" u="none" strike="noStrike" cap="none" normalizeH="0" baseline="0">
+              <a:ln>
+                <a:noFill/>
+              </a:ln>
+              <a:solidFill>
+                <a:schemeClr val="tx1"/>
+              </a:solidFill>
+              <a:effectLst/>
+              <a:latin typeface="Times New Roman" pitchFamily="18" charset="0"/>
+              <a:ea typeface="メイリオ" pitchFamily="50" charset="-128"/>
+              <a:cs typeface="メイリオ" pitchFamily="50" charset="-128"/>
+            </a:endParaRPr>
+          </a:p>
+        </p:txBody>
+      </p:sp>
+      <p:grpSp>
+        <p:nvGrpSpPr>
+          <p:cNvPr id="48" name="グループ化 47">
+            <a:extLst>
+              <a:ext uri="{FF2B5EF4-FFF2-40B4-BE49-F238E27FC236}">
+                <a16:creationId xmlns:a16="http://schemas.microsoft.com/office/drawing/2014/main" id="{7836B70E-2F47-7D72-9E3E-8AFB8DF0E704}"/>
+              </a:ext>
+            </a:extLst>
+          </p:cNvPr>
+          <p:cNvGrpSpPr/>
+          <p:nvPr/>
+        </p:nvGrpSpPr>
+        <p:grpSpPr>
+          <a:xfrm>
+            <a:off x="3219297" y="4495800"/>
+            <a:ext cx="3067203" cy="1406524"/>
+            <a:chOff x="3219297" y="4495800"/>
+            <a:chExt cx="3067203" cy="1406524"/>
+          </a:xfrm>
+        </p:grpSpPr>
+        <p:cxnSp>
+          <p:nvCxnSpPr>
+            <p:cNvPr id="38" name="直線矢印コネクタ 37">
+              <a:extLst>
+                <a:ext uri="{FF2B5EF4-FFF2-40B4-BE49-F238E27FC236}">
+                  <a16:creationId xmlns:a16="http://schemas.microsoft.com/office/drawing/2014/main" id="{D165D594-BAE0-41DD-B227-28A905F8845E}"/>
+                </a:ext>
+              </a:extLst>
+            </p:cNvPr>
+            <p:cNvCxnSpPr/>
+            <p:nvPr/>
+          </p:nvCxnSpPr>
+          <p:spPr bwMode="auto">
+            <a:xfrm flipV="1">
+              <a:off x="3371697" y="4495800"/>
+              <a:ext cx="0" cy="1406524"/>
+            </a:xfrm>
+            <a:prstGeom prst="straightConnector1">
+              <a:avLst/>
+            </a:prstGeom>
+            <a:solidFill>
+              <a:schemeClr val="accent1"/>
+            </a:solidFill>
+            <a:ln w="9525" cap="flat" cmpd="sng" algn="ctr">
+              <a:solidFill>
+                <a:schemeClr val="tx1"/>
+              </a:solidFill>
+              <a:prstDash val="solid"/>
+              <a:round/>
+              <a:headEnd type="none" w="med" len="med"/>
+              <a:tailEnd type="triangle"/>
+            </a:ln>
+            <a:effectLst/>
+            <a:extLst>
+              <a:ext uri="{AF507438-7753-43E0-B8FC-AC1667EBCBE1}">
+                <a14:hiddenEffects xmlns:a14="http://schemas.microsoft.com/office/drawing/2010/main">
+                  <a:effectLst>
+                    <a:outerShdw dist="35921" dir="2700000" algn="ctr" rotWithShape="0">
+                      <a:schemeClr val="bg2"/>
+                    </a:outerShdw>
+                  </a:effectLst>
+                </a14:hiddenEffects>
+              </a:ext>
+            </a:extLst>
+          </p:spPr>
+        </p:cxnSp>
+        <p:cxnSp>
+          <p:nvCxnSpPr>
+            <p:cNvPr id="39" name="直線矢印コネクタ 38">
+              <a:extLst>
+                <a:ext uri="{FF2B5EF4-FFF2-40B4-BE49-F238E27FC236}">
+                  <a16:creationId xmlns:a16="http://schemas.microsoft.com/office/drawing/2014/main" id="{3447D6DE-D84C-E7F9-DE86-8A5820B1F40A}"/>
+                </a:ext>
+              </a:extLst>
+            </p:cNvPr>
+            <p:cNvCxnSpPr/>
+            <p:nvPr/>
+          </p:nvCxnSpPr>
+          <p:spPr bwMode="auto">
+            <a:xfrm>
+              <a:off x="3219297" y="5715000"/>
+              <a:ext cx="3067203" cy="0"/>
+            </a:xfrm>
+            <a:prstGeom prst="straightConnector1">
+              <a:avLst/>
+            </a:prstGeom>
+            <a:solidFill>
+              <a:schemeClr val="accent1"/>
+            </a:solidFill>
+            <a:ln w="9525" cap="flat" cmpd="sng" algn="ctr">
+              <a:solidFill>
+                <a:schemeClr val="tx1"/>
+              </a:solidFill>
+              <a:prstDash val="solid"/>
+              <a:round/>
+              <a:headEnd type="none" w="med" len="med"/>
+              <a:tailEnd type="triangle"/>
+            </a:ln>
+            <a:effectLst/>
+            <a:extLst>
+              <a:ext uri="{AF507438-7753-43E0-B8FC-AC1667EBCBE1}">
+                <a14:hiddenEffects xmlns:a14="http://schemas.microsoft.com/office/drawing/2010/main">
+                  <a:effectLst>
+                    <a:outerShdw dist="35921" dir="2700000" algn="ctr" rotWithShape="0">
+                      <a:schemeClr val="bg2"/>
+                    </a:outerShdw>
+                  </a:effectLst>
+                </a14:hiddenEffects>
+              </a:ext>
+            </a:extLst>
+          </p:spPr>
+        </p:cxnSp>
+        <p:sp>
+          <p:nvSpPr>
+            <p:cNvPr id="43" name="正方形/長方形 42">
+              <a:extLst>
+                <a:ext uri="{FF2B5EF4-FFF2-40B4-BE49-F238E27FC236}">
+                  <a16:creationId xmlns:a16="http://schemas.microsoft.com/office/drawing/2014/main" id="{A4653BB2-DEE3-7C4A-7CE1-BE301F38E1E2}"/>
+                </a:ext>
+              </a:extLst>
+            </p:cNvPr>
+            <p:cNvSpPr/>
+            <p:nvPr/>
+          </p:nvSpPr>
+          <p:spPr bwMode="auto">
+            <a:xfrm>
+              <a:off x="3371697" y="5410200"/>
+              <a:ext cx="666903" cy="304795"/>
+            </a:xfrm>
+            <a:prstGeom prst="rect">
+              <a:avLst/>
+            </a:prstGeom>
+            <a:solidFill>
+              <a:schemeClr val="accent2">
+                <a:lumMod val="20000"/>
+                <a:lumOff val="80000"/>
+              </a:schemeClr>
+            </a:solidFill>
+            <a:ln w="9525" cap="flat" cmpd="sng" algn="ctr">
+              <a:solidFill>
+                <a:schemeClr val="tx1"/>
+              </a:solidFill>
+              <a:prstDash val="solid"/>
+              <a:round/>
+              <a:headEnd type="none" w="med" len="med"/>
+              <a:tailEnd type="triangle" w="med" len="med"/>
+            </a:ln>
+            <a:effectLst/>
+          </p:spPr>
+          <p:txBody>
+            <a:bodyPr vert="horz" wrap="square" lIns="90000" tIns="46800" rIns="90000" bIns="46800" numCol="1" rtlCol="0" anchor="t" anchorCtr="0" compatLnSpc="1">
+              <a:prstTxWarp prst="textNoShape">
+                <a:avLst/>
+              </a:prstTxWarp>
+              <a:spAutoFit/>
+            </a:bodyPr>
+            <a:lstStyle/>
+            <a:p>
+              <a:pPr marL="0" marR="0" indent="0" algn="l" defTabSz="914400" rtl="0" eaLnBrk="1" fontAlgn="base" latinLnBrk="0" hangingPunct="1">
+                <a:lnSpc>
+                  <a:spcPct val="90000"/>
+                </a:lnSpc>
+                <a:spcBef>
+                  <a:spcPct val="20000"/>
+                </a:spcBef>
+                <a:spcAft>
+                  <a:spcPct val="0"/>
+                </a:spcAft>
+                <a:buClrTx/>
+                <a:buSzTx/>
+                <a:buFontTx/>
+                <a:buNone/>
+                <a:tabLst/>
+              </a:pPr>
+              <a:endParaRPr kumimoji="1" lang="ja-JP" altLang="en-US" sz="1800" b="0" i="0" u="none" strike="noStrike" cap="none" normalizeH="0" baseline="0">
+                <a:ln>
+                  <a:noFill/>
+                </a:ln>
+                <a:solidFill>
+                  <a:schemeClr val="tx1"/>
+                </a:solidFill>
+                <a:effectLst/>
+                <a:latin typeface="Times New Roman" pitchFamily="18" charset="0"/>
+                <a:ea typeface="メイリオ" pitchFamily="50" charset="-128"/>
+                <a:cs typeface="メイリオ" pitchFamily="50" charset="-128"/>
+              </a:endParaRPr>
+            </a:p>
+          </p:txBody>
+        </p:sp>
+        <p:sp>
+          <p:nvSpPr>
+            <p:cNvPr id="44" name="正方形/長方形 43">
+              <a:extLst>
+                <a:ext uri="{FF2B5EF4-FFF2-40B4-BE49-F238E27FC236}">
+                  <a16:creationId xmlns:a16="http://schemas.microsoft.com/office/drawing/2014/main" id="{C1C0AAA3-C036-22A8-34EC-0830DABFFCE0}"/>
+                </a:ext>
+              </a:extLst>
+            </p:cNvPr>
+            <p:cNvSpPr/>
+            <p:nvPr/>
+          </p:nvSpPr>
+          <p:spPr bwMode="auto">
+            <a:xfrm>
+              <a:off x="4049124" y="5410199"/>
+              <a:ext cx="1087848" cy="304795"/>
+            </a:xfrm>
+            <a:prstGeom prst="rect">
+              <a:avLst/>
+            </a:prstGeom>
+            <a:solidFill>
+              <a:schemeClr val="accent2">
+                <a:lumMod val="40000"/>
+                <a:lumOff val="60000"/>
+              </a:schemeClr>
+            </a:solidFill>
+            <a:ln w="9525" cap="flat" cmpd="sng" algn="ctr">
+              <a:solidFill>
+                <a:schemeClr val="tx1"/>
+              </a:solidFill>
+              <a:prstDash val="solid"/>
+              <a:round/>
+              <a:headEnd type="none" w="med" len="med"/>
+              <a:tailEnd type="triangle" w="med" len="med"/>
+            </a:ln>
+            <a:effectLst/>
+          </p:spPr>
+          <p:txBody>
+            <a:bodyPr vert="horz" wrap="square" lIns="90000" tIns="46800" rIns="90000" bIns="46800" numCol="1" rtlCol="0" anchor="t" anchorCtr="0" compatLnSpc="1">
+              <a:prstTxWarp prst="textNoShape">
+                <a:avLst/>
+              </a:prstTxWarp>
+              <a:spAutoFit/>
+            </a:bodyPr>
+            <a:lstStyle/>
+            <a:p>
+              <a:pPr marL="0" marR="0" indent="0" algn="l" defTabSz="914400" rtl="0" eaLnBrk="1" fontAlgn="base" latinLnBrk="0" hangingPunct="1">
+                <a:lnSpc>
+                  <a:spcPct val="90000"/>
+                </a:lnSpc>
+                <a:spcBef>
+                  <a:spcPct val="20000"/>
+                </a:spcBef>
+                <a:spcAft>
+                  <a:spcPct val="0"/>
+                </a:spcAft>
+                <a:buClrTx/>
+                <a:buSzTx/>
+                <a:buFontTx/>
+                <a:buNone/>
+                <a:tabLst/>
+              </a:pPr>
+              <a:endParaRPr kumimoji="1" lang="ja-JP" altLang="en-US" sz="1800" b="0" i="0" u="none" strike="noStrike" cap="none" normalizeH="0" baseline="0">
+                <a:ln>
+                  <a:noFill/>
+                </a:ln>
+                <a:solidFill>
+                  <a:schemeClr val="tx1"/>
+                </a:solidFill>
+                <a:effectLst/>
+                <a:latin typeface="Times New Roman" pitchFamily="18" charset="0"/>
+                <a:ea typeface="メイリオ" pitchFamily="50" charset="-128"/>
+                <a:cs typeface="メイリオ" pitchFamily="50" charset="-128"/>
+              </a:endParaRPr>
+            </a:p>
+          </p:txBody>
+        </p:sp>
+        <p:sp>
+          <p:nvSpPr>
+            <p:cNvPr id="47" name="正方形/長方形 46">
+              <a:extLst>
+                <a:ext uri="{FF2B5EF4-FFF2-40B4-BE49-F238E27FC236}">
+                  <a16:creationId xmlns:a16="http://schemas.microsoft.com/office/drawing/2014/main" id="{A556BD6B-898A-9442-332B-50B9E2879FE2}"/>
+                </a:ext>
+              </a:extLst>
+            </p:cNvPr>
+            <p:cNvSpPr/>
+            <p:nvPr/>
+          </p:nvSpPr>
+          <p:spPr bwMode="auto">
+            <a:xfrm>
+              <a:off x="3852938" y="5105398"/>
+              <a:ext cx="692328" cy="304795"/>
+            </a:xfrm>
+            <a:prstGeom prst="rect">
+              <a:avLst/>
+            </a:prstGeom>
+            <a:solidFill>
+              <a:schemeClr val="accent2">
+                <a:lumMod val="60000"/>
+                <a:lumOff val="40000"/>
+              </a:schemeClr>
+            </a:solidFill>
+            <a:ln w="9525" cap="flat" cmpd="sng" algn="ctr">
+              <a:solidFill>
+                <a:schemeClr val="tx1"/>
+              </a:solidFill>
+              <a:prstDash val="solid"/>
+              <a:round/>
+              <a:headEnd type="none" w="med" len="med"/>
+              <a:tailEnd type="triangle" w="med" len="med"/>
+            </a:ln>
+            <a:effectLst/>
+          </p:spPr>
+          <p:txBody>
+            <a:bodyPr vert="horz" wrap="square" lIns="90000" tIns="46800" rIns="90000" bIns="46800" numCol="1" rtlCol="0" anchor="t" anchorCtr="0" compatLnSpc="1">
+              <a:prstTxWarp prst="textNoShape">
+                <a:avLst/>
+              </a:prstTxWarp>
+              <a:spAutoFit/>
+            </a:bodyPr>
+            <a:lstStyle/>
+            <a:p>
+              <a:pPr marL="0" marR="0" indent="0" algn="l" defTabSz="914400" rtl="0" eaLnBrk="1" fontAlgn="base" latinLnBrk="0" hangingPunct="1">
+                <a:lnSpc>
+                  <a:spcPct val="90000"/>
+                </a:lnSpc>
+                <a:spcBef>
+                  <a:spcPct val="20000"/>
+                </a:spcBef>
+                <a:spcAft>
+                  <a:spcPct val="0"/>
+                </a:spcAft>
+                <a:buClrTx/>
+                <a:buSzTx/>
+                <a:buFontTx/>
+                <a:buNone/>
+                <a:tabLst/>
+              </a:pPr>
+              <a:endParaRPr kumimoji="1" lang="ja-JP" altLang="en-US" sz="1800" b="0" i="0" u="none" strike="noStrike" cap="none" normalizeH="0" baseline="0">
+                <a:ln>
+                  <a:noFill/>
+                </a:ln>
+                <a:solidFill>
+                  <a:schemeClr val="tx1"/>
+                </a:solidFill>
+                <a:effectLst/>
+                <a:latin typeface="Times New Roman" pitchFamily="18" charset="0"/>
+                <a:ea typeface="メイリオ" pitchFamily="50" charset="-128"/>
+                <a:cs typeface="メイリオ" pitchFamily="50" charset="-128"/>
+              </a:endParaRPr>
+            </a:p>
+          </p:txBody>
+        </p:sp>
+      </p:grpSp>
+      <p:sp>
+        <p:nvSpPr>
+          <p:cNvPr id="49" name="テキスト ボックス 48">
+            <a:extLst>
+              <a:ext uri="{FF2B5EF4-FFF2-40B4-BE49-F238E27FC236}">
+                <a16:creationId xmlns:a16="http://schemas.microsoft.com/office/drawing/2014/main" id="{E5967CCF-7B03-06F1-7C47-70BFFDC8DBCC}"/>
+              </a:ext>
+            </a:extLst>
+          </p:cNvPr>
+          <p:cNvSpPr txBox="1"/>
+          <p:nvPr/>
+        </p:nvSpPr>
+        <p:spPr>
+          <a:xfrm>
+            <a:off x="331696" y="5122605"/>
+            <a:ext cx="2487704" cy="1052057"/>
+          </a:xfrm>
+          <a:prstGeom prst="rect">
+            <a:avLst/>
+          </a:prstGeom>
+          <a:noFill/>
+          <a:ln>
+            <a:solidFill>
+              <a:schemeClr val="accent2"/>
+            </a:solidFill>
+          </a:ln>
+        </p:spPr>
+        <p:txBody>
+          <a:bodyPr wrap="square" rtlCol="0">
+            <a:noAutofit/>
+          </a:bodyPr>
+          <a:lstStyle/>
+          <a:p>
+            <a:r>
+              <a:rPr lang="ja-JP" altLang="en-US" sz="1600" dirty="0"/>
+              <a:t>ノード配置エリア</a:t>
+            </a:r>
+            <a:endParaRPr lang="en-US" altLang="ja-JP" sz="1600" dirty="0"/>
+          </a:p>
+          <a:p>
+            <a:r>
+              <a:rPr lang="ja-JP" altLang="en-US" sz="1600" dirty="0"/>
+              <a:t>　ドラッグ</a:t>
+            </a:r>
+            <a:r>
+              <a:rPr lang="en-US" altLang="ja-JP" sz="1600" dirty="0"/>
+              <a:t>&amp;</a:t>
+            </a:r>
+            <a:r>
+              <a:rPr lang="ja-JP" altLang="en-US" sz="1600" dirty="0"/>
+              <a:t>ドロップで</a:t>
+            </a:r>
+            <a:endParaRPr lang="en-US" altLang="ja-JP" sz="1600" dirty="0"/>
+          </a:p>
+          <a:p>
+            <a:r>
+              <a:rPr lang="ja-JP" altLang="en-US" sz="1600" dirty="0"/>
+              <a:t>　設置</a:t>
+            </a:r>
+            <a:r>
+              <a:rPr lang="en-US" altLang="ja-JP" sz="1600" dirty="0"/>
+              <a:t>=</a:t>
+            </a:r>
+            <a:r>
+              <a:rPr lang="ja-JP" altLang="en-US" sz="1600" dirty="0"/>
+              <a:t>スケジュー</a:t>
+            </a:r>
+            <a:endParaRPr lang="en-US" altLang="ja-JP" sz="1600" dirty="0"/>
+          </a:p>
+          <a:p>
+            <a:r>
+              <a:rPr lang="ja-JP" altLang="en-US" sz="1600" dirty="0"/>
+              <a:t>　リングする</a:t>
+            </a:r>
+            <a:endParaRPr lang="en-US" altLang="ja-JP" sz="1600" dirty="0"/>
+          </a:p>
+        </p:txBody>
+      </p:sp>
+      <p:sp>
+        <p:nvSpPr>
+          <p:cNvPr id="50" name="テキスト ボックス 49">
+            <a:extLst>
+              <a:ext uri="{FF2B5EF4-FFF2-40B4-BE49-F238E27FC236}">
+                <a16:creationId xmlns:a16="http://schemas.microsoft.com/office/drawing/2014/main" id="{23029338-ED7E-B90B-D698-1DE782962A31}"/>
+              </a:ext>
+            </a:extLst>
+          </p:cNvPr>
+          <p:cNvSpPr txBox="1"/>
+          <p:nvPr/>
+        </p:nvSpPr>
+        <p:spPr>
+          <a:xfrm>
+            <a:off x="330853" y="3261854"/>
+            <a:ext cx="2487704" cy="1052057"/>
+          </a:xfrm>
+          <a:prstGeom prst="rect">
+            <a:avLst/>
+          </a:prstGeom>
+          <a:noFill/>
+          <a:ln>
+            <a:solidFill>
+              <a:schemeClr val="accent2"/>
+            </a:solidFill>
+          </a:ln>
+        </p:spPr>
+        <p:txBody>
+          <a:bodyPr wrap="square" rtlCol="0">
+            <a:noAutofit/>
+          </a:bodyPr>
+          <a:lstStyle/>
+          <a:p>
+            <a:r>
+              <a:rPr lang="ja-JP" altLang="en-US" sz="1600" dirty="0"/>
+              <a:t>クイズ問題の</a:t>
+            </a:r>
+            <a:r>
+              <a:rPr lang="en-US" altLang="ja-JP" sz="1600" dirty="0"/>
+              <a:t>DAG</a:t>
+            </a:r>
+          </a:p>
+          <a:p>
+            <a:r>
+              <a:rPr lang="ja-JP" altLang="en-US" sz="1600" dirty="0"/>
+              <a:t>　この制約に則って</a:t>
+            </a:r>
+            <a:endParaRPr lang="en-US" altLang="ja-JP" sz="1600" dirty="0"/>
+          </a:p>
+          <a:p>
+            <a:r>
+              <a:rPr lang="ja-JP" altLang="en-US" sz="1600" dirty="0"/>
+              <a:t>　左下エリアにノードを</a:t>
+            </a:r>
+            <a:endParaRPr lang="en-US" altLang="ja-JP" sz="1600" dirty="0"/>
+          </a:p>
+          <a:p>
+            <a:r>
+              <a:rPr lang="ja-JP" altLang="en-US" sz="1600" dirty="0"/>
+              <a:t>　配置する</a:t>
+            </a:r>
+            <a:endParaRPr lang="en-US" altLang="ja-JP" sz="1600" dirty="0"/>
+          </a:p>
+        </p:txBody>
+      </p:sp>
+      <p:sp>
+        <p:nvSpPr>
+          <p:cNvPr id="51" name="テキスト ボックス 50">
+            <a:extLst>
+              <a:ext uri="{FF2B5EF4-FFF2-40B4-BE49-F238E27FC236}">
+                <a16:creationId xmlns:a16="http://schemas.microsoft.com/office/drawing/2014/main" id="{C7AB3373-2EED-141B-EFE0-DE51510EBE7D}"/>
+              </a:ext>
+            </a:extLst>
+          </p:cNvPr>
+          <p:cNvSpPr txBox="1"/>
+          <p:nvPr/>
+        </p:nvSpPr>
+        <p:spPr>
+          <a:xfrm>
+            <a:off x="9372599" y="3232190"/>
+            <a:ext cx="2487704" cy="830317"/>
+          </a:xfrm>
+          <a:prstGeom prst="rect">
+            <a:avLst/>
+          </a:prstGeom>
+          <a:noFill/>
+          <a:ln>
+            <a:solidFill>
+              <a:schemeClr val="accent2"/>
+            </a:solidFill>
+          </a:ln>
+        </p:spPr>
+        <p:txBody>
+          <a:bodyPr wrap="square" rtlCol="0">
+            <a:noAutofit/>
+          </a:bodyPr>
+          <a:lstStyle/>
+          <a:p>
+            <a:r>
+              <a:rPr lang="ja-JP" altLang="en-US" sz="1600" dirty="0"/>
+              <a:t>コンパイルログエリア</a:t>
+            </a:r>
+            <a:endParaRPr lang="en-US" altLang="ja-JP" sz="1600" dirty="0"/>
+          </a:p>
+          <a:p>
+            <a:r>
+              <a:rPr lang="ja-JP" altLang="en-US" sz="1600" dirty="0"/>
+              <a:t>　配置に制約上の</a:t>
+            </a:r>
+            <a:endParaRPr lang="en-US" altLang="ja-JP" sz="1600" dirty="0"/>
+          </a:p>
+          <a:p>
+            <a:r>
+              <a:rPr lang="ja-JP" altLang="en-US" sz="1600" dirty="0"/>
+              <a:t>　間違いがあったら表示</a:t>
+            </a:r>
+            <a:endParaRPr lang="en-US" altLang="ja-JP" sz="1600" dirty="0"/>
+          </a:p>
+        </p:txBody>
+      </p:sp>
+      <p:sp>
+        <p:nvSpPr>
+          <p:cNvPr id="52" name="テキスト ボックス 51">
+            <a:extLst>
+              <a:ext uri="{FF2B5EF4-FFF2-40B4-BE49-F238E27FC236}">
+                <a16:creationId xmlns:a16="http://schemas.microsoft.com/office/drawing/2014/main" id="{ABF2AF50-9672-A319-4394-8C7C78CB22D3}"/>
+              </a:ext>
+            </a:extLst>
+          </p:cNvPr>
+          <p:cNvSpPr txBox="1"/>
+          <p:nvPr/>
+        </p:nvSpPr>
+        <p:spPr>
+          <a:xfrm>
+            <a:off x="9378206" y="5723012"/>
+            <a:ext cx="2487704" cy="830317"/>
+          </a:xfrm>
+          <a:prstGeom prst="rect">
+            <a:avLst/>
+          </a:prstGeom>
+          <a:noFill/>
+          <a:ln>
+            <a:solidFill>
+              <a:schemeClr val="accent2"/>
+            </a:solidFill>
+          </a:ln>
+        </p:spPr>
+        <p:txBody>
+          <a:bodyPr wrap="square" rtlCol="0">
+            <a:noAutofit/>
+          </a:bodyPr>
+          <a:lstStyle/>
+          <a:p>
+            <a:r>
+              <a:rPr lang="ja-JP" altLang="en-US" sz="1600" dirty="0"/>
+              <a:t>ノード初期配置</a:t>
+            </a:r>
+            <a:endParaRPr lang="en-US" altLang="ja-JP" sz="1600" dirty="0"/>
+          </a:p>
+          <a:p>
+            <a:r>
+              <a:rPr lang="ja-JP" altLang="en-US" sz="1600" dirty="0"/>
+              <a:t>　配置する対象のノード</a:t>
+            </a:r>
+            <a:endParaRPr lang="en-US" altLang="ja-JP" sz="1600" dirty="0"/>
+          </a:p>
+          <a:p>
+            <a:r>
+              <a:rPr lang="ja-JP" altLang="en-US" sz="1600" dirty="0"/>
+              <a:t>　がここに出現する</a:t>
+            </a:r>
+            <a:endParaRPr lang="en-US" altLang="ja-JP" sz="1600" dirty="0"/>
+          </a:p>
+        </p:txBody>
+      </p:sp>
+      <p:sp>
+        <p:nvSpPr>
+          <p:cNvPr id="53" name="テキスト ボックス 52">
+            <a:extLst>
+              <a:ext uri="{FF2B5EF4-FFF2-40B4-BE49-F238E27FC236}">
+                <a16:creationId xmlns:a16="http://schemas.microsoft.com/office/drawing/2014/main" id="{90F7D7C4-DB71-9DE1-50A4-8E3FEBFC01F7}"/>
+              </a:ext>
+            </a:extLst>
+          </p:cNvPr>
+          <p:cNvSpPr txBox="1"/>
+          <p:nvPr/>
+        </p:nvSpPr>
+        <p:spPr>
+          <a:xfrm>
+            <a:off x="9378206" y="4477601"/>
+            <a:ext cx="2487704" cy="830317"/>
+          </a:xfrm>
+          <a:prstGeom prst="rect">
+            <a:avLst/>
+          </a:prstGeom>
+          <a:noFill/>
+          <a:ln>
+            <a:solidFill>
+              <a:schemeClr val="accent2"/>
+            </a:solidFill>
+          </a:ln>
+        </p:spPr>
+        <p:txBody>
+          <a:bodyPr wrap="square" rtlCol="0">
+            <a:noAutofit/>
+          </a:bodyPr>
+          <a:lstStyle/>
+          <a:p>
+            <a:r>
+              <a:rPr lang="ja-JP" altLang="en-US" sz="1600" dirty="0"/>
+              <a:t>コンパイルボタン</a:t>
+            </a:r>
+            <a:endParaRPr lang="en-US" altLang="ja-JP" sz="1600" dirty="0"/>
+          </a:p>
+          <a:p>
+            <a:r>
+              <a:rPr lang="ja-JP" altLang="en-US" sz="1600" dirty="0"/>
+              <a:t>　クリックすると自動で</a:t>
+            </a:r>
+            <a:endParaRPr lang="en-US" altLang="ja-JP" sz="1600" dirty="0"/>
+          </a:p>
+          <a:p>
+            <a:r>
+              <a:rPr lang="ja-JP" altLang="en-US" sz="1600" dirty="0"/>
+              <a:t>　答え合わせする</a:t>
+            </a:r>
+            <a:endParaRPr lang="en-US" altLang="ja-JP" sz="1600" dirty="0"/>
+          </a:p>
+        </p:txBody>
+      </p:sp>
+      <p:sp>
+        <p:nvSpPr>
+          <p:cNvPr id="55" name="正方形/長方形 54">
+            <a:extLst>
+              <a:ext uri="{FF2B5EF4-FFF2-40B4-BE49-F238E27FC236}">
+                <a16:creationId xmlns:a16="http://schemas.microsoft.com/office/drawing/2014/main" id="{DC190916-DD06-FD73-F29E-70BE411C47C3}"/>
+              </a:ext>
+            </a:extLst>
+          </p:cNvPr>
+          <p:cNvSpPr/>
+          <p:nvPr/>
+        </p:nvSpPr>
+        <p:spPr bwMode="auto">
+          <a:xfrm>
+            <a:off x="7620000" y="4137025"/>
+            <a:ext cx="1510405" cy="350738"/>
+          </a:xfrm>
+          <a:prstGeom prst="rect">
+            <a:avLst/>
+          </a:prstGeom>
+          <a:solidFill>
+            <a:schemeClr val="accent2">
+              <a:lumMod val="20000"/>
+              <a:lumOff val="80000"/>
+            </a:schemeClr>
+          </a:solidFill>
+          <a:ln w="9525" cap="flat" cmpd="sng" algn="ctr">
+            <a:solidFill>
+              <a:schemeClr val="tx1"/>
+            </a:solidFill>
+            <a:prstDash val="solid"/>
+            <a:round/>
+            <a:headEnd type="none" w="med" len="med"/>
+            <a:tailEnd type="triangle" w="med" len="med"/>
+          </a:ln>
+          <a:effectLst/>
+        </p:spPr>
+        <p:txBody>
+          <a:bodyPr vert="horz" wrap="square" lIns="90000" tIns="46800" rIns="90000" bIns="46800" numCol="1" rtlCol="0" anchor="t" anchorCtr="0" compatLnSpc="1">
+            <a:prstTxWarp prst="textNoShape">
+              <a:avLst/>
+            </a:prstTxWarp>
+            <a:spAutoFit/>
+          </a:bodyPr>
+          <a:lstStyle/>
+          <a:p>
+            <a:pPr marL="0" marR="0" indent="0" algn="ctr" defTabSz="914400" rtl="0" eaLnBrk="1" fontAlgn="base" latinLnBrk="0" hangingPunct="1">
+              <a:lnSpc>
+                <a:spcPct val="90000"/>
+              </a:lnSpc>
+              <a:spcBef>
+                <a:spcPct val="20000"/>
+              </a:spcBef>
+              <a:spcAft>
+                <a:spcPct val="0"/>
+              </a:spcAft>
+              <a:buClrTx/>
+              <a:buSzTx/>
+              <a:buFontTx/>
+              <a:buNone/>
+              <a:tabLst/>
+            </a:pPr>
+            <a:r>
+              <a:rPr kumimoji="1" lang="ja-JP" altLang="en-US" sz="1800" b="0" i="0" u="none" strike="noStrike" cap="none" normalizeH="0" baseline="0" dirty="0">
+                <a:ln>
+                  <a:noFill/>
+                </a:ln>
+                <a:solidFill>
+                  <a:schemeClr val="tx1"/>
+                </a:solidFill>
+                <a:effectLst/>
+                <a:latin typeface="Times New Roman" pitchFamily="18" charset="0"/>
+                <a:ea typeface="メイリオ" pitchFamily="50" charset="-128"/>
+                <a:cs typeface="メイリオ" pitchFamily="50" charset="-128"/>
+              </a:rPr>
+              <a:t>コンパイル</a:t>
+            </a:r>
+          </a:p>
+        </p:txBody>
+      </p:sp>
+      <p:cxnSp>
+        <p:nvCxnSpPr>
+          <p:cNvPr id="57" name="コネクタ: カギ線 56">
+            <a:extLst>
+              <a:ext uri="{FF2B5EF4-FFF2-40B4-BE49-F238E27FC236}">
+                <a16:creationId xmlns:a16="http://schemas.microsoft.com/office/drawing/2014/main" id="{B9FBFF2C-AE73-417B-1965-9A7F8D03E62C}"/>
+              </a:ext>
+            </a:extLst>
+          </p:cNvPr>
+          <p:cNvCxnSpPr>
+            <a:stCxn id="50" idx="0"/>
+            <a:endCxn id="8" idx="1"/>
+          </p:cNvCxnSpPr>
+          <p:nvPr/>
+        </p:nvCxnSpPr>
+        <p:spPr bwMode="auto">
+          <a:xfrm rot="5400000" flipH="1" flipV="1">
+            <a:off x="2266596" y="2432825"/>
+            <a:ext cx="137138" cy="1520920"/>
+          </a:xfrm>
+          <a:prstGeom prst="bentConnector2">
+            <a:avLst/>
+          </a:prstGeom>
+          <a:solidFill>
+            <a:schemeClr val="accent1"/>
+          </a:solidFill>
+          <a:ln w="9525" cap="flat" cmpd="sng" algn="ctr">
+            <a:solidFill>
+              <a:schemeClr val="accent2"/>
+            </a:solidFill>
+            <a:prstDash val="solid"/>
+            <a:round/>
+            <a:headEnd type="none" w="med" len="med"/>
+            <a:tailEnd type="triangle"/>
+          </a:ln>
+          <a:effectLst/>
+          <a:extLst>
+            <a:ext uri="{AF507438-7753-43E0-B8FC-AC1667EBCBE1}">
+              <a14:hiddenEffects xmlns:a14="http://schemas.microsoft.com/office/drawing/2010/main">
+                <a:effectLst>
+                  <a:outerShdw dist="35921" dir="2700000" algn="ctr" rotWithShape="0">
+                    <a:schemeClr val="bg2"/>
+                  </a:outerShdw>
+                </a:effectLst>
+              </a14:hiddenEffects>
+            </a:ext>
+          </a:extLst>
+        </p:spPr>
+      </p:cxnSp>
+      <p:cxnSp>
+        <p:nvCxnSpPr>
+          <p:cNvPr id="58" name="コネクタ: カギ線 57">
+            <a:extLst>
+              <a:ext uri="{FF2B5EF4-FFF2-40B4-BE49-F238E27FC236}">
+                <a16:creationId xmlns:a16="http://schemas.microsoft.com/office/drawing/2014/main" id="{0941FE2A-326A-3E7F-3C90-B30662EF8025}"/>
+              </a:ext>
+            </a:extLst>
+          </p:cNvPr>
+          <p:cNvCxnSpPr>
+            <a:stCxn id="49" idx="0"/>
+            <a:endCxn id="9" idx="1"/>
+          </p:cNvCxnSpPr>
+          <p:nvPr/>
+        </p:nvCxnSpPr>
+        <p:spPr bwMode="auto">
+          <a:xfrm rot="5400000" flipH="1" flipV="1">
+            <a:off x="2284121" y="4311102"/>
+            <a:ext cx="102930" cy="1520077"/>
+          </a:xfrm>
+          <a:prstGeom prst="bentConnector2">
+            <a:avLst/>
+          </a:prstGeom>
+          <a:solidFill>
+            <a:schemeClr val="accent1"/>
+          </a:solidFill>
+          <a:ln w="9525" cap="flat" cmpd="sng" algn="ctr">
+            <a:solidFill>
+              <a:schemeClr val="accent2"/>
+            </a:solidFill>
+            <a:prstDash val="solid"/>
+            <a:round/>
+            <a:headEnd type="none" w="med" len="med"/>
+            <a:tailEnd type="triangle"/>
+          </a:ln>
+          <a:effectLst/>
+          <a:extLst>
+            <a:ext uri="{AF507438-7753-43E0-B8FC-AC1667EBCBE1}">
+              <a14:hiddenEffects xmlns:a14="http://schemas.microsoft.com/office/drawing/2010/main">
+                <a:effectLst>
+                  <a:outerShdw dist="35921" dir="2700000" algn="ctr" rotWithShape="0">
+                    <a:schemeClr val="bg2"/>
+                  </a:outerShdw>
+                </a:effectLst>
+              </a14:hiddenEffects>
+            </a:ext>
+          </a:extLst>
+        </p:spPr>
+      </p:cxnSp>
+      <p:cxnSp>
+        <p:nvCxnSpPr>
+          <p:cNvPr id="61" name="コネクタ: カギ線 60">
+            <a:extLst>
+              <a:ext uri="{FF2B5EF4-FFF2-40B4-BE49-F238E27FC236}">
+                <a16:creationId xmlns:a16="http://schemas.microsoft.com/office/drawing/2014/main" id="{21895E13-2B47-6DFE-94C8-C893F2AD8D86}"/>
+              </a:ext>
+            </a:extLst>
+          </p:cNvPr>
+          <p:cNvCxnSpPr>
+            <a:stCxn id="51" idx="0"/>
+          </p:cNvCxnSpPr>
+          <p:nvPr/>
+        </p:nvCxnSpPr>
+        <p:spPr bwMode="auto">
+          <a:xfrm rot="16200000" flipV="1">
+            <a:off x="9851699" y="2467438"/>
+            <a:ext cx="43458" cy="1486046"/>
+          </a:xfrm>
+          <a:prstGeom prst="bentConnector2">
+            <a:avLst/>
+          </a:prstGeom>
+          <a:solidFill>
+            <a:schemeClr val="accent1"/>
+          </a:solidFill>
+          <a:ln w="9525" cap="flat" cmpd="sng" algn="ctr">
+            <a:solidFill>
+              <a:schemeClr val="accent2"/>
+            </a:solidFill>
+            <a:prstDash val="solid"/>
+            <a:round/>
+            <a:headEnd type="none" w="med" len="med"/>
+            <a:tailEnd type="triangle"/>
+          </a:ln>
+          <a:effectLst/>
+          <a:extLst>
+            <a:ext uri="{AF507438-7753-43E0-B8FC-AC1667EBCBE1}">
+              <a14:hiddenEffects xmlns:a14="http://schemas.microsoft.com/office/drawing/2010/main">
+                <a:effectLst>
+                  <a:outerShdw dist="35921" dir="2700000" algn="ctr" rotWithShape="0">
+                    <a:schemeClr val="bg2"/>
+                  </a:outerShdw>
+                </a:effectLst>
+              </a14:hiddenEffects>
+            </a:ext>
+          </a:extLst>
+        </p:spPr>
+      </p:cxnSp>
+      <p:cxnSp>
+        <p:nvCxnSpPr>
+          <p:cNvPr id="64" name="コネクタ: カギ線 63">
+            <a:extLst>
+              <a:ext uri="{FF2B5EF4-FFF2-40B4-BE49-F238E27FC236}">
+                <a16:creationId xmlns:a16="http://schemas.microsoft.com/office/drawing/2014/main" id="{0B772D8F-2374-F9DD-35E9-354C57F58CDF}"/>
+              </a:ext>
+            </a:extLst>
+          </p:cNvPr>
+          <p:cNvCxnSpPr>
+            <a:stCxn id="53" idx="0"/>
+            <a:endCxn id="55" idx="3"/>
+          </p:cNvCxnSpPr>
+          <p:nvPr/>
+        </p:nvCxnSpPr>
+        <p:spPr bwMode="auto">
+          <a:xfrm rot="16200000" flipV="1">
+            <a:off x="9793629" y="3649171"/>
+            <a:ext cx="165207" cy="1491653"/>
+          </a:xfrm>
+          <a:prstGeom prst="bentConnector2">
+            <a:avLst/>
+          </a:prstGeom>
+          <a:solidFill>
+            <a:schemeClr val="accent1"/>
+          </a:solidFill>
+          <a:ln w="9525" cap="flat" cmpd="sng" algn="ctr">
+            <a:solidFill>
+              <a:schemeClr val="accent2"/>
+            </a:solidFill>
+            <a:prstDash val="solid"/>
+            <a:round/>
+            <a:headEnd type="none" w="med" len="med"/>
+            <a:tailEnd type="triangle"/>
+          </a:ln>
+          <a:effectLst/>
+          <a:extLst>
+            <a:ext uri="{AF507438-7753-43E0-B8FC-AC1667EBCBE1}">
+              <a14:hiddenEffects xmlns:a14="http://schemas.microsoft.com/office/drawing/2010/main">
+                <a:effectLst>
+                  <a:outerShdw dist="35921" dir="2700000" algn="ctr" rotWithShape="0">
+                    <a:schemeClr val="bg2"/>
+                  </a:outerShdw>
+                </a:effectLst>
+              </a14:hiddenEffects>
+            </a:ext>
+          </a:extLst>
+        </p:spPr>
+      </p:cxnSp>
+      <p:cxnSp>
+        <p:nvCxnSpPr>
+          <p:cNvPr id="67" name="コネクタ: カギ線 66">
+            <a:extLst>
+              <a:ext uri="{FF2B5EF4-FFF2-40B4-BE49-F238E27FC236}">
+                <a16:creationId xmlns:a16="http://schemas.microsoft.com/office/drawing/2014/main" id="{90FDE784-F199-972E-1D30-4FFEAA2D01DD}"/>
+              </a:ext>
+            </a:extLst>
+          </p:cNvPr>
+          <p:cNvCxnSpPr>
+            <a:stCxn id="52" idx="0"/>
+            <a:endCxn id="11" idx="3"/>
+          </p:cNvCxnSpPr>
+          <p:nvPr/>
+        </p:nvCxnSpPr>
+        <p:spPr bwMode="auto">
+          <a:xfrm rot="16200000" flipV="1">
+            <a:off x="9526599" y="4627552"/>
+            <a:ext cx="703337" cy="1487583"/>
+          </a:xfrm>
+          <a:prstGeom prst="bentConnector2">
+            <a:avLst/>
+          </a:prstGeom>
+          <a:solidFill>
+            <a:schemeClr val="accent1"/>
+          </a:solidFill>
+          <a:ln w="9525" cap="flat" cmpd="sng" algn="ctr">
+            <a:solidFill>
+              <a:schemeClr val="accent2"/>
+            </a:solidFill>
+            <a:prstDash val="solid"/>
+            <a:round/>
+            <a:headEnd type="none" w="med" len="med"/>
+            <a:tailEnd type="triangle"/>
+          </a:ln>
+          <a:effectLst/>
+          <a:extLst>
+            <a:ext uri="{AF507438-7753-43E0-B8FC-AC1667EBCBE1}">
+              <a14:hiddenEffects xmlns:a14="http://schemas.microsoft.com/office/drawing/2010/main">
+                <a:effectLst>
+                  <a:outerShdw dist="35921" dir="2700000" algn="ctr" rotWithShape="0">
+                    <a:schemeClr val="bg2"/>
+                  </a:outerShdw>
+                </a:effectLst>
+              </a14:hiddenEffects>
+            </a:ext>
+          </a:extLst>
+        </p:spPr>
+      </p:cxnSp>
     </p:spTree>
     <p:extLst>
       <p:ext uri="{BB962C8B-B14F-4D97-AF65-F5344CB8AC3E}">
@@ -5228,14 +8930,11 @@
             <a:p>
               <a:pPr algn="ctr"/>
               <a:r>
-                <a:rPr kumimoji="1" lang="en-US" altLang="ja-JP" sz="1600" dirty="0" err="1">
+                <a:rPr kumimoji="1" lang="en-US" altLang="ja-JP" sz="1600" dirty="0">
                   <a:latin typeface="+mj-lt"/>
                 </a:rPr>
-                <a:t>HowToDAGScheduling</a:t>
+                <a:t>How To DAG Scheduling</a:t>
               </a:r>
-              <a:endParaRPr kumimoji="1" lang="en-US" altLang="ja-JP" sz="1600" dirty="0">
-                <a:latin typeface="+mj-lt"/>
-              </a:endParaRPr>
             </a:p>
             <a:p>
               <a:pPr algn="ctr"/>
